--- a/Презентация.pptx
+++ b/Презентация.pptx
@@ -7,6 +7,13 @@
   <p:sldIdLst>
     <p:sldId id="256" r:id="rId2"/>
     <p:sldId id="257" r:id="rId3"/>
+    <p:sldId id="258" r:id="rId4"/>
+    <p:sldId id="259" r:id="rId5"/>
+    <p:sldId id="260" r:id="rId6"/>
+    <p:sldId id="261" r:id="rId7"/>
+    <p:sldId id="262" r:id="rId8"/>
+    <p:sldId id="263" r:id="rId9"/>
+    <p:sldId id="264" r:id="rId10"/>
   </p:sldIdLst>
   <p:sldSz cx="12192000" cy="6858000"/>
   <p:notesSz cx="6858000" cy="9144000"/>
@@ -105,6 +112,11 @@
       </a:defRPr>
     </a:lvl9pPr>
   </p:defaultTextStyle>
+  <p:extLst>
+    <p:ext uri="{EFAFB233-063F-42B5-8137-9DF3F51BA10A}">
+      <p15:sldGuideLst xmlns:p15="http://schemas.microsoft.com/office/powerpoint/2012/main"/>
+    </p:ext>
+  </p:extLst>
 </p:presentation>
 </file>
 
@@ -239,7 +251,7 @@
           <a:p>
             <a:fld id="{75D08D02-5B7B-4FA7-BE01-92677483A7CE}" type="datetimeFigureOut">
               <a:rPr lang="ru-RU" smtClean="0"/>
-              <a:t>18.04.2021</a:t>
+              <a:t>19.04.2021</a:t>
             </a:fld>
             <a:endParaRPr lang="ru-RU"/>
           </a:p>
@@ -409,7 +421,7 @@
           <a:p>
             <a:fld id="{75D08D02-5B7B-4FA7-BE01-92677483A7CE}" type="datetimeFigureOut">
               <a:rPr lang="ru-RU" smtClean="0"/>
-              <a:t>18.04.2021</a:t>
+              <a:t>19.04.2021</a:t>
             </a:fld>
             <a:endParaRPr lang="ru-RU"/>
           </a:p>
@@ -589,7 +601,7 @@
           <a:p>
             <a:fld id="{75D08D02-5B7B-4FA7-BE01-92677483A7CE}" type="datetimeFigureOut">
               <a:rPr lang="ru-RU" smtClean="0"/>
-              <a:t>18.04.2021</a:t>
+              <a:t>19.04.2021</a:t>
             </a:fld>
             <a:endParaRPr lang="ru-RU"/>
           </a:p>
@@ -759,7 +771,7 @@
           <a:p>
             <a:fld id="{75D08D02-5B7B-4FA7-BE01-92677483A7CE}" type="datetimeFigureOut">
               <a:rPr lang="ru-RU" smtClean="0"/>
-              <a:t>18.04.2021</a:t>
+              <a:t>19.04.2021</a:t>
             </a:fld>
             <a:endParaRPr lang="ru-RU"/>
           </a:p>
@@ -1005,7 +1017,7 @@
           <a:p>
             <a:fld id="{75D08D02-5B7B-4FA7-BE01-92677483A7CE}" type="datetimeFigureOut">
               <a:rPr lang="ru-RU" smtClean="0"/>
-              <a:t>18.04.2021</a:t>
+              <a:t>19.04.2021</a:t>
             </a:fld>
             <a:endParaRPr lang="ru-RU"/>
           </a:p>
@@ -1237,7 +1249,7 @@
           <a:p>
             <a:fld id="{75D08D02-5B7B-4FA7-BE01-92677483A7CE}" type="datetimeFigureOut">
               <a:rPr lang="ru-RU" smtClean="0"/>
-              <a:t>18.04.2021</a:t>
+              <a:t>19.04.2021</a:t>
             </a:fld>
             <a:endParaRPr lang="ru-RU"/>
           </a:p>
@@ -1604,7 +1616,7 @@
           <a:p>
             <a:fld id="{75D08D02-5B7B-4FA7-BE01-92677483A7CE}" type="datetimeFigureOut">
               <a:rPr lang="ru-RU" smtClean="0"/>
-              <a:t>18.04.2021</a:t>
+              <a:t>19.04.2021</a:t>
             </a:fld>
             <a:endParaRPr lang="ru-RU"/>
           </a:p>
@@ -1722,7 +1734,7 @@
           <a:p>
             <a:fld id="{75D08D02-5B7B-4FA7-BE01-92677483A7CE}" type="datetimeFigureOut">
               <a:rPr lang="ru-RU" smtClean="0"/>
-              <a:t>18.04.2021</a:t>
+              <a:t>19.04.2021</a:t>
             </a:fld>
             <a:endParaRPr lang="ru-RU"/>
           </a:p>
@@ -1817,7 +1829,7 @@
           <a:p>
             <a:fld id="{75D08D02-5B7B-4FA7-BE01-92677483A7CE}" type="datetimeFigureOut">
               <a:rPr lang="ru-RU" smtClean="0"/>
-              <a:t>18.04.2021</a:t>
+              <a:t>19.04.2021</a:t>
             </a:fld>
             <a:endParaRPr lang="ru-RU"/>
           </a:p>
@@ -2094,7 +2106,7 @@
           <a:p>
             <a:fld id="{75D08D02-5B7B-4FA7-BE01-92677483A7CE}" type="datetimeFigureOut">
               <a:rPr lang="ru-RU" smtClean="0"/>
-              <a:t>18.04.2021</a:t>
+              <a:t>19.04.2021</a:t>
             </a:fld>
             <a:endParaRPr lang="ru-RU"/>
           </a:p>
@@ -2347,7 +2359,7 @@
           <a:p>
             <a:fld id="{75D08D02-5B7B-4FA7-BE01-92677483A7CE}" type="datetimeFigureOut">
               <a:rPr lang="ru-RU" smtClean="0"/>
-              <a:t>18.04.2021</a:t>
+              <a:t>19.04.2021</a:t>
             </a:fld>
             <a:endParaRPr lang="ru-RU"/>
           </a:p>
@@ -2560,7 +2572,7 @@
           <a:p>
             <a:fld id="{75D08D02-5B7B-4FA7-BE01-92677483A7CE}" type="datetimeFigureOut">
               <a:rPr lang="ru-RU" smtClean="0"/>
-              <a:t>18.04.2021</a:t>
+              <a:t>19.04.2021</a:t>
             </a:fld>
             <a:endParaRPr lang="ru-RU"/>
           </a:p>
@@ -2982,7 +2994,15 @@
           <a:p>
             <a:r>
               <a:rPr lang="ru-RU" dirty="0" smtClean="0"/>
-              <a:t>Презентация</a:t>
+              <a:t>Проект «</a:t>
+            </a:r>
+            <a:r>
+              <a:rPr lang="en-US" dirty="0" err="1" smtClean="0"/>
+              <a:t>AkraMarket</a:t>
+            </a:r>
+            <a:r>
+              <a:rPr lang="ru-RU" dirty="0" smtClean="0"/>
+              <a:t>»</a:t>
             </a:r>
             <a:endParaRPr lang="ru-RU" dirty="0"/>
           </a:p>
@@ -3005,7 +3025,13 @@
           <a:p>
             <a:r>
               <a:rPr lang="ru-RU" dirty="0" smtClean="0"/>
-              <a:t>Текст</a:t>
+              <a:t>Выполнил</a:t>
+            </a:r>
+          </a:p>
+          <a:p>
+            <a:r>
+              <a:rPr lang="ru-RU" dirty="0" smtClean="0"/>
+              <a:t> Иващенко Сергей</a:t>
             </a:r>
             <a:endParaRPr lang="ru-RU" dirty="0"/>
           </a:p>
@@ -3058,7 +3084,7 @@
           <a:p>
             <a:r>
               <a:rPr lang="ru-RU" dirty="0" smtClean="0"/>
-              <a:t>ДА</a:t>
+              <a:t>Общие сведения о проекте</a:t>
             </a:r>
             <a:endParaRPr lang="ru-RU" dirty="0"/>
           </a:p>
@@ -3074,19 +3100,59 @@
             <p:ph idx="1"/>
           </p:nvPr>
         </p:nvSpPr>
-        <p:spPr/>
+        <p:spPr>
+          <a:xfrm>
+            <a:off x="838199" y="1825625"/>
+            <a:ext cx="4876801" cy="4351338"/>
+          </a:xfrm>
+        </p:spPr>
         <p:txBody>
           <a:bodyPr/>
           <a:lstStyle/>
           <a:p>
             <a:r>
               <a:rPr lang="ru-RU" dirty="0" smtClean="0"/>
-              <a:t>Нет</a:t>
+              <a:t>Проект – сайт, маркет-плейс </a:t>
             </a:r>
             <a:endParaRPr lang="ru-RU" dirty="0"/>
           </a:p>
         </p:txBody>
       </p:sp>
+      <p:pic>
+        <p:nvPicPr>
+          <p:cNvPr id="4" name="Рисунок 3"/>
+          <p:cNvPicPr>
+            <a:picLocks noChangeAspect="1"/>
+          </p:cNvPicPr>
+          <p:nvPr/>
+        </p:nvPicPr>
+        <p:blipFill rotWithShape="1">
+          <a:blip r:embed="rId2"/>
+          <a:srcRect t="6935" r="915" b="28526"/>
+          <a:stretch/>
+        </p:blipFill>
+        <p:spPr>
+          <a:xfrm>
+            <a:off x="910004" y="2790947"/>
+            <a:ext cx="9609992" cy="3520953"/>
+          </a:xfrm>
+          <a:prstGeom prst="rect">
+            <a:avLst/>
+          </a:prstGeom>
+          <a:ln w="88900" cap="sq" cmpd="thickThin">
+            <a:solidFill>
+              <a:srgbClr val="000000"/>
+            </a:solidFill>
+            <a:prstDash val="solid"/>
+            <a:miter lim="800000"/>
+          </a:ln>
+          <a:effectLst>
+            <a:innerShdw blurRad="76200">
+              <a:srgbClr val="000000"/>
+            </a:innerShdw>
+          </a:effectLst>
+        </p:spPr>
+      </p:pic>
     </p:spTree>
     <p:extLst>
       <p:ext uri="{BB962C8B-B14F-4D97-AF65-F5344CB8AC3E}">
@@ -3097,6 +3163,891 @@
   <p:clrMapOvr>
     <a:masterClrMapping/>
   </p:clrMapOvr>
+</p:sld>
+</file>
+
+<file path=ppt/slides/slide3.xml><?xml version="1.0" encoding="utf-8"?>
+<p:sld xmlns:a="http://schemas.openxmlformats.org/drawingml/2006/main" xmlns:r="http://schemas.openxmlformats.org/officeDocument/2006/relationships" xmlns:p="http://schemas.openxmlformats.org/presentationml/2006/main">
+  <p:cSld>
+    <p:spTree>
+      <p:nvGrpSpPr>
+        <p:cNvPr id="1" name=""/>
+        <p:cNvGrpSpPr/>
+        <p:nvPr/>
+      </p:nvGrpSpPr>
+      <p:grpSpPr>
+        <a:xfrm>
+          <a:off x="0" y="0"/>
+          <a:ext cx="0" cy="0"/>
+          <a:chOff x="0" y="0"/>
+          <a:chExt cx="0" cy="0"/>
+        </a:xfrm>
+      </p:grpSpPr>
+      <p:sp>
+        <p:nvSpPr>
+          <p:cNvPr id="2" name="Заголовок 1"/>
+          <p:cNvSpPr>
+            <a:spLocks noGrp="1"/>
+          </p:cNvSpPr>
+          <p:nvPr>
+            <p:ph type="title"/>
+          </p:nvPr>
+        </p:nvSpPr>
+        <p:spPr>
+          <a:xfrm>
+            <a:off x="950639" y="154110"/>
+            <a:ext cx="10515600" cy="1325563"/>
+          </a:xfrm>
+        </p:spPr>
+        <p:txBody>
+          <a:bodyPr/>
+          <a:lstStyle/>
+          <a:p>
+            <a:r>
+              <a:rPr lang="ru-RU" dirty="0" smtClean="0"/>
+              <a:t>Регистрация \ Вход в аккаунт</a:t>
+            </a:r>
+            <a:endParaRPr lang="ru-RU" dirty="0"/>
+          </a:p>
+        </p:txBody>
+      </p:sp>
+      <p:pic>
+        <p:nvPicPr>
+          <p:cNvPr id="4" name="Объект 3"/>
+          <p:cNvPicPr>
+            <a:picLocks noGrp="1" noChangeAspect="1"/>
+          </p:cNvPicPr>
+          <p:nvPr>
+            <p:ph idx="1"/>
+          </p:nvPr>
+        </p:nvPicPr>
+        <p:blipFill rotWithShape="1">
+          <a:blip r:embed="rId2"/>
+          <a:srcRect t="3305" b="4151"/>
+          <a:stretch/>
+        </p:blipFill>
+        <p:spPr>
+          <a:xfrm>
+            <a:off x="1867658" y="1690688"/>
+            <a:ext cx="8681563" cy="4519246"/>
+          </a:xfrm>
+          <a:prstGeom prst="rect">
+            <a:avLst/>
+          </a:prstGeom>
+          <a:ln w="88900" cap="sq" cmpd="thickThin">
+            <a:solidFill>
+              <a:srgbClr val="000000"/>
+            </a:solidFill>
+            <a:prstDash val="solid"/>
+            <a:miter lim="800000"/>
+          </a:ln>
+          <a:effectLst>
+            <a:innerShdw blurRad="76200">
+              <a:srgbClr val="000000"/>
+            </a:innerShdw>
+          </a:effectLst>
+        </p:spPr>
+      </p:pic>
+    </p:spTree>
+    <p:extLst>
+      <p:ext uri="{BB962C8B-B14F-4D97-AF65-F5344CB8AC3E}">
+        <p14:creationId xmlns:p14="http://schemas.microsoft.com/office/powerpoint/2010/main" val="929666697"/>
+      </p:ext>
+    </p:extLst>
+  </p:cSld>
+  <p:clrMapOvr>
+    <a:masterClrMapping/>
+  </p:clrMapOvr>
+</p:sld>
+</file>
+
+<file path=ppt/slides/slide4.xml><?xml version="1.0" encoding="utf-8"?>
+<p:sld xmlns:a="http://schemas.openxmlformats.org/drawingml/2006/main" xmlns:r="http://schemas.openxmlformats.org/officeDocument/2006/relationships" xmlns:p="http://schemas.openxmlformats.org/presentationml/2006/main">
+  <p:cSld>
+    <p:spTree>
+      <p:nvGrpSpPr>
+        <p:cNvPr id="1" name=""/>
+        <p:cNvGrpSpPr/>
+        <p:nvPr/>
+      </p:nvGrpSpPr>
+      <p:grpSpPr>
+        <a:xfrm>
+          <a:off x="0" y="0"/>
+          <a:ext cx="0" cy="0"/>
+          <a:chOff x="0" y="0"/>
+          <a:chExt cx="0" cy="0"/>
+        </a:xfrm>
+      </p:grpSpPr>
+      <p:sp>
+        <p:nvSpPr>
+          <p:cNvPr id="2" name="Заголовок 1"/>
+          <p:cNvSpPr>
+            <a:spLocks noGrp="1"/>
+          </p:cNvSpPr>
+          <p:nvPr>
+            <p:ph type="title"/>
+          </p:nvPr>
+        </p:nvSpPr>
+        <p:spPr/>
+        <p:txBody>
+          <a:bodyPr/>
+          <a:lstStyle/>
+          <a:p>
+            <a:r>
+              <a:rPr lang="ru-RU" dirty="0" smtClean="0"/>
+              <a:t>Свой магазин</a:t>
+            </a:r>
+            <a:br>
+              <a:rPr lang="ru-RU" dirty="0" smtClean="0"/>
+            </a:br>
+            <a:endParaRPr lang="ru-RU" dirty="0"/>
+          </a:p>
+        </p:txBody>
+      </p:sp>
+      <p:pic>
+        <p:nvPicPr>
+          <p:cNvPr id="4" name="Объект 3"/>
+          <p:cNvPicPr>
+            <a:picLocks noGrp="1" noChangeAspect="1"/>
+          </p:cNvPicPr>
+          <p:nvPr>
+            <p:ph idx="1"/>
+          </p:nvPr>
+        </p:nvPicPr>
+        <p:blipFill rotWithShape="1">
+          <a:blip r:embed="rId2"/>
+          <a:srcRect t="3834" b="4441"/>
+          <a:stretch/>
+        </p:blipFill>
+        <p:spPr>
+          <a:xfrm>
+            <a:off x="1839668" y="1661746"/>
+            <a:ext cx="8512663" cy="4396155"/>
+          </a:xfrm>
+          <a:prstGeom prst="rect">
+            <a:avLst/>
+          </a:prstGeom>
+          <a:ln w="88900" cap="sq" cmpd="thickThin">
+            <a:solidFill>
+              <a:srgbClr val="000000"/>
+            </a:solidFill>
+            <a:prstDash val="solid"/>
+            <a:miter lim="800000"/>
+          </a:ln>
+          <a:effectLst>
+            <a:innerShdw blurRad="76200">
+              <a:srgbClr val="000000"/>
+            </a:innerShdw>
+          </a:effectLst>
+        </p:spPr>
+      </p:pic>
+    </p:spTree>
+    <p:extLst>
+      <p:ext uri="{BB962C8B-B14F-4D97-AF65-F5344CB8AC3E}">
+        <p14:creationId xmlns:p14="http://schemas.microsoft.com/office/powerpoint/2010/main" val="1595953446"/>
+      </p:ext>
+    </p:extLst>
+  </p:cSld>
+  <p:clrMapOvr>
+    <a:masterClrMapping/>
+  </p:clrMapOvr>
+  <p:timing>
+    <p:tnLst>
+      <p:par>
+        <p:cTn id="1" dur="indefinite" restart="never" nodeType="tmRoot"/>
+      </p:par>
+    </p:tnLst>
+  </p:timing>
+</p:sld>
+</file>
+
+<file path=ppt/slides/slide5.xml><?xml version="1.0" encoding="utf-8"?>
+<p:sld xmlns:a="http://schemas.openxmlformats.org/drawingml/2006/main" xmlns:r="http://schemas.openxmlformats.org/officeDocument/2006/relationships" xmlns:p="http://schemas.openxmlformats.org/presentationml/2006/main">
+  <p:cSld>
+    <p:spTree>
+      <p:nvGrpSpPr>
+        <p:cNvPr id="1" name=""/>
+        <p:cNvGrpSpPr/>
+        <p:nvPr/>
+      </p:nvGrpSpPr>
+      <p:grpSpPr>
+        <a:xfrm>
+          <a:off x="0" y="0"/>
+          <a:ext cx="0" cy="0"/>
+          <a:chOff x="0" y="0"/>
+          <a:chExt cx="0" cy="0"/>
+        </a:xfrm>
+      </p:grpSpPr>
+      <p:sp>
+        <p:nvSpPr>
+          <p:cNvPr id="2" name="Заголовок 1"/>
+          <p:cNvSpPr>
+            <a:spLocks noGrp="1"/>
+          </p:cNvSpPr>
+          <p:nvPr>
+            <p:ph type="title"/>
+          </p:nvPr>
+        </p:nvSpPr>
+        <p:spPr/>
+        <p:txBody>
+          <a:bodyPr/>
+          <a:lstStyle/>
+          <a:p>
+            <a:r>
+              <a:rPr lang="ru-RU" dirty="0" smtClean="0"/>
+              <a:t>Создание своего магазина</a:t>
+            </a:r>
+            <a:endParaRPr lang="ru-RU" dirty="0"/>
+          </a:p>
+        </p:txBody>
+      </p:sp>
+      <p:pic>
+        <p:nvPicPr>
+          <p:cNvPr id="4" name="Объект 3"/>
+          <p:cNvPicPr>
+            <a:picLocks noGrp="1" noChangeAspect="1"/>
+          </p:cNvPicPr>
+          <p:nvPr>
+            <p:ph idx="1"/>
+          </p:nvPr>
+        </p:nvPicPr>
+        <p:blipFill rotWithShape="1">
+          <a:blip r:embed="rId2"/>
+          <a:srcRect t="3709" b="4151"/>
+          <a:stretch/>
+        </p:blipFill>
+        <p:spPr>
+          <a:xfrm>
+            <a:off x="2228144" y="1987061"/>
+            <a:ext cx="7735712" cy="4009293"/>
+          </a:xfrm>
+          <a:prstGeom prst="rect">
+            <a:avLst/>
+          </a:prstGeom>
+          <a:ln w="88900" cap="sq" cmpd="thickThin">
+            <a:solidFill>
+              <a:srgbClr val="000000"/>
+            </a:solidFill>
+            <a:prstDash val="solid"/>
+            <a:miter lim="800000"/>
+          </a:ln>
+          <a:effectLst>
+            <a:innerShdw blurRad="76200">
+              <a:srgbClr val="000000"/>
+            </a:innerShdw>
+          </a:effectLst>
+        </p:spPr>
+      </p:pic>
+    </p:spTree>
+    <p:extLst>
+      <p:ext uri="{BB962C8B-B14F-4D97-AF65-F5344CB8AC3E}">
+        <p14:creationId xmlns:p14="http://schemas.microsoft.com/office/powerpoint/2010/main" val="2244081329"/>
+      </p:ext>
+    </p:extLst>
+  </p:cSld>
+  <p:clrMapOvr>
+    <a:masterClrMapping/>
+  </p:clrMapOvr>
+  <p:timing>
+    <p:tnLst>
+      <p:par>
+        <p:cTn id="1" dur="indefinite" restart="never" nodeType="tmRoot"/>
+      </p:par>
+    </p:tnLst>
+  </p:timing>
+</p:sld>
+</file>
+
+<file path=ppt/slides/slide6.xml><?xml version="1.0" encoding="utf-8"?>
+<p:sld xmlns:a="http://schemas.openxmlformats.org/drawingml/2006/main" xmlns:r="http://schemas.openxmlformats.org/officeDocument/2006/relationships" xmlns:p="http://schemas.openxmlformats.org/presentationml/2006/main">
+  <p:cSld>
+    <p:spTree>
+      <p:nvGrpSpPr>
+        <p:cNvPr id="1" name=""/>
+        <p:cNvGrpSpPr/>
+        <p:nvPr/>
+      </p:nvGrpSpPr>
+      <p:grpSpPr>
+        <a:xfrm>
+          <a:off x="0" y="0"/>
+          <a:ext cx="0" cy="0"/>
+          <a:chOff x="0" y="0"/>
+          <a:chExt cx="0" cy="0"/>
+        </a:xfrm>
+      </p:grpSpPr>
+      <p:sp>
+        <p:nvSpPr>
+          <p:cNvPr id="2" name="Заголовок 1"/>
+          <p:cNvSpPr>
+            <a:spLocks noGrp="1"/>
+          </p:cNvSpPr>
+          <p:nvPr>
+            <p:ph type="title"/>
+          </p:nvPr>
+        </p:nvSpPr>
+        <p:spPr/>
+        <p:txBody>
+          <a:bodyPr/>
+          <a:lstStyle/>
+          <a:p>
+            <a:r>
+              <a:rPr lang="ru-RU" dirty="0" smtClean="0"/>
+              <a:t>Товары от магазина</a:t>
+            </a:r>
+            <a:endParaRPr lang="ru-RU" dirty="0"/>
+          </a:p>
+        </p:txBody>
+      </p:sp>
+      <p:pic>
+        <p:nvPicPr>
+          <p:cNvPr id="4" name="Объект 3"/>
+          <p:cNvPicPr>
+            <a:picLocks noGrp="1" noChangeAspect="1"/>
+          </p:cNvPicPr>
+          <p:nvPr>
+            <p:ph idx="1"/>
+          </p:nvPr>
+        </p:nvPicPr>
+        <p:blipFill rotWithShape="1">
+          <a:blip r:embed="rId2"/>
+          <a:srcRect t="3305" b="3545"/>
+          <a:stretch/>
+        </p:blipFill>
+        <p:spPr>
+          <a:xfrm>
+            <a:off x="838200" y="1382956"/>
+            <a:ext cx="9404078" cy="4927421"/>
+          </a:xfrm>
+          <a:prstGeom prst="rect">
+            <a:avLst/>
+          </a:prstGeom>
+        </p:spPr>
+      </p:pic>
+    </p:spTree>
+    <p:extLst>
+      <p:ext uri="{BB962C8B-B14F-4D97-AF65-F5344CB8AC3E}">
+        <p14:creationId xmlns:p14="http://schemas.microsoft.com/office/powerpoint/2010/main" val="3405165291"/>
+      </p:ext>
+    </p:extLst>
+  </p:cSld>
+  <p:clrMapOvr>
+    <a:masterClrMapping/>
+  </p:clrMapOvr>
+  <p:timing>
+    <p:tnLst>
+      <p:par>
+        <p:cTn id="1" dur="indefinite" restart="never" nodeType="tmRoot"/>
+      </p:par>
+    </p:tnLst>
+  </p:timing>
+</p:sld>
+</file>
+
+<file path=ppt/slides/slide7.xml><?xml version="1.0" encoding="utf-8"?>
+<p:sld xmlns:a="http://schemas.openxmlformats.org/drawingml/2006/main" xmlns:r="http://schemas.openxmlformats.org/officeDocument/2006/relationships" xmlns:p="http://schemas.openxmlformats.org/presentationml/2006/main">
+  <p:cSld>
+    <p:spTree>
+      <p:nvGrpSpPr>
+        <p:cNvPr id="1" name=""/>
+        <p:cNvGrpSpPr/>
+        <p:nvPr/>
+      </p:nvGrpSpPr>
+      <p:grpSpPr>
+        <a:xfrm>
+          <a:off x="0" y="0"/>
+          <a:ext cx="0" cy="0"/>
+          <a:chOff x="0" y="0"/>
+          <a:chExt cx="0" cy="0"/>
+        </a:xfrm>
+      </p:grpSpPr>
+      <p:sp>
+        <p:nvSpPr>
+          <p:cNvPr id="2" name="Заголовок 1"/>
+          <p:cNvSpPr>
+            <a:spLocks noGrp="1"/>
+          </p:cNvSpPr>
+          <p:nvPr>
+            <p:ph type="title"/>
+          </p:nvPr>
+        </p:nvSpPr>
+        <p:spPr/>
+        <p:txBody>
+          <a:bodyPr/>
+          <a:lstStyle/>
+          <a:p>
+            <a:r>
+              <a:rPr lang="ru-RU" dirty="0" smtClean="0"/>
+              <a:t>Товары от магазина</a:t>
+            </a:r>
+            <a:endParaRPr lang="ru-RU" dirty="0"/>
+          </a:p>
+        </p:txBody>
+      </p:sp>
+      <p:pic>
+        <p:nvPicPr>
+          <p:cNvPr id="4" name="Объект 3"/>
+          <p:cNvPicPr>
+            <a:picLocks noGrp="1" noChangeAspect="1"/>
+          </p:cNvPicPr>
+          <p:nvPr>
+            <p:ph idx="1"/>
+          </p:nvPr>
+        </p:nvPicPr>
+        <p:blipFill rotWithShape="1">
+          <a:blip r:embed="rId2"/>
+          <a:srcRect t="3305" b="3545"/>
+          <a:stretch/>
+        </p:blipFill>
+        <p:spPr>
+          <a:xfrm>
+            <a:off x="751037" y="1690688"/>
+            <a:ext cx="6871894" cy="3600642"/>
+          </a:xfrm>
+          <a:prstGeom prst="rect">
+            <a:avLst/>
+          </a:prstGeom>
+        </p:spPr>
+      </p:pic>
+      <p:pic>
+        <p:nvPicPr>
+          <p:cNvPr id="5" name="Рисунок 4"/>
+          <p:cNvPicPr>
+            <a:picLocks noChangeAspect="1"/>
+          </p:cNvPicPr>
+          <p:nvPr/>
+        </p:nvPicPr>
+        <p:blipFill rotWithShape="1">
+          <a:blip r:embed="rId3"/>
+          <a:srcRect t="4028" b="22081"/>
+          <a:stretch/>
+        </p:blipFill>
+        <p:spPr>
+          <a:xfrm>
+            <a:off x="751037" y="1690688"/>
+            <a:ext cx="10115031" cy="4204188"/>
+          </a:xfrm>
+          <a:prstGeom prst="rect">
+            <a:avLst/>
+          </a:prstGeom>
+        </p:spPr>
+      </p:pic>
+    </p:spTree>
+    <p:extLst>
+      <p:ext uri="{BB962C8B-B14F-4D97-AF65-F5344CB8AC3E}">
+        <p14:creationId xmlns:p14="http://schemas.microsoft.com/office/powerpoint/2010/main" val="338615797"/>
+      </p:ext>
+    </p:extLst>
+  </p:cSld>
+  <p:clrMapOvr>
+    <a:masterClrMapping/>
+  </p:clrMapOvr>
+  <p:timing>
+    <p:tnLst>
+      <p:par>
+        <p:cTn id="1" dur="indefinite" restart="never" nodeType="tmRoot"/>
+      </p:par>
+    </p:tnLst>
+  </p:timing>
+</p:sld>
+</file>
+
+<file path=ppt/slides/slide8.xml><?xml version="1.0" encoding="utf-8"?>
+<p:sld xmlns:a="http://schemas.openxmlformats.org/drawingml/2006/main" xmlns:r="http://schemas.openxmlformats.org/officeDocument/2006/relationships" xmlns:p="http://schemas.openxmlformats.org/presentationml/2006/main">
+  <p:cSld>
+    <p:spTree>
+      <p:nvGrpSpPr>
+        <p:cNvPr id="1" name=""/>
+        <p:cNvGrpSpPr/>
+        <p:nvPr/>
+      </p:nvGrpSpPr>
+      <p:grpSpPr>
+        <a:xfrm>
+          <a:off x="0" y="0"/>
+          <a:ext cx="0" cy="0"/>
+          <a:chOff x="0" y="0"/>
+          <a:chExt cx="0" cy="0"/>
+        </a:xfrm>
+      </p:grpSpPr>
+      <p:sp>
+        <p:nvSpPr>
+          <p:cNvPr id="2" name="Заголовок 1"/>
+          <p:cNvSpPr>
+            <a:spLocks noGrp="1"/>
+          </p:cNvSpPr>
+          <p:nvPr>
+            <p:ph type="title"/>
+          </p:nvPr>
+        </p:nvSpPr>
+        <p:spPr/>
+        <p:txBody>
+          <a:bodyPr/>
+          <a:lstStyle/>
+          <a:p>
+            <a:r>
+              <a:rPr lang="ru-RU" dirty="0" smtClean="0"/>
+              <a:t>Создание товара</a:t>
+            </a:r>
+            <a:endParaRPr lang="ru-RU" dirty="0"/>
+          </a:p>
+        </p:txBody>
+      </p:sp>
+      <p:pic>
+        <p:nvPicPr>
+          <p:cNvPr id="4" name="Объект 3"/>
+          <p:cNvPicPr>
+            <a:picLocks noGrp="1" noChangeAspect="1"/>
+          </p:cNvPicPr>
+          <p:nvPr>
+            <p:ph idx="1"/>
+          </p:nvPr>
+        </p:nvPicPr>
+        <p:blipFill rotWithShape="1">
+          <a:blip r:embed="rId2"/>
+          <a:srcRect t="3305" b="3747"/>
+          <a:stretch/>
+        </p:blipFill>
+        <p:spPr>
+          <a:xfrm>
+            <a:off x="1694913" y="1690689"/>
+            <a:ext cx="8268943" cy="4323250"/>
+          </a:xfrm>
+          <a:prstGeom prst="rect">
+            <a:avLst/>
+          </a:prstGeom>
+          <a:ln w="88900" cap="sq" cmpd="thickThin">
+            <a:solidFill>
+              <a:srgbClr val="000000"/>
+            </a:solidFill>
+            <a:prstDash val="solid"/>
+            <a:miter lim="800000"/>
+          </a:ln>
+          <a:effectLst>
+            <a:innerShdw blurRad="76200">
+              <a:srgbClr val="000000"/>
+            </a:innerShdw>
+          </a:effectLst>
+        </p:spPr>
+      </p:pic>
+    </p:spTree>
+    <p:extLst>
+      <p:ext uri="{BB962C8B-B14F-4D97-AF65-F5344CB8AC3E}">
+        <p14:creationId xmlns:p14="http://schemas.microsoft.com/office/powerpoint/2010/main" val="3626268839"/>
+      </p:ext>
+    </p:extLst>
+  </p:cSld>
+  <p:clrMapOvr>
+    <a:masterClrMapping/>
+  </p:clrMapOvr>
+  <p:timing>
+    <p:tnLst>
+      <p:par>
+        <p:cTn id="1" dur="indefinite" restart="never" nodeType="tmRoot"/>
+      </p:par>
+    </p:tnLst>
+  </p:timing>
+</p:sld>
+</file>
+
+<file path=ppt/slides/slide9.xml><?xml version="1.0" encoding="utf-8"?>
+<p:sld xmlns:a="http://schemas.openxmlformats.org/drawingml/2006/main" xmlns:r="http://schemas.openxmlformats.org/officeDocument/2006/relationships" xmlns:p="http://schemas.openxmlformats.org/presentationml/2006/main">
+  <p:cSld>
+    <p:spTree>
+      <p:nvGrpSpPr>
+        <p:cNvPr id="1" name=""/>
+        <p:cNvGrpSpPr/>
+        <p:nvPr/>
+      </p:nvGrpSpPr>
+      <p:grpSpPr>
+        <a:xfrm>
+          <a:off x="0" y="0"/>
+          <a:ext cx="0" cy="0"/>
+          <a:chOff x="0" y="0"/>
+          <a:chExt cx="0" cy="0"/>
+        </a:xfrm>
+      </p:grpSpPr>
+      <p:sp>
+        <p:nvSpPr>
+          <p:cNvPr id="2" name="Заголовок 1"/>
+          <p:cNvSpPr>
+            <a:spLocks noGrp="1"/>
+          </p:cNvSpPr>
+          <p:nvPr>
+            <p:ph type="title"/>
+          </p:nvPr>
+        </p:nvSpPr>
+        <p:spPr/>
+        <p:txBody>
+          <a:bodyPr/>
+          <a:lstStyle/>
+          <a:p>
+            <a:r>
+              <a:rPr lang="ru-RU" dirty="0" smtClean="0"/>
+              <a:t>База данных</a:t>
+            </a:r>
+            <a:endParaRPr lang="ru-RU" dirty="0"/>
+          </a:p>
+        </p:txBody>
+      </p:sp>
+      <p:pic>
+        <p:nvPicPr>
+          <p:cNvPr id="4" name="Рисунок 3"/>
+          <p:cNvPicPr>
+            <a:picLocks noChangeAspect="1"/>
+          </p:cNvPicPr>
+          <p:nvPr/>
+        </p:nvPicPr>
+        <p:blipFill rotWithShape="1">
+          <a:blip r:embed="rId2"/>
+          <a:srcRect l="22236" t="17825" r="72390" b="63012"/>
+          <a:stretch/>
+        </p:blipFill>
+        <p:spPr>
+          <a:xfrm>
+            <a:off x="767862" y="2123587"/>
+            <a:ext cx="1457500" cy="2923198"/>
+          </a:xfrm>
+          <a:prstGeom prst="rect">
+            <a:avLst/>
+          </a:prstGeom>
+        </p:spPr>
+      </p:pic>
+      <p:pic>
+        <p:nvPicPr>
+          <p:cNvPr id="5" name="Рисунок 4"/>
+          <p:cNvPicPr>
+            <a:picLocks noChangeAspect="1"/>
+          </p:cNvPicPr>
+          <p:nvPr/>
+        </p:nvPicPr>
+        <p:blipFill rotWithShape="1">
+          <a:blip r:embed="rId3"/>
+          <a:srcRect l="22686" t="17843" r="73062" b="56342"/>
+          <a:stretch/>
+        </p:blipFill>
+        <p:spPr>
+          <a:xfrm>
+            <a:off x="4798702" y="2123587"/>
+            <a:ext cx="1099901" cy="3757530"/>
+          </a:xfrm>
+          <a:prstGeom prst="rect">
+            <a:avLst/>
+          </a:prstGeom>
+        </p:spPr>
+      </p:pic>
+      <p:sp>
+        <p:nvSpPr>
+          <p:cNvPr id="6" name="TextBox 5"/>
+          <p:cNvSpPr txBox="1"/>
+          <p:nvPr/>
+        </p:nvSpPr>
+        <p:spPr>
+          <a:xfrm>
+            <a:off x="414264" y="1562400"/>
+            <a:ext cx="2164695" cy="369332"/>
+          </a:xfrm>
+          <a:prstGeom prst="rect">
+            <a:avLst/>
+          </a:prstGeom>
+          <a:noFill/>
+        </p:spPr>
+        <p:txBody>
+          <a:bodyPr wrap="none" rtlCol="0">
+            <a:spAutoFit/>
+          </a:bodyPr>
+          <a:lstStyle/>
+          <a:p>
+            <a:r>
+              <a:rPr lang="ru-RU" dirty="0" smtClean="0"/>
+              <a:t>Пользователь (</a:t>
+            </a:r>
+            <a:r>
+              <a:rPr lang="en-US" dirty="0" smtClean="0"/>
+              <a:t>User</a:t>
+            </a:r>
+            <a:r>
+              <a:rPr lang="ru-RU" dirty="0" smtClean="0"/>
+              <a:t>)</a:t>
+            </a:r>
+            <a:endParaRPr lang="ru-RU" dirty="0"/>
+          </a:p>
+        </p:txBody>
+      </p:sp>
+      <p:sp>
+        <p:nvSpPr>
+          <p:cNvPr id="7" name="TextBox 6"/>
+          <p:cNvSpPr txBox="1"/>
+          <p:nvPr/>
+        </p:nvSpPr>
+        <p:spPr>
+          <a:xfrm>
+            <a:off x="4501689" y="1537777"/>
+            <a:ext cx="1693925" cy="369332"/>
+          </a:xfrm>
+          <a:prstGeom prst="rect">
+            <a:avLst/>
+          </a:prstGeom>
+          <a:noFill/>
+        </p:spPr>
+        <p:txBody>
+          <a:bodyPr wrap="none" rtlCol="0">
+            <a:spAutoFit/>
+          </a:bodyPr>
+          <a:lstStyle/>
+          <a:p>
+            <a:r>
+              <a:rPr lang="ru-RU" dirty="0" smtClean="0"/>
+              <a:t>Магазин (</a:t>
+            </a:r>
+            <a:r>
+              <a:rPr lang="en-US" dirty="0" smtClean="0"/>
+              <a:t>Shop</a:t>
+            </a:r>
+            <a:r>
+              <a:rPr lang="ru-RU" dirty="0" smtClean="0"/>
+              <a:t>)</a:t>
+            </a:r>
+            <a:endParaRPr lang="ru-RU" dirty="0"/>
+          </a:p>
+        </p:txBody>
+      </p:sp>
+      <p:pic>
+        <p:nvPicPr>
+          <p:cNvPr id="8" name="Рисунок 7"/>
+          <p:cNvPicPr>
+            <a:picLocks noChangeAspect="1"/>
+          </p:cNvPicPr>
+          <p:nvPr/>
+        </p:nvPicPr>
+        <p:blipFill rotWithShape="1">
+          <a:blip r:embed="rId4"/>
+          <a:srcRect l="22676" t="18029" r="72971" b="58927"/>
+          <a:stretch/>
+        </p:blipFill>
+        <p:spPr>
+          <a:xfrm>
+            <a:off x="8313681" y="2123587"/>
+            <a:ext cx="1171741" cy="3488851"/>
+          </a:xfrm>
+          <a:prstGeom prst="rect">
+            <a:avLst/>
+          </a:prstGeom>
+        </p:spPr>
+      </p:pic>
+      <p:sp>
+        <p:nvSpPr>
+          <p:cNvPr id="9" name="TextBox 8"/>
+          <p:cNvSpPr txBox="1"/>
+          <p:nvPr/>
+        </p:nvSpPr>
+        <p:spPr>
+          <a:xfrm>
+            <a:off x="8176500" y="1545692"/>
+            <a:ext cx="1446102" cy="369332"/>
+          </a:xfrm>
+          <a:prstGeom prst="rect">
+            <a:avLst/>
+          </a:prstGeom>
+          <a:noFill/>
+        </p:spPr>
+        <p:txBody>
+          <a:bodyPr wrap="none" rtlCol="0">
+            <a:spAutoFit/>
+          </a:bodyPr>
+          <a:lstStyle/>
+          <a:p>
+            <a:r>
+              <a:rPr lang="ru-RU" dirty="0" smtClean="0"/>
+              <a:t>Товар (</a:t>
+            </a:r>
+            <a:r>
+              <a:rPr lang="en-US" dirty="0" smtClean="0"/>
+              <a:t>Good</a:t>
+            </a:r>
+            <a:r>
+              <a:rPr lang="ru-RU" dirty="0" smtClean="0"/>
+              <a:t>)</a:t>
+            </a:r>
+            <a:endParaRPr lang="ru-RU" dirty="0"/>
+          </a:p>
+        </p:txBody>
+      </p:sp>
+      <p:cxnSp>
+        <p:nvCxnSpPr>
+          <p:cNvPr id="11" name="Соединительная линия уступом 10"/>
+          <p:cNvCxnSpPr/>
+          <p:nvPr/>
+        </p:nvCxnSpPr>
+        <p:spPr>
+          <a:xfrm>
+            <a:off x="2225362" y="2268415"/>
+            <a:ext cx="2573340" cy="2198077"/>
+          </a:xfrm>
+          <a:prstGeom prst="bentConnector3">
+            <a:avLst/>
+          </a:prstGeom>
+        </p:spPr>
+        <p:style>
+          <a:lnRef idx="1">
+            <a:schemeClr val="accent1"/>
+          </a:lnRef>
+          <a:fillRef idx="0">
+            <a:schemeClr val="accent1"/>
+          </a:fillRef>
+          <a:effectRef idx="0">
+            <a:schemeClr val="accent1"/>
+          </a:effectRef>
+          <a:fontRef idx="minor">
+            <a:schemeClr val="tx1"/>
+          </a:fontRef>
+        </p:style>
+      </p:cxnSp>
+      <p:cxnSp>
+        <p:nvCxnSpPr>
+          <p:cNvPr id="13" name="Соединительная линия уступом 12"/>
+          <p:cNvCxnSpPr/>
+          <p:nvPr/>
+        </p:nvCxnSpPr>
+        <p:spPr>
+          <a:xfrm flipV="1">
+            <a:off x="5898603" y="2268415"/>
+            <a:ext cx="2415078" cy="1881555"/>
+          </a:xfrm>
+          <a:prstGeom prst="bentConnector3">
+            <a:avLst/>
+          </a:prstGeom>
+        </p:spPr>
+        <p:style>
+          <a:lnRef idx="1">
+            <a:schemeClr val="accent1"/>
+          </a:lnRef>
+          <a:fillRef idx="0">
+            <a:schemeClr val="accent1"/>
+          </a:fillRef>
+          <a:effectRef idx="0">
+            <a:schemeClr val="accent1"/>
+          </a:effectRef>
+          <a:fontRef idx="minor">
+            <a:schemeClr val="tx1"/>
+          </a:fontRef>
+        </p:style>
+      </p:cxnSp>
+    </p:spTree>
+    <p:extLst>
+      <p:ext uri="{BB962C8B-B14F-4D97-AF65-F5344CB8AC3E}">
+        <p14:creationId xmlns:p14="http://schemas.microsoft.com/office/powerpoint/2010/main" val="492254597"/>
+      </p:ext>
+    </p:extLst>
+  </p:cSld>
+  <p:clrMapOvr>
+    <a:masterClrMapping/>
+  </p:clrMapOvr>
+  <p:timing>
+    <p:tnLst>
+      <p:par>
+        <p:cTn id="1" dur="indefinite" restart="never" nodeType="tmRoot"/>
+      </p:par>
+    </p:tnLst>
+  </p:timing>
 </p:sld>
 </file>
 

--- a/Презентация.pptx
+++ b/Презентация.pptx
@@ -2,18 +2,24 @@
 <file path=ppt/presentation.xml><?xml version="1.0" encoding="utf-8"?>
 <p:presentation xmlns:a="http://schemas.openxmlformats.org/drawingml/2006/main" xmlns:r="http://schemas.openxmlformats.org/officeDocument/2006/relationships" xmlns:p="http://schemas.openxmlformats.org/presentationml/2006/main" saveSubsetFonts="1">
   <p:sldMasterIdLst>
-    <p:sldMasterId id="2147483648" r:id="rId1"/>
+    <p:sldMasterId id="2147483713" r:id="rId1"/>
   </p:sldMasterIdLst>
   <p:sldIdLst>
     <p:sldId id="256" r:id="rId2"/>
     <p:sldId id="257" r:id="rId3"/>
     <p:sldId id="258" r:id="rId4"/>
-    <p:sldId id="259" r:id="rId5"/>
-    <p:sldId id="260" r:id="rId6"/>
-    <p:sldId id="261" r:id="rId7"/>
-    <p:sldId id="262" r:id="rId8"/>
-    <p:sldId id="263" r:id="rId9"/>
-    <p:sldId id="264" r:id="rId10"/>
+    <p:sldId id="265" r:id="rId5"/>
+    <p:sldId id="266" r:id="rId6"/>
+    <p:sldId id="269" r:id="rId7"/>
+    <p:sldId id="267" r:id="rId8"/>
+    <p:sldId id="260" r:id="rId9"/>
+    <p:sldId id="259" r:id="rId10"/>
+    <p:sldId id="261" r:id="rId11"/>
+    <p:sldId id="262" r:id="rId12"/>
+    <p:sldId id="270" r:id="rId13"/>
+    <p:sldId id="263" r:id="rId14"/>
+    <p:sldId id="264" r:id="rId15"/>
+    <p:sldId id="268" r:id="rId16"/>
   </p:sldIdLst>
   <p:sldSz cx="12192000" cy="6858000"/>
   <p:notesSz cx="6858000" cy="9144000"/>
@@ -121,8 +127,18 @@
 </file>
 
 <file path=ppt/slideLayouts/slideLayout1.xml><?xml version="1.0" encoding="utf-8"?>
-<p:sldLayout xmlns:a="http://schemas.openxmlformats.org/drawingml/2006/main" xmlns:r="http://schemas.openxmlformats.org/officeDocument/2006/relationships" xmlns:p="http://schemas.openxmlformats.org/presentationml/2006/main" type="title" preserve="1">
+<p:sldLayout xmlns:a="http://schemas.openxmlformats.org/drawingml/2006/main" xmlns:r="http://schemas.openxmlformats.org/officeDocument/2006/relationships" xmlns:p="http://schemas.openxmlformats.org/presentationml/2006/main" showMasterSp="0" type="title" preserve="1">
   <p:cSld name="Титульный слайд">
+    <p:bg>
+      <p:bgPr>
+        <a:solidFill>
+          <a:schemeClr val="bg2">
+            <a:lumMod val="75000"/>
+          </a:schemeClr>
+        </a:solidFill>
+        <a:effectLst/>
+      </p:bgPr>
+    </p:bg>
     <p:spTree>
       <p:nvGrpSpPr>
         <p:cNvPr id="1" name=""/>
@@ -139,7 +155,7 @@
       </p:grpSpPr>
       <p:sp>
         <p:nvSpPr>
-          <p:cNvPr id="2" name="Заголовок 1"/>
+          <p:cNvPr id="2" name="Title 1"/>
           <p:cNvSpPr>
             <a:spLocks noGrp="1"/>
           </p:cNvSpPr>
@@ -149,15 +165,24 @@
         </p:nvSpPr>
         <p:spPr>
           <a:xfrm>
-            <a:off x="1524000" y="1122363"/>
-            <a:ext cx="9144000" cy="2387600"/>
-          </a:xfrm>
-        </p:spPr>
-        <p:txBody>
-          <a:bodyPr anchor="b"/>
+            <a:off x="1261872" y="758952"/>
+            <a:ext cx="9418320" cy="4041648"/>
+          </a:xfrm>
+        </p:spPr>
+        <p:txBody>
+          <a:bodyPr anchor="b">
+            <a:normAutofit/>
+          </a:bodyPr>
           <a:lstStyle>
-            <a:lvl1pPr algn="ctr">
-              <a:defRPr sz="6000"/>
+            <a:lvl1pPr algn="l">
+              <a:lnSpc>
+                <a:spcPct val="85000"/>
+              </a:lnSpc>
+              <a:defRPr sz="7200" baseline="0">
+                <a:solidFill>
+                  <a:schemeClr val="tx1"/>
+                </a:solidFill>
+              </a:defRPr>
             </a:lvl1pPr>
           </a:lstStyle>
           <a:p>
@@ -165,13 +190,13 @@
               <a:rPr lang="ru-RU" smtClean="0"/>
               <a:t>Образец заголовка</a:t>
             </a:r>
-            <a:endParaRPr lang="ru-RU"/>
-          </a:p>
-        </p:txBody>
-      </p:sp>
-      <p:sp>
-        <p:nvSpPr>
-          <p:cNvPr id="3" name="Подзаголовок 2"/>
+            <a:endParaRPr lang="en-US" dirty="0"/>
+          </a:p>
+        </p:txBody>
+      </p:sp>
+      <p:sp>
+        <p:nvSpPr>
+          <p:cNvPr id="3" name="Subtitle 2"/>
           <p:cNvSpPr>
             <a:spLocks noGrp="1"/>
           </p:cNvSpPr>
@@ -181,77 +206,95 @@
         </p:nvSpPr>
         <p:spPr>
           <a:xfrm>
-            <a:off x="1524000" y="3602038"/>
-            <a:ext cx="9144000" cy="1655762"/>
-          </a:xfrm>
-        </p:spPr>
+            <a:off x="1261872" y="4800600"/>
+            <a:ext cx="9418320" cy="1691640"/>
+          </a:xfrm>
+        </p:spPr>
+        <p:txBody>
+          <a:bodyPr>
+            <a:normAutofit/>
+          </a:bodyPr>
+          <a:lstStyle>
+            <a:lvl1pPr marL="0" indent="0" algn="l">
+              <a:buNone/>
+              <a:defRPr sz="2200" baseline="0">
+                <a:solidFill>
+                  <a:schemeClr val="tx1">
+                    <a:lumMod val="75000"/>
+                  </a:schemeClr>
+                </a:solidFill>
+              </a:defRPr>
+            </a:lvl1pPr>
+            <a:lvl2pPr marL="457200" indent="0" algn="ctr">
+              <a:buNone/>
+              <a:defRPr sz="2200"/>
+            </a:lvl2pPr>
+            <a:lvl3pPr marL="914400" indent="0" algn="ctr">
+              <a:buNone/>
+              <a:defRPr sz="2200"/>
+            </a:lvl3pPr>
+            <a:lvl4pPr marL="1371600" indent="0" algn="ctr">
+              <a:buNone/>
+              <a:defRPr sz="2000"/>
+            </a:lvl4pPr>
+            <a:lvl5pPr marL="1828800" indent="0" algn="ctr">
+              <a:buNone/>
+              <a:defRPr sz="2000"/>
+            </a:lvl5pPr>
+            <a:lvl6pPr marL="2286000" indent="0" algn="ctr">
+              <a:buNone/>
+              <a:defRPr sz="2000"/>
+            </a:lvl6pPr>
+            <a:lvl7pPr marL="2743200" indent="0" algn="ctr">
+              <a:buNone/>
+              <a:defRPr sz="2000"/>
+            </a:lvl7pPr>
+            <a:lvl8pPr marL="3200400" indent="0" algn="ctr">
+              <a:buNone/>
+              <a:defRPr sz="2000"/>
+            </a:lvl8pPr>
+            <a:lvl9pPr marL="3657600" indent="0" algn="ctr">
+              <a:buNone/>
+              <a:defRPr sz="2000"/>
+            </a:lvl9pPr>
+          </a:lstStyle>
+          <a:p>
+            <a:r>
+              <a:rPr lang="ru-RU" smtClean="0"/>
+              <a:t>Образец подзаголовка</a:t>
+            </a:r>
+            <a:endParaRPr lang="en-US" dirty="0"/>
+          </a:p>
+        </p:txBody>
+      </p:sp>
+      <p:sp>
+        <p:nvSpPr>
+          <p:cNvPr id="4" name="Date Placeholder 3"/>
+          <p:cNvSpPr>
+            <a:spLocks noGrp="1"/>
+          </p:cNvSpPr>
+          <p:nvPr>
+            <p:ph type="dt" sz="half" idx="10"/>
+          </p:nvPr>
+        </p:nvSpPr>
+        <p:spPr/>
         <p:txBody>
           <a:bodyPr/>
           <a:lstStyle>
-            <a:lvl1pPr marL="0" indent="0" algn="ctr">
-              <a:buNone/>
-              <a:defRPr sz="2400"/>
+            <a:lvl1pPr>
+              <a:defRPr>
+                <a:solidFill>
+                  <a:schemeClr val="tx1">
+                    <a:lumMod val="50000"/>
+                  </a:schemeClr>
+                </a:solidFill>
+              </a:defRPr>
             </a:lvl1pPr>
-            <a:lvl2pPr marL="457200" indent="0" algn="ctr">
-              <a:buNone/>
-              <a:defRPr sz="2000"/>
-            </a:lvl2pPr>
-            <a:lvl3pPr marL="914400" indent="0" algn="ctr">
-              <a:buNone/>
-              <a:defRPr sz="1800"/>
-            </a:lvl3pPr>
-            <a:lvl4pPr marL="1371600" indent="0" algn="ctr">
-              <a:buNone/>
-              <a:defRPr sz="1600"/>
-            </a:lvl4pPr>
-            <a:lvl5pPr marL="1828800" indent="0" algn="ctr">
-              <a:buNone/>
-              <a:defRPr sz="1600"/>
-            </a:lvl5pPr>
-            <a:lvl6pPr marL="2286000" indent="0" algn="ctr">
-              <a:buNone/>
-              <a:defRPr sz="1600"/>
-            </a:lvl6pPr>
-            <a:lvl7pPr marL="2743200" indent="0" algn="ctr">
-              <a:buNone/>
-              <a:defRPr sz="1600"/>
-            </a:lvl7pPr>
-            <a:lvl8pPr marL="3200400" indent="0" algn="ctr">
-              <a:buNone/>
-              <a:defRPr sz="1600"/>
-            </a:lvl8pPr>
-            <a:lvl9pPr marL="3657600" indent="0" algn="ctr">
-              <a:buNone/>
-              <a:defRPr sz="1600"/>
-            </a:lvl9pPr>
           </a:lstStyle>
           <a:p>
-            <a:r>
-              <a:rPr lang="ru-RU" smtClean="0"/>
-              <a:t>Образец подзаголовка</a:t>
-            </a:r>
-            <a:endParaRPr lang="ru-RU"/>
-          </a:p>
-        </p:txBody>
-      </p:sp>
-      <p:sp>
-        <p:nvSpPr>
-          <p:cNvPr id="4" name="Дата 3"/>
-          <p:cNvSpPr>
-            <a:spLocks noGrp="1"/>
-          </p:cNvSpPr>
-          <p:nvPr>
-            <p:ph type="dt" sz="half" idx="10"/>
-          </p:nvPr>
-        </p:nvSpPr>
-        <p:spPr/>
-        <p:txBody>
-          <a:bodyPr/>
-          <a:lstStyle/>
-          <a:p>
             <a:fld id="{75D08D02-5B7B-4FA7-BE01-92677483A7CE}" type="datetimeFigureOut">
               <a:rPr lang="ru-RU" smtClean="0"/>
-              <a:t>19.04.2021</a:t>
+              <a:t>21.04.2021</a:t>
             </a:fld>
             <a:endParaRPr lang="ru-RU"/>
           </a:p>
@@ -259,7 +302,7 @@
       </p:sp>
       <p:sp>
         <p:nvSpPr>
-          <p:cNvPr id="5" name="Нижний колонтитул 4"/>
+          <p:cNvPr id="5" name="Footer Placeholder 4"/>
           <p:cNvSpPr>
             <a:spLocks noGrp="1"/>
           </p:cNvSpPr>
@@ -270,7 +313,17 @@
         <p:spPr/>
         <p:txBody>
           <a:bodyPr/>
-          <a:lstStyle/>
+          <a:lstStyle>
+            <a:lvl1pPr>
+              <a:defRPr>
+                <a:solidFill>
+                  <a:schemeClr val="tx1">
+                    <a:lumMod val="65000"/>
+                  </a:schemeClr>
+                </a:solidFill>
+              </a:defRPr>
+            </a:lvl1pPr>
+          </a:lstStyle>
           <a:p>
             <a:endParaRPr lang="ru-RU"/>
           </a:p>
@@ -278,7 +331,7 @@
       </p:sp>
       <p:sp>
         <p:nvSpPr>
-          <p:cNvPr id="6" name="Номер слайда 5"/>
+          <p:cNvPr id="6" name="Slide Number Placeholder 5"/>
           <p:cNvSpPr>
             <a:spLocks noGrp="1"/>
           </p:cNvSpPr>
@@ -289,7 +342,17 @@
         <p:spPr/>
         <p:txBody>
           <a:bodyPr/>
-          <a:lstStyle/>
+          <a:lstStyle>
+            <a:lvl1pPr>
+              <a:defRPr>
+                <a:solidFill>
+                  <a:schemeClr val="tx1">
+                    <a:lumMod val="65000"/>
+                  </a:schemeClr>
+                </a:solidFill>
+              </a:defRPr>
+            </a:lvl1pPr>
+          </a:lstStyle>
           <a:p>
             <a:fld id="{584B9FEB-6819-45FE-ADFF-B68FF062FE50}" type="slidenum">
               <a:rPr lang="ru-RU" smtClean="0"/>
@@ -299,15 +362,53 @@
           </a:p>
         </p:txBody>
       </p:sp>
+      <p:sp>
+        <p:nvSpPr>
+          <p:cNvPr id="7" name="Rectangle 6"/>
+          <p:cNvSpPr/>
+          <p:nvPr/>
+        </p:nvSpPr>
+        <p:spPr>
+          <a:xfrm>
+            <a:off x="0" y="0"/>
+            <a:ext cx="457200" cy="6858000"/>
+          </a:xfrm>
+          <a:prstGeom prst="rect">
+            <a:avLst/>
+          </a:prstGeom>
+          <a:solidFill>
+            <a:schemeClr val="accent1"/>
+          </a:solidFill>
+          <a:ln>
+            <a:noFill/>
+          </a:ln>
+        </p:spPr>
+        <p:style>
+          <a:lnRef idx="2">
+            <a:schemeClr val="accent1">
+              <a:shade val="50000"/>
+            </a:schemeClr>
+          </a:lnRef>
+          <a:fillRef idx="1">
+            <a:schemeClr val="accent1"/>
+          </a:fillRef>
+          <a:effectRef idx="0">
+            <a:schemeClr val="accent1"/>
+          </a:effectRef>
+          <a:fontRef idx="minor">
+            <a:schemeClr val="lt1"/>
+          </a:fontRef>
+        </p:style>
+      </p:sp>
     </p:spTree>
     <p:extLst>
       <p:ext uri="{BB962C8B-B14F-4D97-AF65-F5344CB8AC3E}">
-        <p14:creationId xmlns:p14="http://schemas.microsoft.com/office/powerpoint/2010/main" val="1979716956"/>
+        <p14:creationId xmlns:p14="http://schemas.microsoft.com/office/powerpoint/2010/main" val="2925682962"/>
       </p:ext>
     </p:extLst>
   </p:cSld>
   <p:clrMapOvr>
-    <a:masterClrMapping/>
+    <a:overrideClrMapping bg1="dk1" tx1="lt1" bg2="dk2" tx2="lt2" accent1="accent1" accent2="accent2" accent3="accent3" accent4="accent4" accent5="accent5" accent6="accent6" hlink="hlink" folHlink="folHlink"/>
   </p:clrMapOvr>
 </p:sldLayout>
 </file>
@@ -331,7 +432,7 @@
       </p:grpSpPr>
       <p:sp>
         <p:nvSpPr>
-          <p:cNvPr id="2" name="Заголовок 1"/>
+          <p:cNvPr id="2" name="Title 1"/>
           <p:cNvSpPr>
             <a:spLocks noGrp="1"/>
           </p:cNvSpPr>
@@ -348,13 +449,13 @@
               <a:rPr lang="ru-RU" smtClean="0"/>
               <a:t>Образец заголовка</a:t>
             </a:r>
-            <a:endParaRPr lang="ru-RU"/>
-          </a:p>
-        </p:txBody>
-      </p:sp>
-      <p:sp>
-        <p:nvSpPr>
-          <p:cNvPr id="3" name="Вертикальный текст 2"/>
+            <a:endParaRPr lang="en-US" dirty="0"/>
+          </a:p>
+        </p:txBody>
+      </p:sp>
+      <p:sp>
+        <p:nvSpPr>
+          <p:cNvPr id="3" name="Vertical Text Placeholder 2"/>
           <p:cNvSpPr>
             <a:spLocks noGrp="1"/>
           </p:cNvSpPr>
@@ -400,13 +501,13 @@
               <a:rPr lang="ru-RU" smtClean="0"/>
               <a:t>Пятый уровень</a:t>
             </a:r>
-            <a:endParaRPr lang="ru-RU"/>
-          </a:p>
-        </p:txBody>
-      </p:sp>
-      <p:sp>
-        <p:nvSpPr>
-          <p:cNvPr id="4" name="Дата 3"/>
+            <a:endParaRPr lang="en-US" dirty="0"/>
+          </a:p>
+        </p:txBody>
+      </p:sp>
+      <p:sp>
+        <p:nvSpPr>
+          <p:cNvPr id="4" name="Date Placeholder 3"/>
           <p:cNvSpPr>
             <a:spLocks noGrp="1"/>
           </p:cNvSpPr>
@@ -421,7 +522,7 @@
           <a:p>
             <a:fld id="{75D08D02-5B7B-4FA7-BE01-92677483A7CE}" type="datetimeFigureOut">
               <a:rPr lang="ru-RU" smtClean="0"/>
-              <a:t>19.04.2021</a:t>
+              <a:t>21.04.2021</a:t>
             </a:fld>
             <a:endParaRPr lang="ru-RU"/>
           </a:p>
@@ -429,7 +530,7 @@
       </p:sp>
       <p:sp>
         <p:nvSpPr>
-          <p:cNvPr id="5" name="Нижний колонтитул 4"/>
+          <p:cNvPr id="5" name="Footer Placeholder 4"/>
           <p:cNvSpPr>
             <a:spLocks noGrp="1"/>
           </p:cNvSpPr>
@@ -448,7 +549,7 @@
       </p:sp>
       <p:sp>
         <p:nvSpPr>
-          <p:cNvPr id="6" name="Номер слайда 5"/>
+          <p:cNvPr id="6" name="Slide Number Placeholder 5"/>
           <p:cNvSpPr>
             <a:spLocks noGrp="1"/>
           </p:cNvSpPr>
@@ -472,7 +573,7 @@
     </p:spTree>
     <p:extLst>
       <p:ext uri="{BB962C8B-B14F-4D97-AF65-F5344CB8AC3E}">
-        <p14:creationId xmlns:p14="http://schemas.microsoft.com/office/powerpoint/2010/main" val="1429169365"/>
+        <p14:creationId xmlns:p14="http://schemas.microsoft.com/office/powerpoint/2010/main" val="1454045012"/>
       </p:ext>
     </p:extLst>
   </p:cSld>
@@ -501,7 +602,7 @@
       </p:grpSpPr>
       <p:sp>
         <p:nvSpPr>
-          <p:cNvPr id="2" name="Вертикальный заголовок 1"/>
+          <p:cNvPr id="2" name="Vertical Title 1"/>
           <p:cNvSpPr>
             <a:spLocks noGrp="1"/>
           </p:cNvSpPr>
@@ -511,8 +612,8 @@
         </p:nvSpPr>
         <p:spPr>
           <a:xfrm>
-            <a:off x="8724900" y="365125"/>
-            <a:ext cx="2628900" cy="5811838"/>
+            <a:off x="8648700" y="381000"/>
+            <a:ext cx="2476500" cy="5897562"/>
           </a:xfrm>
         </p:spPr>
         <p:txBody>
@@ -523,13 +624,13 @@
               <a:rPr lang="ru-RU" smtClean="0"/>
               <a:t>Образец заголовка</a:t>
             </a:r>
-            <a:endParaRPr lang="ru-RU"/>
-          </a:p>
-        </p:txBody>
-      </p:sp>
-      <p:sp>
-        <p:nvSpPr>
-          <p:cNvPr id="3" name="Вертикальный текст 2"/>
+            <a:endParaRPr lang="en-US" dirty="0"/>
+          </a:p>
+        </p:txBody>
+      </p:sp>
+      <p:sp>
+        <p:nvSpPr>
+          <p:cNvPr id="3" name="Vertical Text Placeholder 2"/>
           <p:cNvSpPr>
             <a:spLocks noGrp="1"/>
           </p:cNvSpPr>
@@ -539,8 +640,8 @@
         </p:nvSpPr>
         <p:spPr>
           <a:xfrm>
-            <a:off x="838200" y="365125"/>
-            <a:ext cx="7734300" cy="5811838"/>
+            <a:off x="762000" y="381000"/>
+            <a:ext cx="7734300" cy="5897562"/>
           </a:xfrm>
         </p:spPr>
         <p:txBody>
@@ -580,13 +681,13 @@
               <a:rPr lang="ru-RU" smtClean="0"/>
               <a:t>Пятый уровень</a:t>
             </a:r>
-            <a:endParaRPr lang="ru-RU"/>
-          </a:p>
-        </p:txBody>
-      </p:sp>
-      <p:sp>
-        <p:nvSpPr>
-          <p:cNvPr id="4" name="Дата 3"/>
+            <a:endParaRPr lang="en-US" dirty="0"/>
+          </a:p>
+        </p:txBody>
+      </p:sp>
+      <p:sp>
+        <p:nvSpPr>
+          <p:cNvPr id="4" name="Date Placeholder 3"/>
           <p:cNvSpPr>
             <a:spLocks noGrp="1"/>
           </p:cNvSpPr>
@@ -601,7 +702,7 @@
           <a:p>
             <a:fld id="{75D08D02-5B7B-4FA7-BE01-92677483A7CE}" type="datetimeFigureOut">
               <a:rPr lang="ru-RU" smtClean="0"/>
-              <a:t>19.04.2021</a:t>
+              <a:t>21.04.2021</a:t>
             </a:fld>
             <a:endParaRPr lang="ru-RU"/>
           </a:p>
@@ -609,7 +710,7 @@
       </p:sp>
       <p:sp>
         <p:nvSpPr>
-          <p:cNvPr id="5" name="Нижний колонтитул 4"/>
+          <p:cNvPr id="5" name="Footer Placeholder 4"/>
           <p:cNvSpPr>
             <a:spLocks noGrp="1"/>
           </p:cNvSpPr>
@@ -628,7 +729,7 @@
       </p:sp>
       <p:sp>
         <p:nvSpPr>
-          <p:cNvPr id="6" name="Номер слайда 5"/>
+          <p:cNvPr id="6" name="Slide Number Placeholder 5"/>
           <p:cNvSpPr>
             <a:spLocks noGrp="1"/>
           </p:cNvSpPr>
@@ -652,7 +753,7 @@
     </p:spTree>
     <p:extLst>
       <p:ext uri="{BB962C8B-B14F-4D97-AF65-F5344CB8AC3E}">
-        <p14:creationId xmlns:p14="http://schemas.microsoft.com/office/powerpoint/2010/main" val="303800163"/>
+        <p14:creationId xmlns:p14="http://schemas.microsoft.com/office/powerpoint/2010/main" val="1943420854"/>
       </p:ext>
     </p:extLst>
   </p:cSld>
@@ -681,7 +782,7 @@
       </p:grpSpPr>
       <p:sp>
         <p:nvSpPr>
-          <p:cNvPr id="2" name="Заголовок 1"/>
+          <p:cNvPr id="2" name="Title 1"/>
           <p:cNvSpPr>
             <a:spLocks noGrp="1"/>
           </p:cNvSpPr>
@@ -698,13 +799,13 @@
               <a:rPr lang="ru-RU" smtClean="0"/>
               <a:t>Образец заголовка</a:t>
             </a:r>
-            <a:endParaRPr lang="ru-RU"/>
-          </a:p>
-        </p:txBody>
-      </p:sp>
-      <p:sp>
-        <p:nvSpPr>
-          <p:cNvPr id="3" name="Объект 2"/>
+            <a:endParaRPr lang="en-US" dirty="0"/>
+          </a:p>
+        </p:txBody>
+      </p:sp>
+      <p:sp>
+        <p:nvSpPr>
+          <p:cNvPr id="3" name="Content Placeholder 2"/>
           <p:cNvSpPr>
             <a:spLocks noGrp="1"/>
           </p:cNvSpPr>
@@ -750,13 +851,13 @@
               <a:rPr lang="ru-RU" smtClean="0"/>
               <a:t>Пятый уровень</a:t>
             </a:r>
-            <a:endParaRPr lang="ru-RU"/>
-          </a:p>
-        </p:txBody>
-      </p:sp>
-      <p:sp>
-        <p:nvSpPr>
-          <p:cNvPr id="4" name="Дата 3"/>
+            <a:endParaRPr lang="en-US" dirty="0"/>
+          </a:p>
+        </p:txBody>
+      </p:sp>
+      <p:sp>
+        <p:nvSpPr>
+          <p:cNvPr id="4" name="Date Placeholder 3"/>
           <p:cNvSpPr>
             <a:spLocks noGrp="1"/>
           </p:cNvSpPr>
@@ -771,7 +872,7 @@
           <a:p>
             <a:fld id="{75D08D02-5B7B-4FA7-BE01-92677483A7CE}" type="datetimeFigureOut">
               <a:rPr lang="ru-RU" smtClean="0"/>
-              <a:t>19.04.2021</a:t>
+              <a:t>21.04.2021</a:t>
             </a:fld>
             <a:endParaRPr lang="ru-RU"/>
           </a:p>
@@ -779,7 +880,7 @@
       </p:sp>
       <p:sp>
         <p:nvSpPr>
-          <p:cNvPr id="5" name="Нижний колонтитул 4"/>
+          <p:cNvPr id="5" name="Footer Placeholder 4"/>
           <p:cNvSpPr>
             <a:spLocks noGrp="1"/>
           </p:cNvSpPr>
@@ -798,7 +899,7 @@
       </p:sp>
       <p:sp>
         <p:nvSpPr>
-          <p:cNvPr id="6" name="Номер слайда 5"/>
+          <p:cNvPr id="6" name="Slide Number Placeholder 5"/>
           <p:cNvSpPr>
             <a:spLocks noGrp="1"/>
           </p:cNvSpPr>
@@ -822,7 +923,7 @@
     </p:spTree>
     <p:extLst>
       <p:ext uri="{BB962C8B-B14F-4D97-AF65-F5344CB8AC3E}">
-        <p14:creationId xmlns:p14="http://schemas.microsoft.com/office/powerpoint/2010/main" val="2208734987"/>
+        <p14:creationId xmlns:p14="http://schemas.microsoft.com/office/powerpoint/2010/main" val="3218325927"/>
       </p:ext>
     </p:extLst>
   </p:cSld>
@@ -851,7 +952,7 @@
       </p:grpSpPr>
       <p:sp>
         <p:nvSpPr>
-          <p:cNvPr id="2" name="Заголовок 1"/>
+          <p:cNvPr id="2" name="Title 1"/>
           <p:cNvSpPr>
             <a:spLocks noGrp="1"/>
           </p:cNvSpPr>
@@ -861,15 +962,20 @@
         </p:nvSpPr>
         <p:spPr>
           <a:xfrm>
-            <a:off x="831850" y="1709738"/>
-            <a:ext cx="10515600" cy="2852737"/>
-          </a:xfrm>
-        </p:spPr>
-        <p:txBody>
-          <a:bodyPr anchor="b"/>
+            <a:off x="1261872" y="758952"/>
+            <a:ext cx="9418320" cy="4041648"/>
+          </a:xfrm>
+        </p:spPr>
+        <p:txBody>
+          <a:bodyPr anchor="b">
+            <a:normAutofit/>
+          </a:bodyPr>
           <a:lstStyle>
             <a:lvl1pPr>
-              <a:defRPr sz="6000"/>
+              <a:lnSpc>
+                <a:spcPct val="85000"/>
+              </a:lnSpc>
+              <a:defRPr sz="7200" b="0"/>
             </a:lvl1pPr>
           </a:lstStyle>
           <a:p>
@@ -877,13 +983,13 @@
               <a:rPr lang="ru-RU" smtClean="0"/>
               <a:t>Образец заголовка</a:t>
             </a:r>
-            <a:endParaRPr lang="ru-RU"/>
-          </a:p>
-        </p:txBody>
-      </p:sp>
-      <p:sp>
-        <p:nvSpPr>
-          <p:cNvPr id="3" name="Текст 2"/>
+            <a:endParaRPr lang="en-US" dirty="0"/>
+          </a:p>
+        </p:txBody>
+      </p:sp>
+      <p:sp>
+        <p:nvSpPr>
+          <p:cNvPr id="3" name="Text Placeholder 2"/>
           <p:cNvSpPr>
             <a:spLocks noGrp="1"/>
           </p:cNvSpPr>
@@ -893,26 +999,29 @@
         </p:nvSpPr>
         <p:spPr>
           <a:xfrm>
-            <a:off x="831850" y="4589463"/>
-            <a:ext cx="10515600" cy="1500187"/>
-          </a:xfrm>
-        </p:spPr>
-        <p:txBody>
-          <a:bodyPr/>
+            <a:off x="1261872" y="4800600"/>
+            <a:ext cx="9418320" cy="1691640"/>
+          </a:xfrm>
+        </p:spPr>
+        <p:txBody>
+          <a:bodyPr anchor="t">
+            <a:normAutofit/>
+          </a:bodyPr>
           <a:lstStyle>
             <a:lvl1pPr marL="0" indent="0">
               <a:buNone/>
-              <a:defRPr sz="2400">
+              <a:defRPr sz="2200">
                 <a:solidFill>
                   <a:schemeClr val="tx1">
-                    <a:tint val="75000"/>
+                    <a:lumMod val="65000"/>
+                    <a:lumOff val="35000"/>
                   </a:schemeClr>
                 </a:solidFill>
               </a:defRPr>
             </a:lvl1pPr>
             <a:lvl2pPr marL="457200" indent="0">
               <a:buNone/>
-              <a:defRPr sz="2000">
+              <a:defRPr sz="1800">
                 <a:solidFill>
                   <a:schemeClr val="tx1">
                     <a:tint val="75000"/>
@@ -922,7 +1031,7 @@
             </a:lvl2pPr>
             <a:lvl3pPr marL="914400" indent="0">
               <a:buNone/>
-              <a:defRPr sz="1800">
+              <a:defRPr sz="1600">
                 <a:solidFill>
                   <a:schemeClr val="tx1">
                     <a:tint val="75000"/>
@@ -932,7 +1041,7 @@
             </a:lvl3pPr>
             <a:lvl4pPr marL="1371600" indent="0">
               <a:buNone/>
-              <a:defRPr sz="1600">
+              <a:defRPr sz="1400">
                 <a:solidFill>
                   <a:schemeClr val="tx1">
                     <a:tint val="75000"/>
@@ -942,7 +1051,7 @@
             </a:lvl4pPr>
             <a:lvl5pPr marL="1828800" indent="0">
               <a:buNone/>
-              <a:defRPr sz="1600">
+              <a:defRPr sz="1400">
                 <a:solidFill>
                   <a:schemeClr val="tx1">
                     <a:tint val="75000"/>
@@ -952,7 +1061,7 @@
             </a:lvl5pPr>
             <a:lvl6pPr marL="2286000" indent="0">
               <a:buNone/>
-              <a:defRPr sz="1600">
+              <a:defRPr sz="1400">
                 <a:solidFill>
                   <a:schemeClr val="tx1">
                     <a:tint val="75000"/>
@@ -962,7 +1071,7 @@
             </a:lvl6pPr>
             <a:lvl7pPr marL="2743200" indent="0">
               <a:buNone/>
-              <a:defRPr sz="1600">
+              <a:defRPr sz="1400">
                 <a:solidFill>
                   <a:schemeClr val="tx1">
                     <a:tint val="75000"/>
@@ -972,7 +1081,7 @@
             </a:lvl7pPr>
             <a:lvl8pPr marL="3200400" indent="0">
               <a:buNone/>
-              <a:defRPr sz="1600">
+              <a:defRPr sz="1400">
                 <a:solidFill>
                   <a:schemeClr val="tx1">
                     <a:tint val="75000"/>
@@ -982,7 +1091,7 @@
             </a:lvl8pPr>
             <a:lvl9pPr marL="3657600" indent="0">
               <a:buNone/>
-              <a:defRPr sz="1600">
+              <a:defRPr sz="1400">
                 <a:solidFill>
                   <a:schemeClr val="tx1">
                     <a:tint val="75000"/>
@@ -1002,7 +1111,7 @@
       </p:sp>
       <p:sp>
         <p:nvSpPr>
-          <p:cNvPr id="4" name="Дата 3"/>
+          <p:cNvPr id="4" name="Date Placeholder 3"/>
           <p:cNvSpPr>
             <a:spLocks noGrp="1"/>
           </p:cNvSpPr>
@@ -1017,7 +1126,7 @@
           <a:p>
             <a:fld id="{75D08D02-5B7B-4FA7-BE01-92677483A7CE}" type="datetimeFigureOut">
               <a:rPr lang="ru-RU" smtClean="0"/>
-              <a:t>19.04.2021</a:t>
+              <a:t>21.04.2021</a:t>
             </a:fld>
             <a:endParaRPr lang="ru-RU"/>
           </a:p>
@@ -1025,7 +1134,7 @@
       </p:sp>
       <p:sp>
         <p:nvSpPr>
-          <p:cNvPr id="5" name="Нижний колонтитул 4"/>
+          <p:cNvPr id="5" name="Footer Placeholder 4"/>
           <p:cNvSpPr>
             <a:spLocks noGrp="1"/>
           </p:cNvSpPr>
@@ -1044,7 +1153,7 @@
       </p:sp>
       <p:sp>
         <p:nvSpPr>
-          <p:cNvPr id="6" name="Номер слайда 5"/>
+          <p:cNvPr id="6" name="Slide Number Placeholder 5"/>
           <p:cNvSpPr>
             <a:spLocks noGrp="1"/>
           </p:cNvSpPr>
@@ -1065,10 +1174,48 @@
           </a:p>
         </p:txBody>
       </p:sp>
+      <p:sp>
+        <p:nvSpPr>
+          <p:cNvPr id="7" name="Rectangle 6"/>
+          <p:cNvSpPr/>
+          <p:nvPr/>
+        </p:nvSpPr>
+        <p:spPr>
+          <a:xfrm>
+            <a:off x="0" y="0"/>
+            <a:ext cx="457200" cy="6858000"/>
+          </a:xfrm>
+          <a:prstGeom prst="rect">
+            <a:avLst/>
+          </a:prstGeom>
+          <a:solidFill>
+            <a:schemeClr val="accent1"/>
+          </a:solidFill>
+          <a:ln>
+            <a:noFill/>
+          </a:ln>
+        </p:spPr>
+        <p:style>
+          <a:lnRef idx="2">
+            <a:schemeClr val="accent1">
+              <a:shade val="50000"/>
+            </a:schemeClr>
+          </a:lnRef>
+          <a:fillRef idx="1">
+            <a:schemeClr val="accent1"/>
+          </a:fillRef>
+          <a:effectRef idx="0">
+            <a:schemeClr val="accent1"/>
+          </a:effectRef>
+          <a:fontRef idx="minor">
+            <a:schemeClr val="lt1"/>
+          </a:fontRef>
+        </p:style>
+      </p:sp>
     </p:spTree>
     <p:extLst>
       <p:ext uri="{BB962C8B-B14F-4D97-AF65-F5344CB8AC3E}">
-        <p14:creationId xmlns:p14="http://schemas.microsoft.com/office/powerpoint/2010/main" val="1389911627"/>
+        <p14:creationId xmlns:p14="http://schemas.microsoft.com/office/powerpoint/2010/main" val="2472558226"/>
       </p:ext>
     </p:extLst>
   </p:cSld>
@@ -1097,7 +1244,7 @@
       </p:grpSpPr>
       <p:sp>
         <p:nvSpPr>
-          <p:cNvPr id="2" name="Заголовок 1"/>
+          <p:cNvPr id="2" name="Title 1"/>
           <p:cNvSpPr>
             <a:spLocks noGrp="1"/>
           </p:cNvSpPr>
@@ -1114,13 +1261,13 @@
               <a:rPr lang="ru-RU" smtClean="0"/>
               <a:t>Образец заголовка</a:t>
             </a:r>
-            <a:endParaRPr lang="ru-RU"/>
-          </a:p>
-        </p:txBody>
-      </p:sp>
-      <p:sp>
-        <p:nvSpPr>
-          <p:cNvPr id="3" name="Объект 2"/>
+            <a:endParaRPr lang="en-US" dirty="0"/>
+          </a:p>
+        </p:txBody>
+      </p:sp>
+      <p:sp>
+        <p:nvSpPr>
+          <p:cNvPr id="3" name="Content Placeholder 2"/>
           <p:cNvSpPr>
             <a:spLocks noGrp="1"/>
           </p:cNvSpPr>
@@ -1130,13 +1277,41 @@
         </p:nvSpPr>
         <p:spPr>
           <a:xfrm>
-            <a:off x="838200" y="1825625"/>
-            <a:ext cx="5181600" cy="4351338"/>
+            <a:off x="1261872" y="1828800"/>
+            <a:ext cx="4480560" cy="4351337"/>
           </a:xfrm>
         </p:spPr>
         <p:txBody>
           <a:bodyPr/>
-          <a:lstStyle/>
+          <a:lstStyle>
+            <a:lvl1pPr>
+              <a:defRPr sz="1800"/>
+            </a:lvl1pPr>
+            <a:lvl2pPr>
+              <a:defRPr sz="1600"/>
+            </a:lvl2pPr>
+            <a:lvl3pPr>
+              <a:defRPr sz="1400"/>
+            </a:lvl3pPr>
+            <a:lvl4pPr>
+              <a:defRPr sz="1400"/>
+            </a:lvl4pPr>
+            <a:lvl5pPr>
+              <a:defRPr sz="1400"/>
+            </a:lvl5pPr>
+            <a:lvl6pPr>
+              <a:defRPr sz="1400"/>
+            </a:lvl6pPr>
+            <a:lvl7pPr>
+              <a:defRPr sz="1400"/>
+            </a:lvl7pPr>
+            <a:lvl8pPr>
+              <a:defRPr sz="1400"/>
+            </a:lvl8pPr>
+            <a:lvl9pPr>
+              <a:defRPr sz="1400"/>
+            </a:lvl9pPr>
+          </a:lstStyle>
           <a:p>
             <a:pPr lvl="0"/>
             <a:r>
@@ -1171,13 +1346,13 @@
               <a:rPr lang="ru-RU" smtClean="0"/>
               <a:t>Пятый уровень</a:t>
             </a:r>
-            <a:endParaRPr lang="ru-RU"/>
-          </a:p>
-        </p:txBody>
-      </p:sp>
-      <p:sp>
-        <p:nvSpPr>
-          <p:cNvPr id="4" name="Объект 3"/>
+            <a:endParaRPr lang="en-US" dirty="0"/>
+          </a:p>
+        </p:txBody>
+      </p:sp>
+      <p:sp>
+        <p:nvSpPr>
+          <p:cNvPr id="4" name="Content Placeholder 3"/>
           <p:cNvSpPr>
             <a:spLocks noGrp="1"/>
           </p:cNvSpPr>
@@ -1187,13 +1362,41 @@
         </p:nvSpPr>
         <p:spPr>
           <a:xfrm>
-            <a:off x="6172200" y="1825625"/>
-            <a:ext cx="5181600" cy="4351338"/>
+            <a:off x="6126480" y="1828800"/>
+            <a:ext cx="4480560" cy="4351337"/>
           </a:xfrm>
         </p:spPr>
         <p:txBody>
           <a:bodyPr/>
-          <a:lstStyle/>
+          <a:lstStyle>
+            <a:lvl1pPr>
+              <a:defRPr sz="1800"/>
+            </a:lvl1pPr>
+            <a:lvl2pPr>
+              <a:defRPr sz="1600"/>
+            </a:lvl2pPr>
+            <a:lvl3pPr>
+              <a:defRPr sz="1400"/>
+            </a:lvl3pPr>
+            <a:lvl4pPr>
+              <a:defRPr sz="1400"/>
+            </a:lvl4pPr>
+            <a:lvl5pPr>
+              <a:defRPr sz="1400"/>
+            </a:lvl5pPr>
+            <a:lvl6pPr>
+              <a:defRPr sz="1400"/>
+            </a:lvl6pPr>
+            <a:lvl7pPr>
+              <a:defRPr sz="1400"/>
+            </a:lvl7pPr>
+            <a:lvl8pPr>
+              <a:defRPr sz="1400"/>
+            </a:lvl8pPr>
+            <a:lvl9pPr>
+              <a:defRPr sz="1400"/>
+            </a:lvl9pPr>
+          </a:lstStyle>
           <a:p>
             <a:pPr lvl="0"/>
             <a:r>
@@ -1228,13 +1431,13 @@
               <a:rPr lang="ru-RU" smtClean="0"/>
               <a:t>Пятый уровень</a:t>
             </a:r>
-            <a:endParaRPr lang="ru-RU"/>
-          </a:p>
-        </p:txBody>
-      </p:sp>
-      <p:sp>
-        <p:nvSpPr>
-          <p:cNvPr id="5" name="Дата 4"/>
+            <a:endParaRPr lang="en-US" dirty="0"/>
+          </a:p>
+        </p:txBody>
+      </p:sp>
+      <p:sp>
+        <p:nvSpPr>
+          <p:cNvPr id="5" name="Date Placeholder 4"/>
           <p:cNvSpPr>
             <a:spLocks noGrp="1"/>
           </p:cNvSpPr>
@@ -1249,7 +1452,7 @@
           <a:p>
             <a:fld id="{75D08D02-5B7B-4FA7-BE01-92677483A7CE}" type="datetimeFigureOut">
               <a:rPr lang="ru-RU" smtClean="0"/>
-              <a:t>19.04.2021</a:t>
+              <a:t>21.04.2021</a:t>
             </a:fld>
             <a:endParaRPr lang="ru-RU"/>
           </a:p>
@@ -1257,7 +1460,7 @@
       </p:sp>
       <p:sp>
         <p:nvSpPr>
-          <p:cNvPr id="6" name="Нижний колонтитул 5"/>
+          <p:cNvPr id="6" name="Footer Placeholder 5"/>
           <p:cNvSpPr>
             <a:spLocks noGrp="1"/>
           </p:cNvSpPr>
@@ -1276,7 +1479,7 @@
       </p:sp>
       <p:sp>
         <p:nvSpPr>
-          <p:cNvPr id="7" name="Номер слайда 6"/>
+          <p:cNvPr id="7" name="Slide Number Placeholder 6"/>
           <p:cNvSpPr>
             <a:spLocks noGrp="1"/>
           </p:cNvSpPr>
@@ -1300,7 +1503,7 @@
     </p:spTree>
     <p:extLst>
       <p:ext uri="{BB962C8B-B14F-4D97-AF65-F5344CB8AC3E}">
-        <p14:creationId xmlns:p14="http://schemas.microsoft.com/office/powerpoint/2010/main" val="1314164237"/>
+        <p14:creationId xmlns:p14="http://schemas.microsoft.com/office/powerpoint/2010/main" val="1833720717"/>
       </p:ext>
     </p:extLst>
   </p:cSld>
@@ -1329,7 +1532,7 @@
       </p:grpSpPr>
       <p:sp>
         <p:nvSpPr>
-          <p:cNvPr id="2" name="Заголовок 1"/>
+          <p:cNvPr id="10" name="Title 9"/>
           <p:cNvSpPr>
             <a:spLocks noGrp="1"/>
           </p:cNvSpPr>
@@ -1337,46 +1540,50 @@
             <p:ph type="title"/>
           </p:nvPr>
         </p:nvSpPr>
+        <p:spPr/>
+        <p:txBody>
+          <a:bodyPr/>
+          <a:lstStyle/>
+          <a:p>
+            <a:r>
+              <a:rPr lang="ru-RU" smtClean="0"/>
+              <a:t>Образец заголовка</a:t>
+            </a:r>
+            <a:endParaRPr lang="en-US" dirty="0"/>
+          </a:p>
+        </p:txBody>
+      </p:sp>
+      <p:sp>
+        <p:nvSpPr>
+          <p:cNvPr id="3" name="Text Placeholder 2"/>
+          <p:cNvSpPr>
+            <a:spLocks noGrp="1"/>
+          </p:cNvSpPr>
+          <p:nvPr>
+            <p:ph type="body" idx="1"/>
+          </p:nvPr>
+        </p:nvSpPr>
         <p:spPr>
           <a:xfrm>
-            <a:off x="839788" y="365125"/>
-            <a:ext cx="10515600" cy="1325563"/>
-          </a:xfrm>
-        </p:spPr>
-        <p:txBody>
-          <a:bodyPr/>
-          <a:lstStyle/>
-          <a:p>
-            <a:r>
-              <a:rPr lang="ru-RU" smtClean="0"/>
-              <a:t>Образец заголовка</a:t>
-            </a:r>
-            <a:endParaRPr lang="ru-RU"/>
-          </a:p>
-        </p:txBody>
-      </p:sp>
-      <p:sp>
-        <p:nvSpPr>
-          <p:cNvPr id="3" name="Текст 2"/>
-          <p:cNvSpPr>
-            <a:spLocks noGrp="1"/>
-          </p:cNvSpPr>
-          <p:nvPr>
-            <p:ph type="body" idx="1"/>
-          </p:nvPr>
-        </p:nvSpPr>
-        <p:spPr>
-          <a:xfrm>
-            <a:off x="839788" y="1681163"/>
-            <a:ext cx="5157787" cy="823912"/>
-          </a:xfrm>
-        </p:spPr>
-        <p:txBody>
-          <a:bodyPr anchor="b"/>
+            <a:off x="1261872" y="1713655"/>
+            <a:ext cx="4480560" cy="731520"/>
+          </a:xfrm>
+        </p:spPr>
+        <p:txBody>
+          <a:bodyPr anchor="b">
+            <a:normAutofit/>
+          </a:bodyPr>
           <a:lstStyle>
             <a:lvl1pPr marL="0" indent="0">
-              <a:buNone/>
-              <a:defRPr sz="2400" b="1"/>
+              <a:spcBef>
+                <a:spcPts val="0"/>
+              </a:spcBef>
+              <a:buNone/>
+              <a:defRPr sz="2000" b="0">
+                <a:solidFill>
+                  <a:schemeClr val="tx2"/>
+                </a:solidFill>
+              </a:defRPr>
             </a:lvl1pPr>
             <a:lvl2pPr marL="457200" indent="0">
               <a:buNone/>
@@ -1422,7 +1629,7 @@
       </p:sp>
       <p:sp>
         <p:nvSpPr>
-          <p:cNvPr id="4" name="Объект 3"/>
+          <p:cNvPr id="4" name="Content Placeholder 3"/>
           <p:cNvSpPr>
             <a:spLocks noGrp="1"/>
           </p:cNvSpPr>
@@ -1432,13 +1639,41 @@
         </p:nvSpPr>
         <p:spPr>
           <a:xfrm>
-            <a:off x="839788" y="2505075"/>
-            <a:ext cx="5157787" cy="3684588"/>
+            <a:off x="1261872" y="2507550"/>
+            <a:ext cx="4480560" cy="3664650"/>
           </a:xfrm>
         </p:spPr>
         <p:txBody>
           <a:bodyPr/>
-          <a:lstStyle/>
+          <a:lstStyle>
+            <a:lvl1pPr>
+              <a:defRPr sz="1800"/>
+            </a:lvl1pPr>
+            <a:lvl2pPr>
+              <a:defRPr sz="1600"/>
+            </a:lvl2pPr>
+            <a:lvl3pPr>
+              <a:defRPr sz="1400"/>
+            </a:lvl3pPr>
+            <a:lvl4pPr>
+              <a:defRPr sz="1400"/>
+            </a:lvl4pPr>
+            <a:lvl5pPr>
+              <a:defRPr sz="1400"/>
+            </a:lvl5pPr>
+            <a:lvl6pPr>
+              <a:defRPr sz="1400"/>
+            </a:lvl6pPr>
+            <a:lvl7pPr>
+              <a:defRPr sz="1400"/>
+            </a:lvl7pPr>
+            <a:lvl8pPr>
+              <a:defRPr sz="1400"/>
+            </a:lvl8pPr>
+            <a:lvl9pPr>
+              <a:defRPr sz="1400"/>
+            </a:lvl9pPr>
+          </a:lstStyle>
           <a:p>
             <a:pPr lvl="0"/>
             <a:r>
@@ -1473,13 +1708,13 @@
               <a:rPr lang="ru-RU" smtClean="0"/>
               <a:t>Пятый уровень</a:t>
             </a:r>
-            <a:endParaRPr lang="ru-RU"/>
-          </a:p>
-        </p:txBody>
-      </p:sp>
-      <p:sp>
-        <p:nvSpPr>
-          <p:cNvPr id="5" name="Текст 4"/>
+            <a:endParaRPr lang="en-US" dirty="0"/>
+          </a:p>
+        </p:txBody>
+      </p:sp>
+      <p:sp>
+        <p:nvSpPr>
+          <p:cNvPr id="5" name="Text Placeholder 4"/>
           <p:cNvSpPr>
             <a:spLocks noGrp="1"/>
           </p:cNvSpPr>
@@ -1489,16 +1724,31 @@
         </p:nvSpPr>
         <p:spPr>
           <a:xfrm>
-            <a:off x="6172200" y="1681163"/>
-            <a:ext cx="5183188" cy="823912"/>
-          </a:xfrm>
-        </p:spPr>
-        <p:txBody>
-          <a:bodyPr anchor="b"/>
+            <a:off x="6126480" y="1713655"/>
+            <a:ext cx="4480560" cy="731520"/>
+          </a:xfrm>
+        </p:spPr>
+        <p:txBody>
+          <a:bodyPr anchor="b">
+            <a:normAutofit/>
+          </a:bodyPr>
           <a:lstStyle>
             <a:lvl1pPr marL="0" indent="0">
-              <a:buNone/>
-              <a:defRPr sz="2400" b="1"/>
+              <a:lnSpc>
+                <a:spcPct val="95000"/>
+              </a:lnSpc>
+              <a:spcBef>
+                <a:spcPts val="0"/>
+              </a:spcBef>
+              <a:buNone/>
+              <a:defRPr lang="en-US" sz="2000" b="0" kern="1200" dirty="0">
+                <a:solidFill>
+                  <a:schemeClr val="tx2"/>
+                </a:solidFill>
+                <a:latin typeface="+mn-lt"/>
+                <a:ea typeface="+mn-ea"/>
+                <a:cs typeface="+mn-cs"/>
+              </a:defRPr>
             </a:lvl1pPr>
             <a:lvl2pPr marL="457200" indent="0">
               <a:buNone/>
@@ -1534,89 +1784,126 @@
             </a:lvl9pPr>
           </a:lstStyle>
           <a:p>
+            <a:pPr marL="0" lvl="0" indent="0" algn="l" defTabSz="914400" rtl="0" eaLnBrk="1" latinLnBrk="0" hangingPunct="1">
+              <a:lnSpc>
+                <a:spcPct val="90000"/>
+              </a:lnSpc>
+              <a:spcBef>
+                <a:spcPts val="2000"/>
+              </a:spcBef>
+              <a:buFontTx/>
+              <a:buNone/>
+            </a:pPr>
+            <a:r>
+              <a:rPr lang="ru-RU" smtClean="0"/>
+              <a:t>Образец текста</a:t>
+            </a:r>
+          </a:p>
+        </p:txBody>
+      </p:sp>
+      <p:sp>
+        <p:nvSpPr>
+          <p:cNvPr id="6" name="Content Placeholder 5"/>
+          <p:cNvSpPr>
+            <a:spLocks noGrp="1"/>
+          </p:cNvSpPr>
+          <p:nvPr>
+            <p:ph sz="quarter" idx="4"/>
+          </p:nvPr>
+        </p:nvSpPr>
+        <p:spPr>
+          <a:xfrm>
+            <a:off x="6126480" y="2507550"/>
+            <a:ext cx="4480560" cy="3664650"/>
+          </a:xfrm>
+        </p:spPr>
+        <p:txBody>
+          <a:bodyPr/>
+          <a:lstStyle>
+            <a:lvl1pPr>
+              <a:defRPr sz="1800"/>
+            </a:lvl1pPr>
+            <a:lvl2pPr>
+              <a:defRPr sz="1600"/>
+            </a:lvl2pPr>
+            <a:lvl3pPr>
+              <a:defRPr sz="1400"/>
+            </a:lvl3pPr>
+            <a:lvl4pPr>
+              <a:defRPr sz="1400"/>
+            </a:lvl4pPr>
+            <a:lvl5pPr>
+              <a:defRPr sz="1400"/>
+            </a:lvl5pPr>
+            <a:lvl6pPr>
+              <a:defRPr sz="1400"/>
+            </a:lvl6pPr>
+            <a:lvl7pPr>
+              <a:defRPr sz="1400"/>
+            </a:lvl7pPr>
+            <a:lvl8pPr>
+              <a:defRPr sz="1400"/>
+            </a:lvl8pPr>
+            <a:lvl9pPr>
+              <a:defRPr sz="1400"/>
+            </a:lvl9pPr>
+          </a:lstStyle>
+          <a:p>
             <a:pPr lvl="0"/>
             <a:r>
               <a:rPr lang="ru-RU" smtClean="0"/>
               <a:t>Образец текста</a:t>
             </a:r>
           </a:p>
-        </p:txBody>
-      </p:sp>
-      <p:sp>
-        <p:nvSpPr>
-          <p:cNvPr id="6" name="Объект 5"/>
-          <p:cNvSpPr>
-            <a:spLocks noGrp="1"/>
-          </p:cNvSpPr>
-          <p:nvPr>
-            <p:ph sz="quarter" idx="4"/>
-          </p:nvPr>
-        </p:nvSpPr>
-        <p:spPr>
-          <a:xfrm>
-            <a:off x="6172200" y="2505075"/>
-            <a:ext cx="5183188" cy="3684588"/>
-          </a:xfrm>
-        </p:spPr>
+          <a:p>
+            <a:pPr lvl="1"/>
+            <a:r>
+              <a:rPr lang="ru-RU" smtClean="0"/>
+              <a:t>Второй уровень</a:t>
+            </a:r>
+          </a:p>
+          <a:p>
+            <a:pPr lvl="2"/>
+            <a:r>
+              <a:rPr lang="ru-RU" smtClean="0"/>
+              <a:t>Третий уровень</a:t>
+            </a:r>
+          </a:p>
+          <a:p>
+            <a:pPr lvl="3"/>
+            <a:r>
+              <a:rPr lang="ru-RU" smtClean="0"/>
+              <a:t>Четвертый уровень</a:t>
+            </a:r>
+          </a:p>
+          <a:p>
+            <a:pPr lvl="4"/>
+            <a:r>
+              <a:rPr lang="ru-RU" smtClean="0"/>
+              <a:t>Пятый уровень</a:t>
+            </a:r>
+            <a:endParaRPr lang="en-US" dirty="0"/>
+          </a:p>
+        </p:txBody>
+      </p:sp>
+      <p:sp>
+        <p:nvSpPr>
+          <p:cNvPr id="7" name="Date Placeholder 6"/>
+          <p:cNvSpPr>
+            <a:spLocks noGrp="1"/>
+          </p:cNvSpPr>
+          <p:nvPr>
+            <p:ph type="dt" sz="half" idx="10"/>
+          </p:nvPr>
+        </p:nvSpPr>
+        <p:spPr/>
         <p:txBody>
           <a:bodyPr/>
           <a:lstStyle/>
           <a:p>
-            <a:pPr lvl="0"/>
-            <a:r>
-              <a:rPr lang="ru-RU" smtClean="0"/>
-              <a:t>Образец текста</a:t>
-            </a:r>
-          </a:p>
-          <a:p>
-            <a:pPr lvl="1"/>
-            <a:r>
-              <a:rPr lang="ru-RU" smtClean="0"/>
-              <a:t>Второй уровень</a:t>
-            </a:r>
-          </a:p>
-          <a:p>
-            <a:pPr lvl="2"/>
-            <a:r>
-              <a:rPr lang="ru-RU" smtClean="0"/>
-              <a:t>Третий уровень</a:t>
-            </a:r>
-          </a:p>
-          <a:p>
-            <a:pPr lvl="3"/>
-            <a:r>
-              <a:rPr lang="ru-RU" smtClean="0"/>
-              <a:t>Четвертый уровень</a:t>
-            </a:r>
-          </a:p>
-          <a:p>
-            <a:pPr lvl="4"/>
-            <a:r>
-              <a:rPr lang="ru-RU" smtClean="0"/>
-              <a:t>Пятый уровень</a:t>
-            </a:r>
-            <a:endParaRPr lang="ru-RU"/>
-          </a:p>
-        </p:txBody>
-      </p:sp>
-      <p:sp>
-        <p:nvSpPr>
-          <p:cNvPr id="7" name="Дата 6"/>
-          <p:cNvSpPr>
-            <a:spLocks noGrp="1"/>
-          </p:cNvSpPr>
-          <p:nvPr>
-            <p:ph type="dt" sz="half" idx="10"/>
-          </p:nvPr>
-        </p:nvSpPr>
-        <p:spPr/>
-        <p:txBody>
-          <a:bodyPr/>
-          <a:lstStyle/>
-          <a:p>
             <a:fld id="{75D08D02-5B7B-4FA7-BE01-92677483A7CE}" type="datetimeFigureOut">
               <a:rPr lang="ru-RU" smtClean="0"/>
-              <a:t>19.04.2021</a:t>
+              <a:t>21.04.2021</a:t>
             </a:fld>
             <a:endParaRPr lang="ru-RU"/>
           </a:p>
@@ -1624,7 +1911,7 @@
       </p:sp>
       <p:sp>
         <p:nvSpPr>
-          <p:cNvPr id="8" name="Нижний колонтитул 7"/>
+          <p:cNvPr id="8" name="Footer Placeholder 7"/>
           <p:cNvSpPr>
             <a:spLocks noGrp="1"/>
           </p:cNvSpPr>
@@ -1643,7 +1930,7 @@
       </p:sp>
       <p:sp>
         <p:nvSpPr>
-          <p:cNvPr id="9" name="Номер слайда 8"/>
+          <p:cNvPr id="9" name="Slide Number Placeholder 8"/>
           <p:cNvSpPr>
             <a:spLocks noGrp="1"/>
           </p:cNvSpPr>
@@ -1667,7 +1954,7 @@
     </p:spTree>
     <p:extLst>
       <p:ext uri="{BB962C8B-B14F-4D97-AF65-F5344CB8AC3E}">
-        <p14:creationId xmlns:p14="http://schemas.microsoft.com/office/powerpoint/2010/main" val="2098046244"/>
+        <p14:creationId xmlns:p14="http://schemas.microsoft.com/office/powerpoint/2010/main" val="525326549"/>
       </p:ext>
     </p:extLst>
   </p:cSld>
@@ -1696,7 +1983,7 @@
       </p:grpSpPr>
       <p:sp>
         <p:nvSpPr>
-          <p:cNvPr id="2" name="Заголовок 1"/>
+          <p:cNvPr id="6" name="Title 5"/>
           <p:cNvSpPr>
             <a:spLocks noGrp="1"/>
           </p:cNvSpPr>
@@ -1713,13 +2000,13 @@
               <a:rPr lang="ru-RU" smtClean="0"/>
               <a:t>Образец заголовка</a:t>
             </a:r>
-            <a:endParaRPr lang="ru-RU"/>
-          </a:p>
-        </p:txBody>
-      </p:sp>
-      <p:sp>
-        <p:nvSpPr>
-          <p:cNvPr id="3" name="Дата 2"/>
+            <a:endParaRPr lang="en-US" dirty="0"/>
+          </a:p>
+        </p:txBody>
+      </p:sp>
+      <p:sp>
+        <p:nvSpPr>
+          <p:cNvPr id="3" name="Date Placeholder 2"/>
           <p:cNvSpPr>
             <a:spLocks noGrp="1"/>
           </p:cNvSpPr>
@@ -1734,7 +2021,7 @@
           <a:p>
             <a:fld id="{75D08D02-5B7B-4FA7-BE01-92677483A7CE}" type="datetimeFigureOut">
               <a:rPr lang="ru-RU" smtClean="0"/>
-              <a:t>19.04.2021</a:t>
+              <a:t>21.04.2021</a:t>
             </a:fld>
             <a:endParaRPr lang="ru-RU"/>
           </a:p>
@@ -1742,7 +2029,7 @@
       </p:sp>
       <p:sp>
         <p:nvSpPr>
-          <p:cNvPr id="4" name="Нижний колонтитул 3"/>
+          <p:cNvPr id="4" name="Footer Placeholder 3"/>
           <p:cNvSpPr>
             <a:spLocks noGrp="1"/>
           </p:cNvSpPr>
@@ -1761,7 +2048,7 @@
       </p:sp>
       <p:sp>
         <p:nvSpPr>
-          <p:cNvPr id="5" name="Номер слайда 4"/>
+          <p:cNvPr id="5" name="Slide Number Placeholder 4"/>
           <p:cNvSpPr>
             <a:spLocks noGrp="1"/>
           </p:cNvSpPr>
@@ -1785,7 +2072,7 @@
     </p:spTree>
     <p:extLst>
       <p:ext uri="{BB962C8B-B14F-4D97-AF65-F5344CB8AC3E}">
-        <p14:creationId xmlns:p14="http://schemas.microsoft.com/office/powerpoint/2010/main" val="2896236236"/>
+        <p14:creationId xmlns:p14="http://schemas.microsoft.com/office/powerpoint/2010/main" val="1511891131"/>
       </p:ext>
     </p:extLst>
   </p:cSld>
@@ -1814,7 +2101,7 @@
       </p:grpSpPr>
       <p:sp>
         <p:nvSpPr>
-          <p:cNvPr id="2" name="Дата 1"/>
+          <p:cNvPr id="2" name="Date Placeholder 1"/>
           <p:cNvSpPr>
             <a:spLocks noGrp="1"/>
           </p:cNvSpPr>
@@ -1829,7 +2116,7 @@
           <a:p>
             <a:fld id="{75D08D02-5B7B-4FA7-BE01-92677483A7CE}" type="datetimeFigureOut">
               <a:rPr lang="ru-RU" smtClean="0"/>
-              <a:t>19.04.2021</a:t>
+              <a:t>21.04.2021</a:t>
             </a:fld>
             <a:endParaRPr lang="ru-RU"/>
           </a:p>
@@ -1837,7 +2124,7 @@
       </p:sp>
       <p:sp>
         <p:nvSpPr>
-          <p:cNvPr id="3" name="Нижний колонтитул 2"/>
+          <p:cNvPr id="3" name="Footer Placeholder 2"/>
           <p:cNvSpPr>
             <a:spLocks noGrp="1"/>
           </p:cNvSpPr>
@@ -1856,7 +2143,7 @@
       </p:sp>
       <p:sp>
         <p:nvSpPr>
-          <p:cNvPr id="4" name="Номер слайда 3"/>
+          <p:cNvPr id="4" name="Slide Number Placeholder 3"/>
           <p:cNvSpPr>
             <a:spLocks noGrp="1"/>
           </p:cNvSpPr>
@@ -1880,7 +2167,7 @@
     </p:spTree>
     <p:extLst>
       <p:ext uri="{BB962C8B-B14F-4D97-AF65-F5344CB8AC3E}">
-        <p14:creationId xmlns:p14="http://schemas.microsoft.com/office/powerpoint/2010/main" val="994643686"/>
+        <p14:creationId xmlns:p14="http://schemas.microsoft.com/office/powerpoint/2010/main" val="1125285415"/>
       </p:ext>
     </p:extLst>
   </p:cSld>
@@ -1909,7 +2196,7 @@
       </p:grpSpPr>
       <p:sp>
         <p:nvSpPr>
-          <p:cNvPr id="2" name="Заголовок 1"/>
+          <p:cNvPr id="2" name="Title 1"/>
           <p:cNvSpPr>
             <a:spLocks noGrp="1"/>
           </p:cNvSpPr>
@@ -1919,15 +2206,17 @@
         </p:nvSpPr>
         <p:spPr>
           <a:xfrm>
-            <a:off x="839788" y="457200"/>
-            <a:ext cx="3932237" cy="1600200"/>
-          </a:xfrm>
-        </p:spPr>
-        <p:txBody>
-          <a:bodyPr anchor="b"/>
+            <a:off x="841248" y="457200"/>
+            <a:ext cx="3200400" cy="1600197"/>
+          </a:xfrm>
+        </p:spPr>
+        <p:txBody>
+          <a:bodyPr anchor="b">
+            <a:normAutofit/>
+          </a:bodyPr>
           <a:lstStyle>
             <a:lvl1pPr>
-              <a:defRPr sz="3200"/>
+              <a:defRPr sz="3200" b="0" baseline="0"/>
             </a:lvl1pPr>
           </a:lstStyle>
           <a:p>
@@ -1935,13 +2224,13 @@
               <a:rPr lang="ru-RU" smtClean="0"/>
               <a:t>Образец заголовка</a:t>
             </a:r>
-            <a:endParaRPr lang="ru-RU"/>
-          </a:p>
-        </p:txBody>
-      </p:sp>
-      <p:sp>
-        <p:nvSpPr>
-          <p:cNvPr id="3" name="Объект 2"/>
+            <a:endParaRPr lang="en-US" dirty="0"/>
+          </a:p>
+        </p:txBody>
+      </p:sp>
+      <p:sp>
+        <p:nvSpPr>
+          <p:cNvPr id="3" name="Content Placeholder 2"/>
           <p:cNvSpPr>
             <a:spLocks noGrp="1"/>
           </p:cNvSpPr>
@@ -1951,39 +2240,39 @@
         </p:nvSpPr>
         <p:spPr>
           <a:xfrm>
-            <a:off x="5183188" y="987425"/>
-            <a:ext cx="6172200" cy="4873625"/>
+            <a:off x="4504267" y="685800"/>
+            <a:ext cx="6079066" cy="5486400"/>
           </a:xfrm>
         </p:spPr>
         <p:txBody>
           <a:bodyPr/>
           <a:lstStyle>
             <a:lvl1pPr>
-              <a:defRPr sz="3200"/>
+              <a:defRPr sz="2000"/>
             </a:lvl1pPr>
             <a:lvl2pPr>
-              <a:defRPr sz="2800"/>
+              <a:defRPr sz="1800"/>
             </a:lvl2pPr>
             <a:lvl3pPr>
-              <a:defRPr sz="2400"/>
+              <a:defRPr sz="1600"/>
             </a:lvl3pPr>
             <a:lvl4pPr>
-              <a:defRPr sz="2000"/>
+              <a:defRPr sz="1400"/>
             </a:lvl4pPr>
             <a:lvl5pPr>
-              <a:defRPr sz="2000"/>
+              <a:defRPr sz="1400"/>
             </a:lvl5pPr>
             <a:lvl6pPr>
-              <a:defRPr sz="2000"/>
+              <a:defRPr sz="1400"/>
             </a:lvl6pPr>
             <a:lvl7pPr>
-              <a:defRPr sz="2000"/>
+              <a:defRPr sz="1400"/>
             </a:lvl7pPr>
             <a:lvl8pPr>
-              <a:defRPr sz="2000"/>
+              <a:defRPr sz="1400"/>
             </a:lvl8pPr>
             <a:lvl9pPr>
-              <a:defRPr sz="2000"/>
+              <a:defRPr sz="1400"/>
             </a:lvl9pPr>
           </a:lstStyle>
           <a:p>
@@ -2020,13 +2309,13 @@
               <a:rPr lang="ru-RU" smtClean="0"/>
               <a:t>Пятый уровень</a:t>
             </a:r>
-            <a:endParaRPr lang="ru-RU"/>
-          </a:p>
-        </p:txBody>
-      </p:sp>
-      <p:sp>
-        <p:nvSpPr>
-          <p:cNvPr id="4" name="Текст 3"/>
+            <a:endParaRPr lang="en-US" dirty="0"/>
+          </a:p>
+        </p:txBody>
+      </p:sp>
+      <p:sp>
+        <p:nvSpPr>
+          <p:cNvPr id="4" name="Text Placeholder 3"/>
           <p:cNvSpPr>
             <a:spLocks noGrp="1"/>
           </p:cNvSpPr>
@@ -2036,48 +2325,56 @@
         </p:nvSpPr>
         <p:spPr>
           <a:xfrm>
-            <a:off x="839788" y="2057400"/>
-            <a:ext cx="3932237" cy="3811588"/>
-          </a:xfrm>
-        </p:spPr>
-        <p:txBody>
-          <a:bodyPr/>
+            <a:off x="841248" y="2099734"/>
+            <a:ext cx="3200400" cy="3810001"/>
+          </a:xfrm>
+        </p:spPr>
+        <p:txBody>
+          <a:bodyPr>
+            <a:normAutofit/>
+          </a:bodyPr>
           <a:lstStyle>
             <a:lvl1pPr marL="0" indent="0">
-              <a:buNone/>
-              <a:defRPr sz="1600"/>
+              <a:lnSpc>
+                <a:spcPct val="114000"/>
+              </a:lnSpc>
+              <a:spcBef>
+                <a:spcPts val="800"/>
+              </a:spcBef>
+              <a:buNone/>
+              <a:defRPr sz="1300"/>
             </a:lvl1pPr>
             <a:lvl2pPr marL="457200" indent="0">
               <a:buNone/>
-              <a:defRPr sz="1400"/>
+              <a:defRPr sz="1200"/>
             </a:lvl2pPr>
             <a:lvl3pPr marL="914400" indent="0">
               <a:buNone/>
-              <a:defRPr sz="1200"/>
+              <a:defRPr sz="1000"/>
             </a:lvl3pPr>
             <a:lvl4pPr marL="1371600" indent="0">
               <a:buNone/>
-              <a:defRPr sz="1000"/>
+              <a:defRPr sz="900"/>
             </a:lvl4pPr>
             <a:lvl5pPr marL="1828800" indent="0">
               <a:buNone/>
-              <a:defRPr sz="1000"/>
+              <a:defRPr sz="900"/>
             </a:lvl5pPr>
             <a:lvl6pPr marL="2286000" indent="0">
               <a:buNone/>
-              <a:defRPr sz="1000"/>
+              <a:defRPr sz="900"/>
             </a:lvl6pPr>
             <a:lvl7pPr marL="2743200" indent="0">
               <a:buNone/>
-              <a:defRPr sz="1000"/>
+              <a:defRPr sz="900"/>
             </a:lvl7pPr>
             <a:lvl8pPr marL="3200400" indent="0">
               <a:buNone/>
-              <a:defRPr sz="1000"/>
+              <a:defRPr sz="900"/>
             </a:lvl8pPr>
             <a:lvl9pPr marL="3657600" indent="0">
               <a:buNone/>
-              <a:defRPr sz="1000"/>
+              <a:defRPr sz="900"/>
             </a:lvl9pPr>
           </a:lstStyle>
           <a:p>
@@ -2091,7 +2388,7 @@
       </p:sp>
       <p:sp>
         <p:nvSpPr>
-          <p:cNvPr id="5" name="Дата 4"/>
+          <p:cNvPr id="5" name="Date Placeholder 4"/>
           <p:cNvSpPr>
             <a:spLocks noGrp="1"/>
           </p:cNvSpPr>
@@ -2106,7 +2403,7 @@
           <a:p>
             <a:fld id="{75D08D02-5B7B-4FA7-BE01-92677483A7CE}" type="datetimeFigureOut">
               <a:rPr lang="ru-RU" smtClean="0"/>
-              <a:t>19.04.2021</a:t>
+              <a:t>21.04.2021</a:t>
             </a:fld>
             <a:endParaRPr lang="ru-RU"/>
           </a:p>
@@ -2114,7 +2411,7 @@
       </p:sp>
       <p:sp>
         <p:nvSpPr>
-          <p:cNvPr id="6" name="Нижний колонтитул 5"/>
+          <p:cNvPr id="6" name="Footer Placeholder 5"/>
           <p:cNvSpPr>
             <a:spLocks noGrp="1"/>
           </p:cNvSpPr>
@@ -2133,7 +2430,7 @@
       </p:sp>
       <p:sp>
         <p:nvSpPr>
-          <p:cNvPr id="7" name="Номер слайда 6"/>
+          <p:cNvPr id="7" name="Slide Number Placeholder 6"/>
           <p:cNvSpPr>
             <a:spLocks noGrp="1"/>
           </p:cNvSpPr>
@@ -2157,7 +2454,7 @@
     </p:spTree>
     <p:extLst>
       <p:ext uri="{BB962C8B-B14F-4D97-AF65-F5344CB8AC3E}">
-        <p14:creationId xmlns:p14="http://schemas.microsoft.com/office/powerpoint/2010/main" val="1950395189"/>
+        <p14:creationId xmlns:p14="http://schemas.microsoft.com/office/powerpoint/2010/main" val="463108705"/>
       </p:ext>
     </p:extLst>
   </p:cSld>
@@ -2186,7 +2483,45 @@
       </p:grpSpPr>
       <p:sp>
         <p:nvSpPr>
-          <p:cNvPr id="2" name="Заголовок 1"/>
+          <p:cNvPr id="8" name="Rectangle 7"/>
+          <p:cNvSpPr/>
+          <p:nvPr/>
+        </p:nvSpPr>
+        <p:spPr>
+          <a:xfrm>
+            <a:off x="0" y="5105400"/>
+            <a:ext cx="11292840" cy="1752600"/>
+          </a:xfrm>
+          <a:prstGeom prst="rect">
+            <a:avLst/>
+          </a:prstGeom>
+          <a:solidFill>
+            <a:srgbClr val="000000"/>
+          </a:solidFill>
+          <a:ln>
+            <a:noFill/>
+          </a:ln>
+        </p:spPr>
+        <p:style>
+          <a:lnRef idx="2">
+            <a:schemeClr val="accent1">
+              <a:shade val="50000"/>
+            </a:schemeClr>
+          </a:lnRef>
+          <a:fillRef idx="1">
+            <a:schemeClr val="accent1"/>
+          </a:fillRef>
+          <a:effectRef idx="0">
+            <a:schemeClr val="accent1"/>
+          </a:effectRef>
+          <a:fontRef idx="minor">
+            <a:schemeClr val="lt1"/>
+          </a:fontRef>
+        </p:style>
+      </p:sp>
+      <p:sp>
+        <p:nvSpPr>
+          <p:cNvPr id="2" name="Title 1"/>
           <p:cNvSpPr>
             <a:spLocks noGrp="1"/>
           </p:cNvSpPr>
@@ -2196,15 +2531,21 @@
         </p:nvSpPr>
         <p:spPr>
           <a:xfrm>
-            <a:off x="839788" y="457200"/>
-            <a:ext cx="3932237" cy="1600200"/>
-          </a:xfrm>
-        </p:spPr>
-        <p:txBody>
-          <a:bodyPr anchor="b"/>
+            <a:off x="914400" y="5257800"/>
+            <a:ext cx="9982200" cy="914400"/>
+          </a:xfrm>
+        </p:spPr>
+        <p:txBody>
+          <a:bodyPr anchor="b">
+            <a:normAutofit/>
+          </a:bodyPr>
           <a:lstStyle>
             <a:lvl1pPr>
-              <a:defRPr sz="3200"/>
+              <a:defRPr sz="2800" b="0">
+                <a:solidFill>
+                  <a:schemeClr val="bg1"/>
+                </a:solidFill>
+              </a:defRPr>
             </a:lvl1pPr>
           </a:lstStyle>
           <a:p>
@@ -2212,15 +2553,15 @@
               <a:rPr lang="ru-RU" smtClean="0"/>
               <a:t>Образец заголовка</a:t>
             </a:r>
-            <a:endParaRPr lang="ru-RU"/>
-          </a:p>
-        </p:txBody>
-      </p:sp>
-      <p:sp>
-        <p:nvSpPr>
-          <p:cNvPr id="3" name="Рисунок 2"/>
-          <p:cNvSpPr>
-            <a:spLocks noGrp="1"/>
+            <a:endParaRPr lang="en-US" dirty="0"/>
+          </a:p>
+        </p:txBody>
+      </p:sp>
+      <p:sp>
+        <p:nvSpPr>
+          <p:cNvPr id="3" name="Picture Placeholder 2"/>
+          <p:cNvSpPr>
+            <a:spLocks noGrp="1" noChangeAspect="1"/>
           </p:cNvSpPr>
           <p:nvPr>
             <p:ph type="pic" idx="1"/>
@@ -2228,16 +2569,26 @@
         </p:nvSpPr>
         <p:spPr>
           <a:xfrm>
-            <a:off x="5183188" y="987425"/>
-            <a:ext cx="6172200" cy="4873625"/>
-          </a:xfrm>
-        </p:spPr>
-        <p:txBody>
-          <a:bodyPr/>
+            <a:off x="0" y="0"/>
+            <a:ext cx="11292840" cy="5128923"/>
+          </a:xfrm>
+          <a:blipFill>
+            <a:blip r:embed="rId2"/>
+            <a:stretch>
+              <a:fillRect/>
+            </a:stretch>
+          </a:blipFill>
+        </p:spPr>
+        <p:txBody>
+          <a:bodyPr anchor="t"/>
           <a:lstStyle>
             <a:lvl1pPr marL="0" indent="0">
               <a:buNone/>
-              <a:defRPr sz="3200"/>
+              <a:defRPr sz="3200">
+                <a:solidFill>
+                  <a:schemeClr val="bg1"/>
+                </a:solidFill>
+              </a:defRPr>
             </a:lvl1pPr>
             <a:lvl2pPr marL="457200" indent="0">
               <a:buNone/>
@@ -2273,13 +2624,17 @@
             </a:lvl9pPr>
           </a:lstStyle>
           <a:p>
-            <a:endParaRPr lang="ru-RU"/>
-          </a:p>
-        </p:txBody>
-      </p:sp>
-      <p:sp>
-        <p:nvSpPr>
-          <p:cNvPr id="4" name="Текст 3"/>
+            <a:r>
+              <a:rPr lang="ru-RU" smtClean="0"/>
+              <a:t>Вставка рисунка</a:t>
+            </a:r>
+            <a:endParaRPr lang="en-US" dirty="0"/>
+          </a:p>
+        </p:txBody>
+      </p:sp>
+      <p:sp>
+        <p:nvSpPr>
+          <p:cNvPr id="4" name="Text Placeholder 3"/>
           <p:cNvSpPr>
             <a:spLocks noGrp="1"/>
           </p:cNvSpPr>
@@ -2289,48 +2644,62 @@
         </p:nvSpPr>
         <p:spPr>
           <a:xfrm>
-            <a:off x="839788" y="2057400"/>
-            <a:ext cx="3932237" cy="3811588"/>
-          </a:xfrm>
-        </p:spPr>
-        <p:txBody>
-          <a:bodyPr/>
+            <a:off x="914400" y="6108589"/>
+            <a:ext cx="9982200" cy="597011"/>
+          </a:xfrm>
+        </p:spPr>
+        <p:txBody>
+          <a:bodyPr>
+            <a:normAutofit/>
+          </a:bodyPr>
           <a:lstStyle>
             <a:lvl1pPr marL="0" indent="0">
-              <a:buNone/>
-              <a:defRPr sz="1600"/>
+              <a:lnSpc>
+                <a:spcPct val="100000"/>
+              </a:lnSpc>
+              <a:spcBef>
+                <a:spcPts val="800"/>
+              </a:spcBef>
+              <a:buNone/>
+              <a:defRPr sz="1300">
+                <a:solidFill>
+                  <a:schemeClr val="bg1">
+                    <a:lumMod val="85000"/>
+                  </a:schemeClr>
+                </a:solidFill>
+              </a:defRPr>
             </a:lvl1pPr>
             <a:lvl2pPr marL="457200" indent="0">
               <a:buNone/>
-              <a:defRPr sz="1400"/>
+              <a:defRPr sz="1200"/>
             </a:lvl2pPr>
             <a:lvl3pPr marL="914400" indent="0">
               <a:buNone/>
-              <a:defRPr sz="1200"/>
+              <a:defRPr sz="1000"/>
             </a:lvl3pPr>
             <a:lvl4pPr marL="1371600" indent="0">
               <a:buNone/>
-              <a:defRPr sz="1000"/>
+              <a:defRPr sz="900"/>
             </a:lvl4pPr>
             <a:lvl5pPr marL="1828800" indent="0">
               <a:buNone/>
-              <a:defRPr sz="1000"/>
+              <a:defRPr sz="900"/>
             </a:lvl5pPr>
             <a:lvl6pPr marL="2286000" indent="0">
               <a:buNone/>
-              <a:defRPr sz="1000"/>
+              <a:defRPr sz="900"/>
             </a:lvl6pPr>
             <a:lvl7pPr marL="2743200" indent="0">
               <a:buNone/>
-              <a:defRPr sz="1000"/>
+              <a:defRPr sz="900"/>
             </a:lvl7pPr>
             <a:lvl8pPr marL="3200400" indent="0">
               <a:buNone/>
-              <a:defRPr sz="1000"/>
+              <a:defRPr sz="900"/>
             </a:lvl8pPr>
             <a:lvl9pPr marL="3657600" indent="0">
               <a:buNone/>
-              <a:defRPr sz="1000"/>
+              <a:defRPr sz="900"/>
             </a:lvl9pPr>
           </a:lstStyle>
           <a:p>
@@ -2344,7 +2713,7 @@
       </p:sp>
       <p:sp>
         <p:nvSpPr>
-          <p:cNvPr id="5" name="Дата 4"/>
+          <p:cNvPr id="5" name="Date Placeholder 4"/>
           <p:cNvSpPr>
             <a:spLocks noGrp="1"/>
           </p:cNvSpPr>
@@ -2359,7 +2728,7 @@
           <a:p>
             <a:fld id="{75D08D02-5B7B-4FA7-BE01-92677483A7CE}" type="datetimeFigureOut">
               <a:rPr lang="ru-RU" smtClean="0"/>
-              <a:t>19.04.2021</a:t>
+              <a:t>21.04.2021</a:t>
             </a:fld>
             <a:endParaRPr lang="ru-RU"/>
           </a:p>
@@ -2367,7 +2736,7 @@
       </p:sp>
       <p:sp>
         <p:nvSpPr>
-          <p:cNvPr id="6" name="Нижний колонтитул 5"/>
+          <p:cNvPr id="6" name="Footer Placeholder 5"/>
           <p:cNvSpPr>
             <a:spLocks noGrp="1"/>
           </p:cNvSpPr>
@@ -2386,7 +2755,7 @@
       </p:sp>
       <p:sp>
         <p:nvSpPr>
-          <p:cNvPr id="7" name="Номер слайда 6"/>
+          <p:cNvPr id="7" name="Slide Number Placeholder 6"/>
           <p:cNvSpPr>
             <a:spLocks noGrp="1"/>
           </p:cNvSpPr>
@@ -2410,7 +2779,7 @@
     </p:spTree>
     <p:extLst>
       <p:ext uri="{BB962C8B-B14F-4D97-AF65-F5344CB8AC3E}">
-        <p14:creationId xmlns:p14="http://schemas.microsoft.com/office/powerpoint/2010/main" val="3452823284"/>
+        <p14:creationId xmlns:p14="http://schemas.microsoft.com/office/powerpoint/2010/main" val="1752576686"/>
       </p:ext>
     </p:extLst>
   </p:cSld>
@@ -2444,57 +2813,97 @@
       </p:grpSpPr>
       <p:sp>
         <p:nvSpPr>
-          <p:cNvPr id="2" name="Заголовок 1"/>
-          <p:cNvSpPr>
-            <a:spLocks noGrp="1"/>
-          </p:cNvSpPr>
-          <p:nvPr>
-            <p:ph type="title"/>
-          </p:nvPr>
+          <p:cNvPr id="7" name="Rectangle 6"/>
+          <p:cNvSpPr/>
+          <p:nvPr/>
         </p:nvSpPr>
         <p:spPr>
           <a:xfrm>
-            <a:off x="838200" y="365125"/>
-            <a:ext cx="10515600" cy="1325563"/>
+            <a:off x="11292840" y="0"/>
+            <a:ext cx="914400" cy="6858000"/>
           </a:xfrm>
           <a:prstGeom prst="rect">
             <a:avLst/>
           </a:prstGeom>
-        </p:spPr>
-        <p:txBody>
-          <a:bodyPr vert="horz" lIns="91440" tIns="45720" rIns="91440" bIns="45720" rtlCol="0" anchor="ctr">
-            <a:normAutofit/>
-          </a:bodyPr>
-          <a:lstStyle/>
-          <a:p>
-            <a:r>
-              <a:rPr lang="ru-RU" smtClean="0"/>
-              <a:t>Образец заголовка</a:t>
-            </a:r>
-            <a:endParaRPr lang="ru-RU"/>
-          </a:p>
-        </p:txBody>
-      </p:sp>
-      <p:sp>
-        <p:nvSpPr>
-          <p:cNvPr id="3" name="Текст 2"/>
-          <p:cNvSpPr>
-            <a:spLocks noGrp="1"/>
-          </p:cNvSpPr>
-          <p:nvPr>
-            <p:ph type="body" idx="1"/>
+          <a:solidFill>
+            <a:schemeClr val="tx2">
+              <a:lumMod val="75000"/>
+            </a:schemeClr>
+          </a:solidFill>
+          <a:ln>
+            <a:noFill/>
+          </a:ln>
+        </p:spPr>
+        <p:style>
+          <a:lnRef idx="2">
+            <a:schemeClr val="accent1">
+              <a:shade val="50000"/>
+            </a:schemeClr>
+          </a:lnRef>
+          <a:fillRef idx="1">
+            <a:schemeClr val="accent1"/>
+          </a:fillRef>
+          <a:effectRef idx="0">
+            <a:schemeClr val="accent1"/>
+          </a:effectRef>
+          <a:fontRef idx="minor">
+            <a:schemeClr val="lt1"/>
+          </a:fontRef>
+        </p:style>
+      </p:sp>
+      <p:sp>
+        <p:nvSpPr>
+          <p:cNvPr id="2" name="Title Placeholder 1"/>
+          <p:cNvSpPr>
+            <a:spLocks noGrp="1"/>
+          </p:cNvSpPr>
+          <p:nvPr>
+            <p:ph type="title"/>
           </p:nvPr>
         </p:nvSpPr>
         <p:spPr>
           <a:xfrm>
-            <a:off x="838200" y="1825625"/>
-            <a:ext cx="10515600" cy="4351338"/>
+            <a:off x="1261872" y="365760"/>
+            <a:ext cx="9692640" cy="1325562"/>
           </a:xfrm>
           <a:prstGeom prst="rect">
             <a:avLst/>
           </a:prstGeom>
         </p:spPr>
         <p:txBody>
+          <a:bodyPr vert="horz" lIns="91440" tIns="45720" rIns="91440" bIns="45720" rtlCol="0" anchor="b">
+            <a:normAutofit/>
+          </a:bodyPr>
+          <a:lstStyle/>
+          <a:p>
+            <a:r>
+              <a:rPr lang="ru-RU" smtClean="0"/>
+              <a:t>Образец заголовка</a:t>
+            </a:r>
+            <a:endParaRPr lang="en-US" dirty="0"/>
+          </a:p>
+        </p:txBody>
+      </p:sp>
+      <p:sp>
+        <p:nvSpPr>
+          <p:cNvPr id="3" name="Text Placeholder 2"/>
+          <p:cNvSpPr>
+            <a:spLocks noGrp="1"/>
+          </p:cNvSpPr>
+          <p:nvPr>
+            <p:ph type="body" idx="1"/>
+          </p:nvPr>
+        </p:nvSpPr>
+        <p:spPr>
+          <a:xfrm>
+            <a:off x="1261872" y="1828800"/>
+            <a:ext cx="8595360" cy="4351337"/>
+          </a:xfrm>
+          <a:prstGeom prst="rect">
+            <a:avLst/>
+          </a:prstGeom>
+        </p:spPr>
+        <p:txBody>
           <a:bodyPr vert="horz" lIns="91440" tIns="45720" rIns="91440" bIns="45720" rtlCol="0">
             <a:normAutofit/>
           </a:bodyPr>
@@ -2533,13 +2942,13 @@
               <a:rPr lang="ru-RU" smtClean="0"/>
               <a:t>Пятый уровень</a:t>
             </a:r>
-            <a:endParaRPr lang="ru-RU"/>
-          </a:p>
-        </p:txBody>
-      </p:sp>
-      <p:sp>
-        <p:nvSpPr>
-          <p:cNvPr id="4" name="Дата 3"/>
+            <a:endParaRPr lang="en-US" dirty="0"/>
+          </a:p>
+        </p:txBody>
+      </p:sp>
+      <p:sp>
+        <p:nvSpPr>
+          <p:cNvPr id="4" name="Date Placeholder 3"/>
           <p:cNvSpPr>
             <a:spLocks noGrp="1"/>
           </p:cNvSpPr>
@@ -2548,9 +2957,9 @@
           </p:nvPr>
         </p:nvSpPr>
         <p:spPr>
-          <a:xfrm>
-            <a:off x="838200" y="6356350"/>
-            <a:ext cx="2743200" cy="365125"/>
+          <a:xfrm rot="16200000">
+            <a:off x="10797542" y="998537"/>
+            <a:ext cx="1904999" cy="365125"/>
           </a:xfrm>
           <a:prstGeom prst="rect">
             <a:avLst/>
@@ -2559,11 +2968,12 @@
         <p:txBody>
           <a:bodyPr vert="horz" lIns="91440" tIns="45720" rIns="91440" bIns="45720" rtlCol="0" anchor="ctr"/>
           <a:lstStyle>
-            <a:lvl1pPr algn="l">
-              <a:defRPr sz="1200">
+            <a:lvl1pPr algn="r">
+              <a:defRPr sz="1050" b="0">
                 <a:solidFill>
-                  <a:schemeClr val="tx1">
-                    <a:tint val="75000"/>
+                  <a:schemeClr val="tx2">
+                    <a:lumMod val="20000"/>
+                    <a:lumOff val="80000"/>
                   </a:schemeClr>
                 </a:solidFill>
               </a:defRPr>
@@ -2572,7 +2982,7 @@
           <a:p>
             <a:fld id="{75D08D02-5B7B-4FA7-BE01-92677483A7CE}" type="datetimeFigureOut">
               <a:rPr lang="ru-RU" smtClean="0"/>
-              <a:t>19.04.2021</a:t>
+              <a:t>21.04.2021</a:t>
             </a:fld>
             <a:endParaRPr lang="ru-RU"/>
           </a:p>
@@ -2580,7 +2990,7 @@
       </p:sp>
       <p:sp>
         <p:nvSpPr>
-          <p:cNvPr id="5" name="Нижний колонтитул 4"/>
+          <p:cNvPr id="5" name="Footer Placeholder 4"/>
           <p:cNvSpPr>
             <a:spLocks noGrp="1"/>
           </p:cNvSpPr>
@@ -2589,9 +2999,9 @@
           </p:nvPr>
         </p:nvSpPr>
         <p:spPr>
-          <a:xfrm>
-            <a:off x="4038600" y="6356350"/>
-            <a:ext cx="4114800" cy="365125"/>
+          <a:xfrm rot="16200000">
+            <a:off x="9959341" y="4046537"/>
+            <a:ext cx="3581400" cy="365125"/>
           </a:xfrm>
           <a:prstGeom prst="rect">
             <a:avLst/>
@@ -2600,11 +3010,12 @@
         <p:txBody>
           <a:bodyPr vert="horz" lIns="91440" tIns="45720" rIns="91440" bIns="45720" rtlCol="0" anchor="ctr"/>
           <a:lstStyle>
-            <a:lvl1pPr algn="ctr">
-              <a:defRPr sz="1200">
+            <a:lvl1pPr algn="l">
+              <a:defRPr sz="1050">
                 <a:solidFill>
-                  <a:schemeClr val="tx1">
-                    <a:tint val="75000"/>
+                  <a:schemeClr val="tx2">
+                    <a:lumMod val="20000"/>
+                    <a:lumOff val="80000"/>
                   </a:schemeClr>
                 </a:solidFill>
               </a:defRPr>
@@ -2617,7 +3028,7 @@
       </p:sp>
       <p:sp>
         <p:nvSpPr>
-          <p:cNvPr id="6" name="Номер слайда 5"/>
+          <p:cNvPr id="6" name="Slide Number Placeholder 5"/>
           <p:cNvSpPr>
             <a:spLocks noGrp="1"/>
           </p:cNvSpPr>
@@ -2627,21 +3038,24 @@
         </p:nvSpPr>
         <p:spPr>
           <a:xfrm>
-            <a:off x="8610600" y="6356350"/>
-            <a:ext cx="2743200" cy="365125"/>
+            <a:off x="11292840" y="6172200"/>
+            <a:ext cx="914400" cy="593725"/>
           </a:xfrm>
           <a:prstGeom prst="rect">
             <a:avLst/>
           </a:prstGeom>
         </p:spPr>
         <p:txBody>
-          <a:bodyPr vert="horz" lIns="91440" tIns="45720" rIns="91440" bIns="45720" rtlCol="0" anchor="ctr"/>
+          <a:bodyPr vert="horz" lIns="45720" tIns="45720" rIns="45720" bIns="45720" rtlCol="0" anchor="ctr">
+            <a:normAutofit/>
+          </a:bodyPr>
           <a:lstStyle>
-            <a:lvl1pPr algn="r">
-              <a:defRPr sz="1200">
+            <a:lvl1pPr algn="ctr">
+              <a:defRPr sz="3600">
                 <a:solidFill>
-                  <a:schemeClr val="tx1">
-                    <a:tint val="75000"/>
+                  <a:schemeClr val="tx2">
+                    <a:lumMod val="60000"/>
+                    <a:lumOff val="40000"/>
                   </a:schemeClr>
                 </a:solidFill>
               </a:defRPr>
@@ -2659,23 +3073,23 @@
     </p:spTree>
     <p:extLst>
       <p:ext uri="{BB962C8B-B14F-4D97-AF65-F5344CB8AC3E}">
-        <p14:creationId xmlns:p14="http://schemas.microsoft.com/office/powerpoint/2010/main" val="301171124"/>
+        <p14:creationId xmlns:p14="http://schemas.microsoft.com/office/powerpoint/2010/main" val="946965052"/>
       </p:ext>
     </p:extLst>
   </p:cSld>
   <p:clrMap bg1="lt1" tx1="dk1" bg2="lt2" tx2="dk2" accent1="accent1" accent2="accent2" accent3="accent3" accent4="accent4" accent5="accent5" accent6="accent6" hlink="hlink" folHlink="folHlink"/>
   <p:sldLayoutIdLst>
-    <p:sldLayoutId id="2147483649" r:id="rId1"/>
-    <p:sldLayoutId id="2147483650" r:id="rId2"/>
-    <p:sldLayoutId id="2147483651" r:id="rId3"/>
-    <p:sldLayoutId id="2147483652" r:id="rId4"/>
-    <p:sldLayoutId id="2147483653" r:id="rId5"/>
-    <p:sldLayoutId id="2147483654" r:id="rId6"/>
-    <p:sldLayoutId id="2147483655" r:id="rId7"/>
-    <p:sldLayoutId id="2147483656" r:id="rId8"/>
-    <p:sldLayoutId id="2147483657" r:id="rId9"/>
-    <p:sldLayoutId id="2147483658" r:id="rId10"/>
-    <p:sldLayoutId id="2147483659" r:id="rId11"/>
+    <p:sldLayoutId id="2147483714" r:id="rId1"/>
+    <p:sldLayoutId id="2147483715" r:id="rId2"/>
+    <p:sldLayoutId id="2147483716" r:id="rId3"/>
+    <p:sldLayoutId id="2147483717" r:id="rId4"/>
+    <p:sldLayoutId id="2147483718" r:id="rId5"/>
+    <p:sldLayoutId id="2147483719" r:id="rId6"/>
+    <p:sldLayoutId id="2147483720" r:id="rId7"/>
+    <p:sldLayoutId id="2147483721" r:id="rId8"/>
+    <p:sldLayoutId id="2147483722" r:id="rId9"/>
+    <p:sldLayoutId id="2147483723" r:id="rId10"/>
+    <p:sldLayoutId id="2147483724" r:id="rId11"/>
   </p:sldLayoutIdLst>
   <p:txStyles>
     <p:titleStyle>
@@ -2687,7 +3101,7 @@
           <a:spcPct val="0"/>
         </a:spcBef>
         <a:buNone/>
-        <a:defRPr sz="4400" kern="1200">
+        <a:defRPr sz="4400" kern="1200" spc="-50" baseline="0">
           <a:solidFill>
             <a:schemeClr val="tx1"/>
           </a:solidFill>
@@ -2698,16 +3112,23 @@
       </a:lvl1pPr>
     </p:titleStyle>
     <p:bodyStyle>
-      <a:lvl1pPr marL="228600" indent="-228600" algn="l" defTabSz="914400" rtl="0" eaLnBrk="1" latinLnBrk="0" hangingPunct="1">
+      <a:lvl1pPr marL="182880" indent="-182880" algn="l" defTabSz="914400" rtl="0" eaLnBrk="1" latinLnBrk="0" hangingPunct="1">
         <a:lnSpc>
-          <a:spcPct val="90000"/>
+          <a:spcPct val="95000"/>
         </a:lnSpc>
         <a:spcBef>
-          <a:spcPts val="1000"/>
+          <a:spcPts val="1400"/>
         </a:spcBef>
-        <a:buFont typeface="Arial" panose="020B0604020202020204" pitchFamily="34" charset="0"/>
+        <a:spcAft>
+          <a:spcPts val="200"/>
+        </a:spcAft>
+        <a:buClr>
+          <a:schemeClr val="accent1"/>
+        </a:buClr>
+        <a:buSzPct val="80000"/>
+        <a:buFont typeface="Arial" pitchFamily="34" charset="0"/>
         <a:buChar char="•"/>
-        <a:defRPr sz="2800" kern="1200">
+        <a:defRPr sz="1800" kern="1200" spc="10" baseline="0">
           <a:solidFill>
             <a:schemeClr val="tx1"/>
           </a:solidFill>
@@ -2716,144 +3137,216 @@
           <a:cs typeface="+mn-cs"/>
         </a:defRPr>
       </a:lvl1pPr>
-      <a:lvl2pPr marL="685800" indent="-228600" algn="l" defTabSz="914400" rtl="0" eaLnBrk="1" latinLnBrk="0" hangingPunct="1">
+      <a:lvl2pPr marL="457200" indent="-182880" algn="l" defTabSz="914400" rtl="0" eaLnBrk="1" latinLnBrk="0" hangingPunct="1">
         <a:lnSpc>
           <a:spcPct val="90000"/>
         </a:lnSpc>
         <a:spcBef>
-          <a:spcPts val="500"/>
+          <a:spcPts val="300"/>
         </a:spcBef>
-        <a:buFont typeface="Arial" panose="020B0604020202020204" pitchFamily="34" charset="0"/>
-        <a:buChar char="•"/>
-        <a:defRPr sz="2400" kern="1200">
+        <a:spcAft>
+          <a:spcPts val="300"/>
+        </a:spcAft>
+        <a:buClr>
+          <a:schemeClr val="accent1"/>
+        </a:buClr>
+        <a:buFont typeface="Wingdings 2" pitchFamily="18" charset="2"/>
+        <a:buChar char=""/>
+        <a:defRPr sz="1600" kern="1200">
           <a:solidFill>
-            <a:schemeClr val="tx1"/>
+            <a:schemeClr val="tx1">
+              <a:lumMod val="85000"/>
+              <a:lumOff val="15000"/>
+            </a:schemeClr>
           </a:solidFill>
           <a:latin typeface="+mn-lt"/>
           <a:ea typeface="+mn-ea"/>
           <a:cs typeface="+mn-cs"/>
         </a:defRPr>
       </a:lvl2pPr>
-      <a:lvl3pPr marL="1143000" indent="-228600" algn="l" defTabSz="914400" rtl="0" eaLnBrk="1" latinLnBrk="0" hangingPunct="1">
+      <a:lvl3pPr marL="731520" indent="-182880" algn="l" defTabSz="914400" rtl="0" eaLnBrk="1" latinLnBrk="0" hangingPunct="1">
         <a:lnSpc>
           <a:spcPct val="90000"/>
         </a:lnSpc>
         <a:spcBef>
-          <a:spcPts val="500"/>
+          <a:spcPts val="300"/>
         </a:spcBef>
-        <a:buFont typeface="Arial" panose="020B0604020202020204" pitchFamily="34" charset="0"/>
-        <a:buChar char="•"/>
-        <a:defRPr sz="2000" kern="1200">
+        <a:spcAft>
+          <a:spcPts val="300"/>
+        </a:spcAft>
+        <a:buClr>
+          <a:schemeClr val="accent1"/>
+        </a:buClr>
+        <a:buFont typeface="Wingdings 2" pitchFamily="18" charset="2"/>
+        <a:buChar char=""/>
+        <a:defRPr sz="1400" kern="1200">
           <a:solidFill>
-            <a:schemeClr val="tx1"/>
+            <a:schemeClr val="tx1">
+              <a:lumMod val="85000"/>
+              <a:lumOff val="15000"/>
+            </a:schemeClr>
           </a:solidFill>
           <a:latin typeface="+mn-lt"/>
           <a:ea typeface="+mn-ea"/>
           <a:cs typeface="+mn-cs"/>
         </a:defRPr>
       </a:lvl3pPr>
-      <a:lvl4pPr marL="1600200" indent="-228600" algn="l" defTabSz="914400" rtl="0" eaLnBrk="1" latinLnBrk="0" hangingPunct="1">
+      <a:lvl4pPr marL="1005840" indent="-182880" algn="l" defTabSz="914400" rtl="0" eaLnBrk="1" latinLnBrk="0" hangingPunct="1">
         <a:lnSpc>
           <a:spcPct val="90000"/>
         </a:lnSpc>
         <a:spcBef>
-          <a:spcPts val="500"/>
+          <a:spcPts val="300"/>
         </a:spcBef>
-        <a:buFont typeface="Arial" panose="020B0604020202020204" pitchFamily="34" charset="0"/>
-        <a:buChar char="•"/>
-        <a:defRPr sz="1800" kern="1200">
+        <a:spcAft>
+          <a:spcPts val="300"/>
+        </a:spcAft>
+        <a:buClr>
+          <a:schemeClr val="accent1"/>
+        </a:buClr>
+        <a:buFont typeface="Wingdings 2" pitchFamily="18" charset="2"/>
+        <a:buChar char=""/>
+        <a:defRPr sz="1400" kern="1200">
           <a:solidFill>
-            <a:schemeClr val="tx1"/>
+            <a:schemeClr val="tx1">
+              <a:lumMod val="85000"/>
+              <a:lumOff val="15000"/>
+            </a:schemeClr>
           </a:solidFill>
           <a:latin typeface="+mn-lt"/>
           <a:ea typeface="+mn-ea"/>
           <a:cs typeface="+mn-cs"/>
         </a:defRPr>
       </a:lvl4pPr>
-      <a:lvl5pPr marL="2057400" indent="-228600" algn="l" defTabSz="914400" rtl="0" eaLnBrk="1" latinLnBrk="0" hangingPunct="1">
+      <a:lvl5pPr marL="1280160" indent="-182880" algn="l" defTabSz="914400" rtl="0" eaLnBrk="1" latinLnBrk="0" hangingPunct="1">
         <a:lnSpc>
           <a:spcPct val="90000"/>
         </a:lnSpc>
         <a:spcBef>
-          <a:spcPts val="500"/>
+          <a:spcPts val="300"/>
         </a:spcBef>
-        <a:buFont typeface="Arial" panose="020B0604020202020204" pitchFamily="34" charset="0"/>
-        <a:buChar char="•"/>
-        <a:defRPr sz="1800" kern="1200">
+        <a:spcAft>
+          <a:spcPts val="300"/>
+        </a:spcAft>
+        <a:buClr>
+          <a:schemeClr val="accent1"/>
+        </a:buClr>
+        <a:buFont typeface="Wingdings 2" pitchFamily="18" charset="2"/>
+        <a:buChar char=""/>
+        <a:defRPr sz="1400" kern="1200">
           <a:solidFill>
-            <a:schemeClr val="tx1"/>
+            <a:schemeClr val="tx1">
+              <a:lumMod val="85000"/>
+              <a:lumOff val="15000"/>
+            </a:schemeClr>
           </a:solidFill>
           <a:latin typeface="+mn-lt"/>
           <a:ea typeface="+mn-ea"/>
           <a:cs typeface="+mn-cs"/>
         </a:defRPr>
       </a:lvl5pPr>
-      <a:lvl6pPr marL="2514600" indent="-228600" algn="l" defTabSz="914400" rtl="0" eaLnBrk="1" latinLnBrk="0" hangingPunct="1">
+      <a:lvl6pPr marL="1600000" indent="-228600" algn="l" defTabSz="914400" rtl="0" eaLnBrk="1" latinLnBrk="0" hangingPunct="1">
         <a:lnSpc>
           <a:spcPct val="90000"/>
         </a:lnSpc>
         <a:spcBef>
-          <a:spcPts val="500"/>
+          <a:spcPts val="300"/>
         </a:spcBef>
-        <a:buFont typeface="Arial" panose="020B0604020202020204" pitchFamily="34" charset="0"/>
-        <a:buChar char="•"/>
-        <a:defRPr sz="1800" kern="1200">
+        <a:spcAft>
+          <a:spcPts val="300"/>
+        </a:spcAft>
+        <a:buClr>
+          <a:schemeClr val="accent1"/>
+        </a:buClr>
+        <a:buFont typeface="Wingdings 2" pitchFamily="18" charset="2"/>
+        <a:buChar char=""/>
+        <a:defRPr sz="1400" kern="1200">
           <a:solidFill>
-            <a:schemeClr val="tx1"/>
+            <a:schemeClr val="tx1">
+              <a:lumMod val="85000"/>
+              <a:lumOff val="15000"/>
+            </a:schemeClr>
           </a:solidFill>
           <a:latin typeface="+mn-lt"/>
           <a:ea typeface="+mn-ea"/>
           <a:cs typeface="+mn-cs"/>
         </a:defRPr>
       </a:lvl6pPr>
-      <a:lvl7pPr marL="2971800" indent="-228600" algn="l" defTabSz="914400" rtl="0" eaLnBrk="1" latinLnBrk="0" hangingPunct="1">
+      <a:lvl7pPr marL="1900000" indent="-228600" algn="l" defTabSz="914400" rtl="0" eaLnBrk="1" latinLnBrk="0" hangingPunct="1">
         <a:lnSpc>
           <a:spcPct val="90000"/>
         </a:lnSpc>
         <a:spcBef>
-          <a:spcPts val="500"/>
+          <a:spcPts val="300"/>
         </a:spcBef>
-        <a:buFont typeface="Arial" panose="020B0604020202020204" pitchFamily="34" charset="0"/>
-        <a:buChar char="•"/>
-        <a:defRPr sz="1800" kern="1200">
+        <a:spcAft>
+          <a:spcPts val="300"/>
+        </a:spcAft>
+        <a:buClr>
+          <a:schemeClr val="accent1"/>
+        </a:buClr>
+        <a:buFont typeface="Wingdings 2" pitchFamily="18" charset="2"/>
+        <a:buChar char=""/>
+        <a:defRPr sz="1400" kern="1200">
           <a:solidFill>
-            <a:schemeClr val="tx1"/>
+            <a:schemeClr val="tx1">
+              <a:lumMod val="85000"/>
+              <a:lumOff val="15000"/>
+            </a:schemeClr>
           </a:solidFill>
           <a:latin typeface="+mn-lt"/>
           <a:ea typeface="+mn-ea"/>
           <a:cs typeface="+mn-cs"/>
         </a:defRPr>
       </a:lvl7pPr>
-      <a:lvl8pPr marL="3429000" indent="-228600" algn="l" defTabSz="914400" rtl="0" eaLnBrk="1" latinLnBrk="0" hangingPunct="1">
+      <a:lvl8pPr marL="2200000" indent="-228600" algn="l" defTabSz="914400" rtl="0" eaLnBrk="1" latinLnBrk="0" hangingPunct="1">
         <a:lnSpc>
           <a:spcPct val="90000"/>
         </a:lnSpc>
         <a:spcBef>
-          <a:spcPts val="500"/>
+          <a:spcPts val="300"/>
         </a:spcBef>
-        <a:buFont typeface="Arial" panose="020B0604020202020204" pitchFamily="34" charset="0"/>
-        <a:buChar char="•"/>
-        <a:defRPr sz="1800" kern="1200">
+        <a:spcAft>
+          <a:spcPts val="300"/>
+        </a:spcAft>
+        <a:buClr>
+          <a:schemeClr val="accent1"/>
+        </a:buClr>
+        <a:buFont typeface="Wingdings 2" pitchFamily="18" charset="2"/>
+        <a:buChar char=""/>
+        <a:defRPr sz="1400" kern="1200">
           <a:solidFill>
-            <a:schemeClr val="tx1"/>
+            <a:schemeClr val="tx1">
+              <a:lumMod val="85000"/>
+              <a:lumOff val="15000"/>
+            </a:schemeClr>
           </a:solidFill>
           <a:latin typeface="+mn-lt"/>
           <a:ea typeface="+mn-ea"/>
           <a:cs typeface="+mn-cs"/>
         </a:defRPr>
       </a:lvl8pPr>
-      <a:lvl9pPr marL="3886200" indent="-228600" algn="l" defTabSz="914400" rtl="0" eaLnBrk="1" latinLnBrk="0" hangingPunct="1">
+      <a:lvl9pPr marL="2500000" indent="-228600" algn="l" defTabSz="914400" rtl="0" eaLnBrk="1" latinLnBrk="0" hangingPunct="1">
         <a:lnSpc>
           <a:spcPct val="90000"/>
         </a:lnSpc>
         <a:spcBef>
-          <a:spcPts val="500"/>
+          <a:spcPts val="300"/>
         </a:spcBef>
-        <a:buFont typeface="Arial" panose="020B0604020202020204" pitchFamily="34" charset="0"/>
-        <a:buChar char="•"/>
-        <a:defRPr sz="1800" kern="1200">
+        <a:spcAft>
+          <a:spcPts val="300"/>
+        </a:spcAft>
+        <a:buClr>
+          <a:schemeClr val="accent1"/>
+        </a:buClr>
+        <a:buFont typeface="Wingdings 2" pitchFamily="18" charset="2"/>
+        <a:buChar char=""/>
+        <a:defRPr sz="1400" kern="1200">
           <a:solidFill>
-            <a:schemeClr val="tx1"/>
+            <a:schemeClr val="tx1">
+              <a:lumMod val="85000"/>
+              <a:lumOff val="15000"/>
+            </a:schemeClr>
           </a:solidFill>
           <a:latin typeface="+mn-lt"/>
           <a:ea typeface="+mn-ea"/>
@@ -2863,7 +3356,7 @@
     </p:bodyStyle>
     <p:otherStyle>
       <a:defPPr>
-        <a:defRPr lang="ru-RU"/>
+        <a:defRPr lang="en-US"/>
       </a:defPPr>
       <a:lvl1pPr marL="0" algn="l" defTabSz="914400" rtl="0" eaLnBrk="1" latinLnBrk="0" hangingPunct="1">
         <a:defRPr sz="1800" kern="1200">
@@ -2994,7 +3487,11 @@
           <a:p>
             <a:r>
               <a:rPr lang="ru-RU" dirty="0" smtClean="0"/>
-              <a:t>Проект «</a:t>
+              <a:t>Проект </a:t>
+            </a:r>
+            <a:r>
+              <a:rPr lang="ru-RU" dirty="0" smtClean="0"/>
+              <a:t>«</a:t>
             </a:r>
             <a:r>
               <a:rPr lang="en-US" dirty="0" err="1" smtClean="0"/>
@@ -3047,10 +3544,17 @@
   <p:clrMapOvr>
     <a:masterClrMapping/>
   </p:clrMapOvr>
+  <p:timing>
+    <p:tnLst>
+      <p:par>
+        <p:cTn id="1" dur="indefinite" restart="never" nodeType="tmRoot"/>
+      </p:par>
+    </p:tnLst>
+  </p:timing>
 </p:sld>
 </file>
 
-<file path=ppt/slides/slide2.xml><?xml version="1.0" encoding="utf-8"?>
+<file path=ppt/slides/slide10.xml><?xml version="1.0" encoding="utf-8"?>
 <p:sld xmlns:a="http://schemas.openxmlformats.org/drawingml/2006/main" xmlns:r="http://schemas.openxmlformats.org/officeDocument/2006/relationships" xmlns:p="http://schemas.openxmlformats.org/presentationml/2006/main">
   <p:cSld>
     <p:spTree>
@@ -3077,135 +3581,19 @@
             <p:ph type="title"/>
           </p:nvPr>
         </p:nvSpPr>
-        <p:spPr/>
+        <p:spPr>
+          <a:xfrm>
+            <a:off x="1129987" y="-196948"/>
+            <a:ext cx="9692640" cy="1325562"/>
+          </a:xfrm>
+        </p:spPr>
         <p:txBody>
           <a:bodyPr/>
           <a:lstStyle/>
           <a:p>
             <a:r>
               <a:rPr lang="ru-RU" dirty="0" smtClean="0"/>
-              <a:t>Общие сведения о проекте</a:t>
-            </a:r>
-            <a:endParaRPr lang="ru-RU" dirty="0"/>
-          </a:p>
-        </p:txBody>
-      </p:sp>
-      <p:sp>
-        <p:nvSpPr>
-          <p:cNvPr id="3" name="Объект 2"/>
-          <p:cNvSpPr>
-            <a:spLocks noGrp="1"/>
-          </p:cNvSpPr>
-          <p:nvPr>
-            <p:ph idx="1"/>
-          </p:nvPr>
-        </p:nvSpPr>
-        <p:spPr>
-          <a:xfrm>
-            <a:off x="838199" y="1825625"/>
-            <a:ext cx="4876801" cy="4351338"/>
-          </a:xfrm>
-        </p:spPr>
-        <p:txBody>
-          <a:bodyPr/>
-          <a:lstStyle/>
-          <a:p>
-            <a:r>
-              <a:rPr lang="ru-RU" dirty="0" smtClean="0"/>
-              <a:t>Проект – сайт, маркет-плейс </a:t>
-            </a:r>
-            <a:endParaRPr lang="ru-RU" dirty="0"/>
-          </a:p>
-        </p:txBody>
-      </p:sp>
-      <p:pic>
-        <p:nvPicPr>
-          <p:cNvPr id="4" name="Рисунок 3"/>
-          <p:cNvPicPr>
-            <a:picLocks noChangeAspect="1"/>
-          </p:cNvPicPr>
-          <p:nvPr/>
-        </p:nvPicPr>
-        <p:blipFill rotWithShape="1">
-          <a:blip r:embed="rId2"/>
-          <a:srcRect t="6935" r="915" b="28526"/>
-          <a:stretch/>
-        </p:blipFill>
-        <p:spPr>
-          <a:xfrm>
-            <a:off x="910004" y="2790947"/>
-            <a:ext cx="9609992" cy="3520953"/>
-          </a:xfrm>
-          <a:prstGeom prst="rect">
-            <a:avLst/>
-          </a:prstGeom>
-          <a:ln w="88900" cap="sq" cmpd="thickThin">
-            <a:solidFill>
-              <a:srgbClr val="000000"/>
-            </a:solidFill>
-            <a:prstDash val="solid"/>
-            <a:miter lim="800000"/>
-          </a:ln>
-          <a:effectLst>
-            <a:innerShdw blurRad="76200">
-              <a:srgbClr val="000000"/>
-            </a:innerShdw>
-          </a:effectLst>
-        </p:spPr>
-      </p:pic>
-    </p:spTree>
-    <p:extLst>
-      <p:ext uri="{BB962C8B-B14F-4D97-AF65-F5344CB8AC3E}">
-        <p14:creationId xmlns:p14="http://schemas.microsoft.com/office/powerpoint/2010/main" val="3409780844"/>
-      </p:ext>
-    </p:extLst>
-  </p:cSld>
-  <p:clrMapOvr>
-    <a:masterClrMapping/>
-  </p:clrMapOvr>
-</p:sld>
-</file>
-
-<file path=ppt/slides/slide3.xml><?xml version="1.0" encoding="utf-8"?>
-<p:sld xmlns:a="http://schemas.openxmlformats.org/drawingml/2006/main" xmlns:r="http://schemas.openxmlformats.org/officeDocument/2006/relationships" xmlns:p="http://schemas.openxmlformats.org/presentationml/2006/main">
-  <p:cSld>
-    <p:spTree>
-      <p:nvGrpSpPr>
-        <p:cNvPr id="1" name=""/>
-        <p:cNvGrpSpPr/>
-        <p:nvPr/>
-      </p:nvGrpSpPr>
-      <p:grpSpPr>
-        <a:xfrm>
-          <a:off x="0" y="0"/>
-          <a:ext cx="0" cy="0"/>
-          <a:chOff x="0" y="0"/>
-          <a:chExt cx="0" cy="0"/>
-        </a:xfrm>
-      </p:grpSpPr>
-      <p:sp>
-        <p:nvSpPr>
-          <p:cNvPr id="2" name="Заголовок 1"/>
-          <p:cNvSpPr>
-            <a:spLocks noGrp="1"/>
-          </p:cNvSpPr>
-          <p:nvPr>
-            <p:ph type="title"/>
-          </p:nvPr>
-        </p:nvSpPr>
-        <p:spPr>
-          <a:xfrm>
-            <a:off x="950639" y="154110"/>
-            <a:ext cx="10515600" cy="1325563"/>
-          </a:xfrm>
-        </p:spPr>
-        <p:txBody>
-          <a:bodyPr/>
-          <a:lstStyle/>
-          <a:p>
-            <a:r>
-              <a:rPr lang="ru-RU" dirty="0" smtClean="0"/>
-              <a:t>Регистрация \ Вход в аккаунт</a:t>
+              <a:t>Товары от магазина</a:t>
             </a:r>
             <a:endParaRPr lang="ru-RU" dirty="0"/>
           </a:p>
@@ -3223,304 +3611,27 @@
         </p:nvPicPr>
         <p:blipFill rotWithShape="1">
           <a:blip r:embed="rId2"/>
-          <a:srcRect t="3305" b="4151"/>
+          <a:srcRect t="7172" b="3820"/>
           <a:stretch/>
         </p:blipFill>
         <p:spPr>
           <a:xfrm>
-            <a:off x="1867658" y="1690688"/>
-            <a:ext cx="8681563" cy="4519246"/>
+            <a:off x="1323634" y="1635369"/>
+            <a:ext cx="8727901" cy="4369778"/>
           </a:xfrm>
           <a:prstGeom prst="rect">
             <a:avLst/>
           </a:prstGeom>
-          <a:ln w="88900" cap="sq" cmpd="thickThin">
-            <a:solidFill>
-              <a:srgbClr val="000000"/>
-            </a:solidFill>
-            <a:prstDash val="solid"/>
-            <a:miter lim="800000"/>
+          <a:ln>
+            <a:noFill/>
           </a:ln>
           <a:effectLst>
-            <a:innerShdw blurRad="76200">
-              <a:srgbClr val="000000"/>
-            </a:innerShdw>
+            <a:outerShdw blurRad="190500" algn="tl" rotWithShape="0">
+              <a:srgbClr val="000000">
+                <a:alpha val="70000"/>
+              </a:srgbClr>
+            </a:outerShdw>
           </a:effectLst>
-        </p:spPr>
-      </p:pic>
-    </p:spTree>
-    <p:extLst>
-      <p:ext uri="{BB962C8B-B14F-4D97-AF65-F5344CB8AC3E}">
-        <p14:creationId xmlns:p14="http://schemas.microsoft.com/office/powerpoint/2010/main" val="929666697"/>
-      </p:ext>
-    </p:extLst>
-  </p:cSld>
-  <p:clrMapOvr>
-    <a:masterClrMapping/>
-  </p:clrMapOvr>
-</p:sld>
-</file>
-
-<file path=ppt/slides/slide4.xml><?xml version="1.0" encoding="utf-8"?>
-<p:sld xmlns:a="http://schemas.openxmlformats.org/drawingml/2006/main" xmlns:r="http://schemas.openxmlformats.org/officeDocument/2006/relationships" xmlns:p="http://schemas.openxmlformats.org/presentationml/2006/main">
-  <p:cSld>
-    <p:spTree>
-      <p:nvGrpSpPr>
-        <p:cNvPr id="1" name=""/>
-        <p:cNvGrpSpPr/>
-        <p:nvPr/>
-      </p:nvGrpSpPr>
-      <p:grpSpPr>
-        <a:xfrm>
-          <a:off x="0" y="0"/>
-          <a:ext cx="0" cy="0"/>
-          <a:chOff x="0" y="0"/>
-          <a:chExt cx="0" cy="0"/>
-        </a:xfrm>
-      </p:grpSpPr>
-      <p:sp>
-        <p:nvSpPr>
-          <p:cNvPr id="2" name="Заголовок 1"/>
-          <p:cNvSpPr>
-            <a:spLocks noGrp="1"/>
-          </p:cNvSpPr>
-          <p:nvPr>
-            <p:ph type="title"/>
-          </p:nvPr>
-        </p:nvSpPr>
-        <p:spPr/>
-        <p:txBody>
-          <a:bodyPr/>
-          <a:lstStyle/>
-          <a:p>
-            <a:r>
-              <a:rPr lang="ru-RU" dirty="0" smtClean="0"/>
-              <a:t>Свой магазин</a:t>
-            </a:r>
-            <a:br>
-              <a:rPr lang="ru-RU" dirty="0" smtClean="0"/>
-            </a:br>
-            <a:endParaRPr lang="ru-RU" dirty="0"/>
-          </a:p>
-        </p:txBody>
-      </p:sp>
-      <p:pic>
-        <p:nvPicPr>
-          <p:cNvPr id="4" name="Объект 3"/>
-          <p:cNvPicPr>
-            <a:picLocks noGrp="1" noChangeAspect="1"/>
-          </p:cNvPicPr>
-          <p:nvPr>
-            <p:ph idx="1"/>
-          </p:nvPr>
-        </p:nvPicPr>
-        <p:blipFill rotWithShape="1">
-          <a:blip r:embed="rId2"/>
-          <a:srcRect t="3834" b="4441"/>
-          <a:stretch/>
-        </p:blipFill>
-        <p:spPr>
-          <a:xfrm>
-            <a:off x="1839668" y="1661746"/>
-            <a:ext cx="8512663" cy="4396155"/>
-          </a:xfrm>
-          <a:prstGeom prst="rect">
-            <a:avLst/>
-          </a:prstGeom>
-          <a:ln w="88900" cap="sq" cmpd="thickThin">
-            <a:solidFill>
-              <a:srgbClr val="000000"/>
-            </a:solidFill>
-            <a:prstDash val="solid"/>
-            <a:miter lim="800000"/>
-          </a:ln>
-          <a:effectLst>
-            <a:innerShdw blurRad="76200">
-              <a:srgbClr val="000000"/>
-            </a:innerShdw>
-          </a:effectLst>
-        </p:spPr>
-      </p:pic>
-    </p:spTree>
-    <p:extLst>
-      <p:ext uri="{BB962C8B-B14F-4D97-AF65-F5344CB8AC3E}">
-        <p14:creationId xmlns:p14="http://schemas.microsoft.com/office/powerpoint/2010/main" val="1595953446"/>
-      </p:ext>
-    </p:extLst>
-  </p:cSld>
-  <p:clrMapOvr>
-    <a:masterClrMapping/>
-  </p:clrMapOvr>
-  <p:timing>
-    <p:tnLst>
-      <p:par>
-        <p:cTn id="1" dur="indefinite" restart="never" nodeType="tmRoot"/>
-      </p:par>
-    </p:tnLst>
-  </p:timing>
-</p:sld>
-</file>
-
-<file path=ppt/slides/slide5.xml><?xml version="1.0" encoding="utf-8"?>
-<p:sld xmlns:a="http://schemas.openxmlformats.org/drawingml/2006/main" xmlns:r="http://schemas.openxmlformats.org/officeDocument/2006/relationships" xmlns:p="http://schemas.openxmlformats.org/presentationml/2006/main">
-  <p:cSld>
-    <p:spTree>
-      <p:nvGrpSpPr>
-        <p:cNvPr id="1" name=""/>
-        <p:cNvGrpSpPr/>
-        <p:nvPr/>
-      </p:nvGrpSpPr>
-      <p:grpSpPr>
-        <a:xfrm>
-          <a:off x="0" y="0"/>
-          <a:ext cx="0" cy="0"/>
-          <a:chOff x="0" y="0"/>
-          <a:chExt cx="0" cy="0"/>
-        </a:xfrm>
-      </p:grpSpPr>
-      <p:sp>
-        <p:nvSpPr>
-          <p:cNvPr id="2" name="Заголовок 1"/>
-          <p:cNvSpPr>
-            <a:spLocks noGrp="1"/>
-          </p:cNvSpPr>
-          <p:nvPr>
-            <p:ph type="title"/>
-          </p:nvPr>
-        </p:nvSpPr>
-        <p:spPr/>
-        <p:txBody>
-          <a:bodyPr/>
-          <a:lstStyle/>
-          <a:p>
-            <a:r>
-              <a:rPr lang="ru-RU" dirty="0" smtClean="0"/>
-              <a:t>Создание своего магазина</a:t>
-            </a:r>
-            <a:endParaRPr lang="ru-RU" dirty="0"/>
-          </a:p>
-        </p:txBody>
-      </p:sp>
-      <p:pic>
-        <p:nvPicPr>
-          <p:cNvPr id="4" name="Объект 3"/>
-          <p:cNvPicPr>
-            <a:picLocks noGrp="1" noChangeAspect="1"/>
-          </p:cNvPicPr>
-          <p:nvPr>
-            <p:ph idx="1"/>
-          </p:nvPr>
-        </p:nvPicPr>
-        <p:blipFill rotWithShape="1">
-          <a:blip r:embed="rId2"/>
-          <a:srcRect t="3709" b="4151"/>
-          <a:stretch/>
-        </p:blipFill>
-        <p:spPr>
-          <a:xfrm>
-            <a:off x="2228144" y="1987061"/>
-            <a:ext cx="7735712" cy="4009293"/>
-          </a:xfrm>
-          <a:prstGeom prst="rect">
-            <a:avLst/>
-          </a:prstGeom>
-          <a:ln w="88900" cap="sq" cmpd="thickThin">
-            <a:solidFill>
-              <a:srgbClr val="000000"/>
-            </a:solidFill>
-            <a:prstDash val="solid"/>
-            <a:miter lim="800000"/>
-          </a:ln>
-          <a:effectLst>
-            <a:innerShdw blurRad="76200">
-              <a:srgbClr val="000000"/>
-            </a:innerShdw>
-          </a:effectLst>
-        </p:spPr>
-      </p:pic>
-    </p:spTree>
-    <p:extLst>
-      <p:ext uri="{BB962C8B-B14F-4D97-AF65-F5344CB8AC3E}">
-        <p14:creationId xmlns:p14="http://schemas.microsoft.com/office/powerpoint/2010/main" val="2244081329"/>
-      </p:ext>
-    </p:extLst>
-  </p:cSld>
-  <p:clrMapOvr>
-    <a:masterClrMapping/>
-  </p:clrMapOvr>
-  <p:timing>
-    <p:tnLst>
-      <p:par>
-        <p:cTn id="1" dur="indefinite" restart="never" nodeType="tmRoot"/>
-      </p:par>
-    </p:tnLst>
-  </p:timing>
-</p:sld>
-</file>
-
-<file path=ppt/slides/slide6.xml><?xml version="1.0" encoding="utf-8"?>
-<p:sld xmlns:a="http://schemas.openxmlformats.org/drawingml/2006/main" xmlns:r="http://schemas.openxmlformats.org/officeDocument/2006/relationships" xmlns:p="http://schemas.openxmlformats.org/presentationml/2006/main">
-  <p:cSld>
-    <p:spTree>
-      <p:nvGrpSpPr>
-        <p:cNvPr id="1" name=""/>
-        <p:cNvGrpSpPr/>
-        <p:nvPr/>
-      </p:nvGrpSpPr>
-      <p:grpSpPr>
-        <a:xfrm>
-          <a:off x="0" y="0"/>
-          <a:ext cx="0" cy="0"/>
-          <a:chOff x="0" y="0"/>
-          <a:chExt cx="0" cy="0"/>
-        </a:xfrm>
-      </p:grpSpPr>
-      <p:sp>
-        <p:nvSpPr>
-          <p:cNvPr id="2" name="Заголовок 1"/>
-          <p:cNvSpPr>
-            <a:spLocks noGrp="1"/>
-          </p:cNvSpPr>
-          <p:nvPr>
-            <p:ph type="title"/>
-          </p:nvPr>
-        </p:nvSpPr>
-        <p:spPr/>
-        <p:txBody>
-          <a:bodyPr/>
-          <a:lstStyle/>
-          <a:p>
-            <a:r>
-              <a:rPr lang="ru-RU" dirty="0" smtClean="0"/>
-              <a:t>Товары от магазина</a:t>
-            </a:r>
-            <a:endParaRPr lang="ru-RU" dirty="0"/>
-          </a:p>
-        </p:txBody>
-      </p:sp>
-      <p:pic>
-        <p:nvPicPr>
-          <p:cNvPr id="4" name="Объект 3"/>
-          <p:cNvPicPr>
-            <a:picLocks noGrp="1" noChangeAspect="1"/>
-          </p:cNvPicPr>
-          <p:nvPr>
-            <p:ph idx="1"/>
-          </p:nvPr>
-        </p:nvPicPr>
-        <p:blipFill rotWithShape="1">
-          <a:blip r:embed="rId2"/>
-          <a:srcRect t="3305" b="3545"/>
-          <a:stretch/>
-        </p:blipFill>
-        <p:spPr>
-          <a:xfrm>
-            <a:off x="838200" y="1382956"/>
-            <a:ext cx="9404078" cy="4927421"/>
-          </a:xfrm>
-          <a:prstGeom prst="rect">
-            <a:avLst/>
-          </a:prstGeom>
         </p:spPr>
       </p:pic>
     </p:spTree>
@@ -3543,7 +3654,7 @@
 </p:sld>
 </file>
 
-<file path=ppt/slides/slide7.xml><?xml version="1.0" encoding="utf-8"?>
+<file path=ppt/slides/slide11.xml><?xml version="1.0" encoding="utf-8"?>
 <p:sld xmlns:a="http://schemas.openxmlformats.org/drawingml/2006/main" xmlns:r="http://schemas.openxmlformats.org/officeDocument/2006/relationships" xmlns:p="http://schemas.openxmlformats.org/presentationml/2006/main">
   <p:cSld>
     <p:spTree>
@@ -3570,44 +3681,24 @@
             <p:ph type="title"/>
           </p:nvPr>
         </p:nvSpPr>
-        <p:spPr/>
+        <p:spPr>
+          <a:xfrm>
+            <a:off x="806734" y="-87924"/>
+            <a:ext cx="9692640" cy="1325562"/>
+          </a:xfrm>
+        </p:spPr>
         <p:txBody>
           <a:bodyPr/>
           <a:lstStyle/>
           <a:p>
             <a:r>
               <a:rPr lang="ru-RU" dirty="0" smtClean="0"/>
-              <a:t>Товары от магазина</a:t>
+              <a:t>Товар</a:t>
             </a:r>
             <a:endParaRPr lang="ru-RU" dirty="0"/>
           </a:p>
         </p:txBody>
       </p:sp>
-      <p:pic>
-        <p:nvPicPr>
-          <p:cNvPr id="4" name="Объект 3"/>
-          <p:cNvPicPr>
-            <a:picLocks noGrp="1" noChangeAspect="1"/>
-          </p:cNvPicPr>
-          <p:nvPr>
-            <p:ph idx="1"/>
-          </p:nvPr>
-        </p:nvPicPr>
-        <p:blipFill rotWithShape="1">
-          <a:blip r:embed="rId2"/>
-          <a:srcRect t="3305" b="3545"/>
-          <a:stretch/>
-        </p:blipFill>
-        <p:spPr>
-          <a:xfrm>
-            <a:off x="751037" y="1690688"/>
-            <a:ext cx="6871894" cy="3600642"/>
-          </a:xfrm>
-          <a:prstGeom prst="rect">
-            <a:avLst/>
-          </a:prstGeom>
-        </p:spPr>
-      </p:pic>
       <p:pic>
         <p:nvPicPr>
           <p:cNvPr id="5" name="Рисунок 4"/>
@@ -3617,18 +3708,28 @@
           <p:nvPr/>
         </p:nvPicPr>
         <p:blipFill rotWithShape="1">
-          <a:blip r:embed="rId3"/>
-          <a:srcRect t="4028" b="22081"/>
+          <a:blip r:embed="rId2"/>
+          <a:srcRect t="7073" b="22081"/>
           <a:stretch/>
         </p:blipFill>
         <p:spPr>
           <a:xfrm>
-            <a:off x="751037" y="1690688"/>
-            <a:ext cx="10115031" cy="4204188"/>
+            <a:off x="1018317" y="1740877"/>
+            <a:ext cx="10155366" cy="4246683"/>
           </a:xfrm>
           <a:prstGeom prst="rect">
             <a:avLst/>
           </a:prstGeom>
+          <a:ln>
+            <a:noFill/>
+          </a:ln>
+          <a:effectLst>
+            <a:outerShdw blurRad="190500" algn="tl" rotWithShape="0">
+              <a:srgbClr val="000000">
+                <a:alpha val="70000"/>
+              </a:srgbClr>
+            </a:outerShdw>
+          </a:effectLst>
         </p:spPr>
       </p:pic>
     </p:spTree>
@@ -3651,7 +3752,7 @@
 </p:sld>
 </file>
 
-<file path=ppt/slides/slide8.xml><?xml version="1.0" encoding="utf-8"?>
+<file path=ppt/slides/slide12.xml><?xml version="1.0" encoding="utf-8"?>
 <p:sld xmlns:a="http://schemas.openxmlformats.org/drawingml/2006/main" xmlns:r="http://schemas.openxmlformats.org/officeDocument/2006/relationships" xmlns:p="http://schemas.openxmlformats.org/presentationml/2006/main">
   <p:cSld>
     <p:spTree>
@@ -3678,14 +3779,19 @@
             <p:ph type="title"/>
           </p:nvPr>
         </p:nvSpPr>
-        <p:spPr/>
+        <p:spPr>
+          <a:xfrm>
+            <a:off x="743125" y="-149329"/>
+            <a:ext cx="9692640" cy="1325562"/>
+          </a:xfrm>
+        </p:spPr>
         <p:txBody>
           <a:bodyPr/>
           <a:lstStyle/>
           <a:p>
             <a:r>
               <a:rPr lang="ru-RU" dirty="0" smtClean="0"/>
-              <a:t>Создание товара</a:t>
+              <a:t>Свой товар</a:t>
             </a:r>
             <a:endParaRPr lang="ru-RU" dirty="0"/>
           </a:p>
@@ -3703,28 +3809,126 @@
         </p:nvPicPr>
         <p:blipFill rotWithShape="1">
           <a:blip r:embed="rId2"/>
-          <a:srcRect t="3305" b="3747"/>
+          <a:srcRect l="638" t="7476" r="37419" b="12305"/>
           <a:stretch/>
         </p:blipFill>
         <p:spPr>
           <a:xfrm>
-            <a:off x="1694913" y="1690689"/>
-            <a:ext cx="8268943" cy="4323250"/>
+            <a:off x="2453054" y="1491138"/>
+            <a:ext cx="6631334" cy="4830532"/>
           </a:xfrm>
           <a:prstGeom prst="rect">
             <a:avLst/>
           </a:prstGeom>
-          <a:ln w="88900" cap="sq" cmpd="thickThin">
-            <a:solidFill>
-              <a:srgbClr val="000000"/>
-            </a:solidFill>
-            <a:prstDash val="solid"/>
-            <a:miter lim="800000"/>
+          <a:ln>
+            <a:noFill/>
           </a:ln>
           <a:effectLst>
-            <a:innerShdw blurRad="76200">
-              <a:srgbClr val="000000"/>
-            </a:innerShdw>
+            <a:outerShdw blurRad="190500" algn="tl" rotWithShape="0">
+              <a:srgbClr val="000000">
+                <a:alpha val="70000"/>
+              </a:srgbClr>
+            </a:outerShdw>
+          </a:effectLst>
+        </p:spPr>
+      </p:pic>
+    </p:spTree>
+    <p:extLst>
+      <p:ext uri="{BB962C8B-B14F-4D97-AF65-F5344CB8AC3E}">
+        <p14:creationId xmlns:p14="http://schemas.microsoft.com/office/powerpoint/2010/main" val="3874654745"/>
+      </p:ext>
+    </p:extLst>
+  </p:cSld>
+  <p:clrMapOvr>
+    <a:masterClrMapping/>
+  </p:clrMapOvr>
+  <p:timing>
+    <p:tnLst>
+      <p:par>
+        <p:cTn id="1" dur="indefinite" restart="never" nodeType="tmRoot"/>
+      </p:par>
+    </p:tnLst>
+  </p:timing>
+</p:sld>
+</file>
+
+<file path=ppt/slides/slide13.xml><?xml version="1.0" encoding="utf-8"?>
+<p:sld xmlns:a="http://schemas.openxmlformats.org/drawingml/2006/main" xmlns:r="http://schemas.openxmlformats.org/officeDocument/2006/relationships" xmlns:p="http://schemas.openxmlformats.org/presentationml/2006/main">
+  <p:cSld>
+    <p:spTree>
+      <p:nvGrpSpPr>
+        <p:cNvPr id="1" name=""/>
+        <p:cNvGrpSpPr/>
+        <p:nvPr/>
+      </p:nvGrpSpPr>
+      <p:grpSpPr>
+        <a:xfrm>
+          <a:off x="0" y="0"/>
+          <a:ext cx="0" cy="0"/>
+          <a:chOff x="0" y="0"/>
+          <a:chExt cx="0" cy="0"/>
+        </a:xfrm>
+      </p:grpSpPr>
+      <p:sp>
+        <p:nvSpPr>
+          <p:cNvPr id="2" name="Заголовок 1"/>
+          <p:cNvSpPr>
+            <a:spLocks noGrp="1"/>
+          </p:cNvSpPr>
+          <p:nvPr>
+            <p:ph type="title"/>
+          </p:nvPr>
+        </p:nvSpPr>
+        <p:spPr>
+          <a:xfrm>
+            <a:off x="713105" y="0"/>
+            <a:ext cx="9692640" cy="1325562"/>
+          </a:xfrm>
+        </p:spPr>
+        <p:txBody>
+          <a:bodyPr/>
+          <a:lstStyle/>
+          <a:p>
+            <a:r>
+              <a:rPr lang="ru-RU" dirty="0" smtClean="0"/>
+              <a:t>Создание товара</a:t>
+            </a:r>
+            <a:endParaRPr lang="ru-RU" dirty="0"/>
+          </a:p>
+        </p:txBody>
+      </p:sp>
+      <p:pic>
+        <p:nvPicPr>
+          <p:cNvPr id="4" name="Объект 3"/>
+          <p:cNvPicPr>
+            <a:picLocks noGrp="1" noChangeAspect="1"/>
+          </p:cNvPicPr>
+          <p:nvPr>
+            <p:ph idx="1"/>
+          </p:nvPr>
+        </p:nvPicPr>
+        <p:blipFill rotWithShape="1">
+          <a:blip r:embed="rId2"/>
+          <a:srcRect t="3436" b="4021"/>
+          <a:stretch/>
+        </p:blipFill>
+        <p:spPr>
+          <a:xfrm>
+            <a:off x="1287121" y="1617785"/>
+            <a:ext cx="8681563" cy="4519247"/>
+          </a:xfrm>
+          <a:prstGeom prst="rect">
+            <a:avLst/>
+          </a:prstGeom>
+          <a:ln>
+            <a:noFill/>
+          </a:ln>
+          <a:effectLst>
+            <a:outerShdw blurRad="190500" algn="tl" rotWithShape="0">
+              <a:srgbClr val="000000">
+                <a:alpha val="70000"/>
+              </a:srgbClr>
+            </a:outerShdw>
           </a:effectLst>
         </p:spPr>
       </p:pic>
@@ -3748,7 +3952,7 @@
 </p:sld>
 </file>
 
-<file path=ppt/slides/slide9.xml><?xml version="1.0" encoding="utf-8"?>
+<file path=ppt/slides/slide14.xml><?xml version="1.0" encoding="utf-8"?>
 <p:sld xmlns:a="http://schemas.openxmlformats.org/drawingml/2006/main" xmlns:r="http://schemas.openxmlformats.org/officeDocument/2006/relationships" xmlns:p="http://schemas.openxmlformats.org/presentationml/2006/main">
   <p:cSld>
     <p:spTree>
@@ -3775,7 +3979,12 @@
             <p:ph type="title"/>
           </p:nvPr>
         </p:nvSpPr>
-        <p:spPr/>
+        <p:spPr>
+          <a:xfrm>
+            <a:off x="502331" y="-99845"/>
+            <a:ext cx="9692640" cy="1325562"/>
+          </a:xfrm>
+        </p:spPr>
         <p:txBody>
           <a:bodyPr/>
           <a:lstStyle/>
@@ -3843,7 +4052,7 @@
         <p:spPr>
           <a:xfrm>
             <a:off x="414264" y="1562400"/>
-            <a:ext cx="2164695" cy="369332"/>
+            <a:ext cx="2704587" cy="400110"/>
           </a:xfrm>
           <a:prstGeom prst="rect">
             <a:avLst/>
@@ -3857,18 +4066,18 @@
           <a:lstStyle/>
           <a:p>
             <a:r>
-              <a:rPr lang="ru-RU" dirty="0" smtClean="0"/>
+              <a:rPr lang="ru-RU" sz="2000" dirty="0" smtClean="0"/>
               <a:t>Пользователь (</a:t>
             </a:r>
             <a:r>
-              <a:rPr lang="en-US" dirty="0" smtClean="0"/>
+              <a:rPr lang="en-US" sz="2000" dirty="0" smtClean="0"/>
               <a:t>User</a:t>
             </a:r>
             <a:r>
-              <a:rPr lang="ru-RU" dirty="0" smtClean="0"/>
+              <a:rPr lang="ru-RU" sz="2000" dirty="0" smtClean="0"/>
               <a:t>)</a:t>
             </a:r>
-            <a:endParaRPr lang="ru-RU" dirty="0"/>
+            <a:endParaRPr lang="ru-RU" sz="2000" dirty="0"/>
           </a:p>
         </p:txBody>
       </p:sp>
@@ -3881,7 +4090,7 @@
         <p:spPr>
           <a:xfrm>
             <a:off x="4501689" y="1537777"/>
-            <a:ext cx="1693925" cy="369332"/>
+            <a:ext cx="2103461" cy="400110"/>
           </a:xfrm>
           <a:prstGeom prst="rect">
             <a:avLst/>
@@ -3895,18 +4104,18 @@
           <a:lstStyle/>
           <a:p>
             <a:r>
-              <a:rPr lang="ru-RU" dirty="0" smtClean="0"/>
+              <a:rPr lang="ru-RU" sz="2000" dirty="0" smtClean="0"/>
               <a:t>Магазин (</a:t>
             </a:r>
             <a:r>
-              <a:rPr lang="en-US" dirty="0" smtClean="0"/>
+              <a:rPr lang="en-US" sz="2000" dirty="0" smtClean="0"/>
               <a:t>Shop</a:t>
             </a:r>
             <a:r>
-              <a:rPr lang="ru-RU" dirty="0" smtClean="0"/>
+              <a:rPr lang="ru-RU" sz="2000" dirty="0" smtClean="0"/>
               <a:t>)</a:t>
             </a:r>
-            <a:endParaRPr lang="ru-RU" dirty="0"/>
+            <a:endParaRPr lang="ru-RU" sz="2000" dirty="0"/>
           </a:p>
         </p:txBody>
       </p:sp>
@@ -3942,7 +4151,7 @@
         <p:spPr>
           <a:xfrm>
             <a:off x="8176500" y="1545692"/>
-            <a:ext cx="1446102" cy="369332"/>
+            <a:ext cx="1755609" cy="400110"/>
           </a:xfrm>
           <a:prstGeom prst="rect">
             <a:avLst/>
@@ -3956,18 +4165,18 @@
           <a:lstStyle/>
           <a:p>
             <a:r>
-              <a:rPr lang="ru-RU" dirty="0" smtClean="0"/>
+              <a:rPr lang="ru-RU" sz="2000" dirty="0" smtClean="0"/>
               <a:t>Товар (</a:t>
             </a:r>
             <a:r>
-              <a:rPr lang="en-US" dirty="0" smtClean="0"/>
+              <a:rPr lang="en-US" sz="2000" dirty="0" smtClean="0"/>
               <a:t>Good</a:t>
             </a:r>
             <a:r>
-              <a:rPr lang="ru-RU" dirty="0" smtClean="0"/>
+              <a:rPr lang="ru-RU" sz="2000" dirty="0" smtClean="0"/>
               <a:t>)</a:t>
             </a:r>
-            <a:endParaRPr lang="ru-RU" dirty="0"/>
+            <a:endParaRPr lang="ru-RU" sz="2000" dirty="0"/>
           </a:p>
         </p:txBody>
       </p:sp>
@@ -4051,94 +4260,1681 @@
 </p:sld>
 </file>
 
+<file path=ppt/slides/slide15.xml><?xml version="1.0" encoding="utf-8"?>
+<p:sld xmlns:a="http://schemas.openxmlformats.org/drawingml/2006/main" xmlns:r="http://schemas.openxmlformats.org/officeDocument/2006/relationships" xmlns:p="http://schemas.openxmlformats.org/presentationml/2006/main">
+  <p:cSld>
+    <p:spTree>
+      <p:nvGrpSpPr>
+        <p:cNvPr id="1" name=""/>
+        <p:cNvGrpSpPr/>
+        <p:nvPr/>
+      </p:nvGrpSpPr>
+      <p:grpSpPr>
+        <a:xfrm>
+          <a:off x="0" y="0"/>
+          <a:ext cx="0" cy="0"/>
+          <a:chOff x="0" y="0"/>
+          <a:chExt cx="0" cy="0"/>
+        </a:xfrm>
+      </p:grpSpPr>
+      <p:sp>
+        <p:nvSpPr>
+          <p:cNvPr id="2" name="Заголовок 1"/>
+          <p:cNvSpPr>
+            <a:spLocks noGrp="1"/>
+          </p:cNvSpPr>
+          <p:nvPr>
+            <p:ph type="title"/>
+          </p:nvPr>
+        </p:nvSpPr>
+        <p:spPr>
+          <a:xfrm>
+            <a:off x="1129988" y="286629"/>
+            <a:ext cx="9692640" cy="1325562"/>
+          </a:xfrm>
+        </p:spPr>
+        <p:txBody>
+          <a:bodyPr/>
+          <a:lstStyle/>
+          <a:p>
+            <a:r>
+              <a:rPr lang="en-US" dirty="0" smtClean="0"/>
+              <a:t>API</a:t>
+            </a:r>
+            <a:endParaRPr lang="ru-RU" dirty="0"/>
+          </a:p>
+        </p:txBody>
+      </p:sp>
+      <p:sp>
+        <p:nvSpPr>
+          <p:cNvPr id="3" name="Объект 2"/>
+          <p:cNvSpPr>
+            <a:spLocks noGrp="1"/>
+          </p:cNvSpPr>
+          <p:nvPr>
+            <p:ph idx="1"/>
+          </p:nvPr>
+        </p:nvSpPr>
+        <p:spPr>
+          <a:xfrm>
+            <a:off x="839841" y="2074984"/>
+            <a:ext cx="2949644" cy="4351337"/>
+          </a:xfrm>
+        </p:spPr>
+        <p:txBody>
+          <a:bodyPr/>
+          <a:lstStyle/>
+          <a:p>
+            <a:pPr marL="0" indent="0">
+              <a:buNone/>
+            </a:pPr>
+            <a:r>
+              <a:rPr lang="ru-RU" sz="2800" b="1" dirty="0" smtClean="0"/>
+              <a:t>Пользователь</a:t>
+            </a:r>
+          </a:p>
+          <a:p>
+            <a:r>
+              <a:rPr lang="en-US" sz="2400" dirty="0" smtClean="0"/>
+              <a:t>Get</a:t>
+            </a:r>
+          </a:p>
+          <a:p>
+            <a:r>
+              <a:rPr lang="en-US" sz="2400" dirty="0" smtClean="0"/>
+              <a:t>Post</a:t>
+            </a:r>
+          </a:p>
+          <a:p>
+            <a:r>
+              <a:rPr lang="en-US" sz="2400" dirty="0" smtClean="0"/>
+              <a:t>Delete</a:t>
+            </a:r>
+          </a:p>
+          <a:p>
+            <a:r>
+              <a:rPr lang="en-US" sz="2400" dirty="0" smtClean="0"/>
+              <a:t>Put</a:t>
+            </a:r>
+          </a:p>
+        </p:txBody>
+      </p:sp>
+      <p:sp>
+        <p:nvSpPr>
+          <p:cNvPr id="5" name="Объект 2"/>
+          <p:cNvSpPr txBox="1">
+            <a:spLocks/>
+          </p:cNvSpPr>
+          <p:nvPr/>
+        </p:nvSpPr>
+        <p:spPr>
+          <a:xfrm>
+            <a:off x="4279568" y="2074981"/>
+            <a:ext cx="2510028" cy="4351337"/>
+          </a:xfrm>
+          <a:prstGeom prst="rect">
+            <a:avLst/>
+          </a:prstGeom>
+        </p:spPr>
+        <p:txBody>
+          <a:bodyPr vert="horz" lIns="91440" tIns="45720" rIns="91440" bIns="45720" rtlCol="0">
+            <a:normAutofit/>
+          </a:bodyPr>
+          <a:lstStyle>
+            <a:lvl1pPr marL="182880" indent="-182880" algn="l" defTabSz="914400" rtl="0" eaLnBrk="1" latinLnBrk="0" hangingPunct="1">
+              <a:lnSpc>
+                <a:spcPct val="95000"/>
+              </a:lnSpc>
+              <a:spcBef>
+                <a:spcPts val="1400"/>
+              </a:spcBef>
+              <a:spcAft>
+                <a:spcPts val="200"/>
+              </a:spcAft>
+              <a:buClr>
+                <a:schemeClr val="accent1"/>
+              </a:buClr>
+              <a:buSzPct val="80000"/>
+              <a:buFont typeface="Arial" pitchFamily="34" charset="0"/>
+              <a:buChar char="•"/>
+              <a:defRPr sz="1800" kern="1200" spc="10" baseline="0">
+                <a:solidFill>
+                  <a:schemeClr val="tx1"/>
+                </a:solidFill>
+                <a:latin typeface="+mn-lt"/>
+                <a:ea typeface="+mn-ea"/>
+                <a:cs typeface="+mn-cs"/>
+              </a:defRPr>
+            </a:lvl1pPr>
+            <a:lvl2pPr marL="457200" indent="-182880" algn="l" defTabSz="914400" rtl="0" eaLnBrk="1" latinLnBrk="0" hangingPunct="1">
+              <a:lnSpc>
+                <a:spcPct val="90000"/>
+              </a:lnSpc>
+              <a:spcBef>
+                <a:spcPts val="300"/>
+              </a:spcBef>
+              <a:spcAft>
+                <a:spcPts val="300"/>
+              </a:spcAft>
+              <a:buClr>
+                <a:schemeClr val="accent1"/>
+              </a:buClr>
+              <a:buFont typeface="Wingdings 2" pitchFamily="18" charset="2"/>
+              <a:buChar char=""/>
+              <a:defRPr sz="1600" kern="1200">
+                <a:solidFill>
+                  <a:schemeClr val="tx1">
+                    <a:lumMod val="85000"/>
+                    <a:lumOff val="15000"/>
+                  </a:schemeClr>
+                </a:solidFill>
+                <a:latin typeface="+mn-lt"/>
+                <a:ea typeface="+mn-ea"/>
+                <a:cs typeface="+mn-cs"/>
+              </a:defRPr>
+            </a:lvl2pPr>
+            <a:lvl3pPr marL="731520" indent="-182880" algn="l" defTabSz="914400" rtl="0" eaLnBrk="1" latinLnBrk="0" hangingPunct="1">
+              <a:lnSpc>
+                <a:spcPct val="90000"/>
+              </a:lnSpc>
+              <a:spcBef>
+                <a:spcPts val="300"/>
+              </a:spcBef>
+              <a:spcAft>
+                <a:spcPts val="300"/>
+              </a:spcAft>
+              <a:buClr>
+                <a:schemeClr val="accent1"/>
+              </a:buClr>
+              <a:buFont typeface="Wingdings 2" pitchFamily="18" charset="2"/>
+              <a:buChar char=""/>
+              <a:defRPr sz="1400" kern="1200">
+                <a:solidFill>
+                  <a:schemeClr val="tx1">
+                    <a:lumMod val="85000"/>
+                    <a:lumOff val="15000"/>
+                  </a:schemeClr>
+                </a:solidFill>
+                <a:latin typeface="+mn-lt"/>
+                <a:ea typeface="+mn-ea"/>
+                <a:cs typeface="+mn-cs"/>
+              </a:defRPr>
+            </a:lvl3pPr>
+            <a:lvl4pPr marL="1005840" indent="-182880" algn="l" defTabSz="914400" rtl="0" eaLnBrk="1" latinLnBrk="0" hangingPunct="1">
+              <a:lnSpc>
+                <a:spcPct val="90000"/>
+              </a:lnSpc>
+              <a:spcBef>
+                <a:spcPts val="300"/>
+              </a:spcBef>
+              <a:spcAft>
+                <a:spcPts val="300"/>
+              </a:spcAft>
+              <a:buClr>
+                <a:schemeClr val="accent1"/>
+              </a:buClr>
+              <a:buFont typeface="Wingdings 2" pitchFamily="18" charset="2"/>
+              <a:buChar char=""/>
+              <a:defRPr sz="1400" kern="1200">
+                <a:solidFill>
+                  <a:schemeClr val="tx1">
+                    <a:lumMod val="85000"/>
+                    <a:lumOff val="15000"/>
+                  </a:schemeClr>
+                </a:solidFill>
+                <a:latin typeface="+mn-lt"/>
+                <a:ea typeface="+mn-ea"/>
+                <a:cs typeface="+mn-cs"/>
+              </a:defRPr>
+            </a:lvl4pPr>
+            <a:lvl5pPr marL="1280160" indent="-182880" algn="l" defTabSz="914400" rtl="0" eaLnBrk="1" latinLnBrk="0" hangingPunct="1">
+              <a:lnSpc>
+                <a:spcPct val="90000"/>
+              </a:lnSpc>
+              <a:spcBef>
+                <a:spcPts val="300"/>
+              </a:spcBef>
+              <a:spcAft>
+                <a:spcPts val="300"/>
+              </a:spcAft>
+              <a:buClr>
+                <a:schemeClr val="accent1"/>
+              </a:buClr>
+              <a:buFont typeface="Wingdings 2" pitchFamily="18" charset="2"/>
+              <a:buChar char=""/>
+              <a:defRPr sz="1400" kern="1200">
+                <a:solidFill>
+                  <a:schemeClr val="tx1">
+                    <a:lumMod val="85000"/>
+                    <a:lumOff val="15000"/>
+                  </a:schemeClr>
+                </a:solidFill>
+                <a:latin typeface="+mn-lt"/>
+                <a:ea typeface="+mn-ea"/>
+                <a:cs typeface="+mn-cs"/>
+              </a:defRPr>
+            </a:lvl5pPr>
+            <a:lvl6pPr marL="1600000" indent="-228600" algn="l" defTabSz="914400" rtl="0" eaLnBrk="1" latinLnBrk="0" hangingPunct="1">
+              <a:lnSpc>
+                <a:spcPct val="90000"/>
+              </a:lnSpc>
+              <a:spcBef>
+                <a:spcPts val="300"/>
+              </a:spcBef>
+              <a:spcAft>
+                <a:spcPts val="300"/>
+              </a:spcAft>
+              <a:buClr>
+                <a:schemeClr val="accent1"/>
+              </a:buClr>
+              <a:buFont typeface="Wingdings 2" pitchFamily="18" charset="2"/>
+              <a:buChar char=""/>
+              <a:defRPr sz="1400" kern="1200">
+                <a:solidFill>
+                  <a:schemeClr val="tx1">
+                    <a:lumMod val="85000"/>
+                    <a:lumOff val="15000"/>
+                  </a:schemeClr>
+                </a:solidFill>
+                <a:latin typeface="+mn-lt"/>
+                <a:ea typeface="+mn-ea"/>
+                <a:cs typeface="+mn-cs"/>
+              </a:defRPr>
+            </a:lvl6pPr>
+            <a:lvl7pPr marL="1900000" indent="-228600" algn="l" defTabSz="914400" rtl="0" eaLnBrk="1" latinLnBrk="0" hangingPunct="1">
+              <a:lnSpc>
+                <a:spcPct val="90000"/>
+              </a:lnSpc>
+              <a:spcBef>
+                <a:spcPts val="300"/>
+              </a:spcBef>
+              <a:spcAft>
+                <a:spcPts val="300"/>
+              </a:spcAft>
+              <a:buClr>
+                <a:schemeClr val="accent1"/>
+              </a:buClr>
+              <a:buFont typeface="Wingdings 2" pitchFamily="18" charset="2"/>
+              <a:buChar char=""/>
+              <a:defRPr sz="1400" kern="1200">
+                <a:solidFill>
+                  <a:schemeClr val="tx1">
+                    <a:lumMod val="85000"/>
+                    <a:lumOff val="15000"/>
+                  </a:schemeClr>
+                </a:solidFill>
+                <a:latin typeface="+mn-lt"/>
+                <a:ea typeface="+mn-ea"/>
+                <a:cs typeface="+mn-cs"/>
+              </a:defRPr>
+            </a:lvl7pPr>
+            <a:lvl8pPr marL="2200000" indent="-228600" algn="l" defTabSz="914400" rtl="0" eaLnBrk="1" latinLnBrk="0" hangingPunct="1">
+              <a:lnSpc>
+                <a:spcPct val="90000"/>
+              </a:lnSpc>
+              <a:spcBef>
+                <a:spcPts val="300"/>
+              </a:spcBef>
+              <a:spcAft>
+                <a:spcPts val="300"/>
+              </a:spcAft>
+              <a:buClr>
+                <a:schemeClr val="accent1"/>
+              </a:buClr>
+              <a:buFont typeface="Wingdings 2" pitchFamily="18" charset="2"/>
+              <a:buChar char=""/>
+              <a:defRPr sz="1400" kern="1200">
+                <a:solidFill>
+                  <a:schemeClr val="tx1">
+                    <a:lumMod val="85000"/>
+                    <a:lumOff val="15000"/>
+                  </a:schemeClr>
+                </a:solidFill>
+                <a:latin typeface="+mn-lt"/>
+                <a:ea typeface="+mn-ea"/>
+                <a:cs typeface="+mn-cs"/>
+              </a:defRPr>
+            </a:lvl8pPr>
+            <a:lvl9pPr marL="2500000" indent="-228600" algn="l" defTabSz="914400" rtl="0" eaLnBrk="1" latinLnBrk="0" hangingPunct="1">
+              <a:lnSpc>
+                <a:spcPct val="90000"/>
+              </a:lnSpc>
+              <a:spcBef>
+                <a:spcPts val="300"/>
+              </a:spcBef>
+              <a:spcAft>
+                <a:spcPts val="300"/>
+              </a:spcAft>
+              <a:buClr>
+                <a:schemeClr val="accent1"/>
+              </a:buClr>
+              <a:buFont typeface="Wingdings 2" pitchFamily="18" charset="2"/>
+              <a:buChar char=""/>
+              <a:defRPr sz="1400" kern="1200">
+                <a:solidFill>
+                  <a:schemeClr val="tx1">
+                    <a:lumMod val="85000"/>
+                    <a:lumOff val="15000"/>
+                  </a:schemeClr>
+                </a:solidFill>
+                <a:latin typeface="+mn-lt"/>
+                <a:ea typeface="+mn-ea"/>
+                <a:cs typeface="+mn-cs"/>
+              </a:defRPr>
+            </a:lvl9pPr>
+          </a:lstStyle>
+          <a:p>
+            <a:pPr marL="0" indent="0">
+              <a:buFont typeface="Arial" pitchFamily="34" charset="0"/>
+              <a:buNone/>
+            </a:pPr>
+            <a:r>
+              <a:rPr lang="ru-RU" sz="2800" b="1" dirty="0" smtClean="0"/>
+              <a:t>Магазин</a:t>
+            </a:r>
+            <a:endParaRPr lang="ru-RU" sz="2400" b="1" dirty="0" smtClean="0"/>
+          </a:p>
+          <a:p>
+            <a:r>
+              <a:rPr lang="en-US" sz="2400" dirty="0" smtClean="0"/>
+              <a:t>Get</a:t>
+            </a:r>
+          </a:p>
+          <a:p>
+            <a:pPr marL="0" indent="0">
+              <a:buNone/>
+            </a:pPr>
+            <a:endParaRPr lang="ru-RU" dirty="0"/>
+          </a:p>
+        </p:txBody>
+      </p:sp>
+      <p:sp>
+        <p:nvSpPr>
+          <p:cNvPr id="6" name="Объект 2"/>
+          <p:cNvSpPr txBox="1">
+            <a:spLocks/>
+          </p:cNvSpPr>
+          <p:nvPr/>
+        </p:nvSpPr>
+        <p:spPr>
+          <a:xfrm>
+            <a:off x="7279680" y="2074982"/>
+            <a:ext cx="2510028" cy="4351337"/>
+          </a:xfrm>
+          <a:prstGeom prst="rect">
+            <a:avLst/>
+          </a:prstGeom>
+        </p:spPr>
+        <p:txBody>
+          <a:bodyPr vert="horz" lIns="91440" tIns="45720" rIns="91440" bIns="45720" rtlCol="0">
+            <a:normAutofit/>
+          </a:bodyPr>
+          <a:lstStyle>
+            <a:lvl1pPr marL="182880" indent="-182880" algn="l" defTabSz="914400" rtl="0" eaLnBrk="1" latinLnBrk="0" hangingPunct="1">
+              <a:lnSpc>
+                <a:spcPct val="95000"/>
+              </a:lnSpc>
+              <a:spcBef>
+                <a:spcPts val="1400"/>
+              </a:spcBef>
+              <a:spcAft>
+                <a:spcPts val="200"/>
+              </a:spcAft>
+              <a:buClr>
+                <a:schemeClr val="accent1"/>
+              </a:buClr>
+              <a:buSzPct val="80000"/>
+              <a:buFont typeface="Arial" pitchFamily="34" charset="0"/>
+              <a:buChar char="•"/>
+              <a:defRPr sz="1800" kern="1200" spc="10" baseline="0">
+                <a:solidFill>
+                  <a:schemeClr val="tx1"/>
+                </a:solidFill>
+                <a:latin typeface="+mn-lt"/>
+                <a:ea typeface="+mn-ea"/>
+                <a:cs typeface="+mn-cs"/>
+              </a:defRPr>
+            </a:lvl1pPr>
+            <a:lvl2pPr marL="457200" indent="-182880" algn="l" defTabSz="914400" rtl="0" eaLnBrk="1" latinLnBrk="0" hangingPunct="1">
+              <a:lnSpc>
+                <a:spcPct val="90000"/>
+              </a:lnSpc>
+              <a:spcBef>
+                <a:spcPts val="300"/>
+              </a:spcBef>
+              <a:spcAft>
+                <a:spcPts val="300"/>
+              </a:spcAft>
+              <a:buClr>
+                <a:schemeClr val="accent1"/>
+              </a:buClr>
+              <a:buFont typeface="Wingdings 2" pitchFamily="18" charset="2"/>
+              <a:buChar char=""/>
+              <a:defRPr sz="1600" kern="1200">
+                <a:solidFill>
+                  <a:schemeClr val="tx1">
+                    <a:lumMod val="85000"/>
+                    <a:lumOff val="15000"/>
+                  </a:schemeClr>
+                </a:solidFill>
+                <a:latin typeface="+mn-lt"/>
+                <a:ea typeface="+mn-ea"/>
+                <a:cs typeface="+mn-cs"/>
+              </a:defRPr>
+            </a:lvl2pPr>
+            <a:lvl3pPr marL="731520" indent="-182880" algn="l" defTabSz="914400" rtl="0" eaLnBrk="1" latinLnBrk="0" hangingPunct="1">
+              <a:lnSpc>
+                <a:spcPct val="90000"/>
+              </a:lnSpc>
+              <a:spcBef>
+                <a:spcPts val="300"/>
+              </a:spcBef>
+              <a:spcAft>
+                <a:spcPts val="300"/>
+              </a:spcAft>
+              <a:buClr>
+                <a:schemeClr val="accent1"/>
+              </a:buClr>
+              <a:buFont typeface="Wingdings 2" pitchFamily="18" charset="2"/>
+              <a:buChar char=""/>
+              <a:defRPr sz="1400" kern="1200">
+                <a:solidFill>
+                  <a:schemeClr val="tx1">
+                    <a:lumMod val="85000"/>
+                    <a:lumOff val="15000"/>
+                  </a:schemeClr>
+                </a:solidFill>
+                <a:latin typeface="+mn-lt"/>
+                <a:ea typeface="+mn-ea"/>
+                <a:cs typeface="+mn-cs"/>
+              </a:defRPr>
+            </a:lvl3pPr>
+            <a:lvl4pPr marL="1005840" indent="-182880" algn="l" defTabSz="914400" rtl="0" eaLnBrk="1" latinLnBrk="0" hangingPunct="1">
+              <a:lnSpc>
+                <a:spcPct val="90000"/>
+              </a:lnSpc>
+              <a:spcBef>
+                <a:spcPts val="300"/>
+              </a:spcBef>
+              <a:spcAft>
+                <a:spcPts val="300"/>
+              </a:spcAft>
+              <a:buClr>
+                <a:schemeClr val="accent1"/>
+              </a:buClr>
+              <a:buFont typeface="Wingdings 2" pitchFamily="18" charset="2"/>
+              <a:buChar char=""/>
+              <a:defRPr sz="1400" kern="1200">
+                <a:solidFill>
+                  <a:schemeClr val="tx1">
+                    <a:lumMod val="85000"/>
+                    <a:lumOff val="15000"/>
+                  </a:schemeClr>
+                </a:solidFill>
+                <a:latin typeface="+mn-lt"/>
+                <a:ea typeface="+mn-ea"/>
+                <a:cs typeface="+mn-cs"/>
+              </a:defRPr>
+            </a:lvl4pPr>
+            <a:lvl5pPr marL="1280160" indent="-182880" algn="l" defTabSz="914400" rtl="0" eaLnBrk="1" latinLnBrk="0" hangingPunct="1">
+              <a:lnSpc>
+                <a:spcPct val="90000"/>
+              </a:lnSpc>
+              <a:spcBef>
+                <a:spcPts val="300"/>
+              </a:spcBef>
+              <a:spcAft>
+                <a:spcPts val="300"/>
+              </a:spcAft>
+              <a:buClr>
+                <a:schemeClr val="accent1"/>
+              </a:buClr>
+              <a:buFont typeface="Wingdings 2" pitchFamily="18" charset="2"/>
+              <a:buChar char=""/>
+              <a:defRPr sz="1400" kern="1200">
+                <a:solidFill>
+                  <a:schemeClr val="tx1">
+                    <a:lumMod val="85000"/>
+                    <a:lumOff val="15000"/>
+                  </a:schemeClr>
+                </a:solidFill>
+                <a:latin typeface="+mn-lt"/>
+                <a:ea typeface="+mn-ea"/>
+                <a:cs typeface="+mn-cs"/>
+              </a:defRPr>
+            </a:lvl5pPr>
+            <a:lvl6pPr marL="1600000" indent="-228600" algn="l" defTabSz="914400" rtl="0" eaLnBrk="1" latinLnBrk="0" hangingPunct="1">
+              <a:lnSpc>
+                <a:spcPct val="90000"/>
+              </a:lnSpc>
+              <a:spcBef>
+                <a:spcPts val="300"/>
+              </a:spcBef>
+              <a:spcAft>
+                <a:spcPts val="300"/>
+              </a:spcAft>
+              <a:buClr>
+                <a:schemeClr val="accent1"/>
+              </a:buClr>
+              <a:buFont typeface="Wingdings 2" pitchFamily="18" charset="2"/>
+              <a:buChar char=""/>
+              <a:defRPr sz="1400" kern="1200">
+                <a:solidFill>
+                  <a:schemeClr val="tx1">
+                    <a:lumMod val="85000"/>
+                    <a:lumOff val="15000"/>
+                  </a:schemeClr>
+                </a:solidFill>
+                <a:latin typeface="+mn-lt"/>
+                <a:ea typeface="+mn-ea"/>
+                <a:cs typeface="+mn-cs"/>
+              </a:defRPr>
+            </a:lvl6pPr>
+            <a:lvl7pPr marL="1900000" indent="-228600" algn="l" defTabSz="914400" rtl="0" eaLnBrk="1" latinLnBrk="0" hangingPunct="1">
+              <a:lnSpc>
+                <a:spcPct val="90000"/>
+              </a:lnSpc>
+              <a:spcBef>
+                <a:spcPts val="300"/>
+              </a:spcBef>
+              <a:spcAft>
+                <a:spcPts val="300"/>
+              </a:spcAft>
+              <a:buClr>
+                <a:schemeClr val="accent1"/>
+              </a:buClr>
+              <a:buFont typeface="Wingdings 2" pitchFamily="18" charset="2"/>
+              <a:buChar char=""/>
+              <a:defRPr sz="1400" kern="1200">
+                <a:solidFill>
+                  <a:schemeClr val="tx1">
+                    <a:lumMod val="85000"/>
+                    <a:lumOff val="15000"/>
+                  </a:schemeClr>
+                </a:solidFill>
+                <a:latin typeface="+mn-lt"/>
+                <a:ea typeface="+mn-ea"/>
+                <a:cs typeface="+mn-cs"/>
+              </a:defRPr>
+            </a:lvl7pPr>
+            <a:lvl8pPr marL="2200000" indent="-228600" algn="l" defTabSz="914400" rtl="0" eaLnBrk="1" latinLnBrk="0" hangingPunct="1">
+              <a:lnSpc>
+                <a:spcPct val="90000"/>
+              </a:lnSpc>
+              <a:spcBef>
+                <a:spcPts val="300"/>
+              </a:spcBef>
+              <a:spcAft>
+                <a:spcPts val="300"/>
+              </a:spcAft>
+              <a:buClr>
+                <a:schemeClr val="accent1"/>
+              </a:buClr>
+              <a:buFont typeface="Wingdings 2" pitchFamily="18" charset="2"/>
+              <a:buChar char=""/>
+              <a:defRPr sz="1400" kern="1200">
+                <a:solidFill>
+                  <a:schemeClr val="tx1">
+                    <a:lumMod val="85000"/>
+                    <a:lumOff val="15000"/>
+                  </a:schemeClr>
+                </a:solidFill>
+                <a:latin typeface="+mn-lt"/>
+                <a:ea typeface="+mn-ea"/>
+                <a:cs typeface="+mn-cs"/>
+              </a:defRPr>
+            </a:lvl8pPr>
+            <a:lvl9pPr marL="2500000" indent="-228600" algn="l" defTabSz="914400" rtl="0" eaLnBrk="1" latinLnBrk="0" hangingPunct="1">
+              <a:lnSpc>
+                <a:spcPct val="90000"/>
+              </a:lnSpc>
+              <a:spcBef>
+                <a:spcPts val="300"/>
+              </a:spcBef>
+              <a:spcAft>
+                <a:spcPts val="300"/>
+              </a:spcAft>
+              <a:buClr>
+                <a:schemeClr val="accent1"/>
+              </a:buClr>
+              <a:buFont typeface="Wingdings 2" pitchFamily="18" charset="2"/>
+              <a:buChar char=""/>
+              <a:defRPr sz="1400" kern="1200">
+                <a:solidFill>
+                  <a:schemeClr val="tx1">
+                    <a:lumMod val="85000"/>
+                    <a:lumOff val="15000"/>
+                  </a:schemeClr>
+                </a:solidFill>
+                <a:latin typeface="+mn-lt"/>
+                <a:ea typeface="+mn-ea"/>
+                <a:cs typeface="+mn-cs"/>
+              </a:defRPr>
+            </a:lvl9pPr>
+          </a:lstStyle>
+          <a:p>
+            <a:pPr marL="0" indent="0">
+              <a:buFont typeface="Arial" pitchFamily="34" charset="0"/>
+              <a:buNone/>
+            </a:pPr>
+            <a:r>
+              <a:rPr lang="ru-RU" sz="2800" b="1" dirty="0" smtClean="0"/>
+              <a:t>Товар</a:t>
+            </a:r>
+          </a:p>
+          <a:p>
+            <a:r>
+              <a:rPr lang="en-US" sz="2400" dirty="0" smtClean="0"/>
+              <a:t>Get</a:t>
+            </a:r>
+            <a:endParaRPr lang="ru-RU" sz="2400" dirty="0"/>
+          </a:p>
+        </p:txBody>
+      </p:sp>
+    </p:spTree>
+    <p:extLst>
+      <p:ext uri="{BB962C8B-B14F-4D97-AF65-F5344CB8AC3E}">
+        <p14:creationId xmlns:p14="http://schemas.microsoft.com/office/powerpoint/2010/main" val="2954839181"/>
+      </p:ext>
+    </p:extLst>
+  </p:cSld>
+  <p:clrMapOvr>
+    <a:masterClrMapping/>
+  </p:clrMapOvr>
+  <p:timing>
+    <p:tnLst>
+      <p:par>
+        <p:cTn id="1" dur="indefinite" restart="never" nodeType="tmRoot"/>
+      </p:par>
+    </p:tnLst>
+  </p:timing>
+</p:sld>
+</file>
+
+<file path=ppt/slides/slide2.xml><?xml version="1.0" encoding="utf-8"?>
+<p:sld xmlns:a="http://schemas.openxmlformats.org/drawingml/2006/main" xmlns:r="http://schemas.openxmlformats.org/officeDocument/2006/relationships" xmlns:p="http://schemas.openxmlformats.org/presentationml/2006/main">
+  <p:cSld>
+    <p:spTree>
+      <p:nvGrpSpPr>
+        <p:cNvPr id="1" name=""/>
+        <p:cNvGrpSpPr/>
+        <p:nvPr/>
+      </p:nvGrpSpPr>
+      <p:grpSpPr>
+        <a:xfrm>
+          <a:off x="0" y="0"/>
+          <a:ext cx="0" cy="0"/>
+          <a:chOff x="0" y="0"/>
+          <a:chExt cx="0" cy="0"/>
+        </a:xfrm>
+      </p:grpSpPr>
+      <p:sp>
+        <p:nvSpPr>
+          <p:cNvPr id="2" name="Заголовок 1"/>
+          <p:cNvSpPr>
+            <a:spLocks noGrp="1"/>
+          </p:cNvSpPr>
+          <p:nvPr>
+            <p:ph type="title"/>
+          </p:nvPr>
+        </p:nvSpPr>
+        <p:spPr>
+          <a:xfrm>
+            <a:off x="1217911" y="219808"/>
+            <a:ext cx="9692640" cy="1325562"/>
+          </a:xfrm>
+        </p:spPr>
+        <p:txBody>
+          <a:bodyPr/>
+          <a:lstStyle/>
+          <a:p>
+            <a:r>
+              <a:rPr lang="ru-RU" dirty="0" smtClean="0"/>
+              <a:t>Общие сведения о проекте</a:t>
+            </a:r>
+            <a:endParaRPr lang="ru-RU" dirty="0"/>
+          </a:p>
+        </p:txBody>
+      </p:sp>
+      <p:sp>
+        <p:nvSpPr>
+          <p:cNvPr id="3" name="Объект 2"/>
+          <p:cNvSpPr>
+            <a:spLocks noGrp="1"/>
+          </p:cNvSpPr>
+          <p:nvPr>
+            <p:ph idx="1"/>
+          </p:nvPr>
+        </p:nvSpPr>
+        <p:spPr>
+          <a:xfrm>
+            <a:off x="838199" y="1828677"/>
+            <a:ext cx="4876801" cy="4351338"/>
+          </a:xfrm>
+        </p:spPr>
+        <p:txBody>
+          <a:bodyPr/>
+          <a:lstStyle/>
+          <a:p>
+            <a:pPr marL="0" indent="0">
+              <a:buNone/>
+            </a:pPr>
+            <a:r>
+              <a:rPr lang="ru-RU" dirty="0" smtClean="0"/>
+              <a:t>Проект – сайт, </a:t>
+            </a:r>
+            <a:r>
+              <a:rPr lang="ru-RU" i="1" dirty="0" smtClean="0"/>
+              <a:t>маркет-плейс </a:t>
+            </a:r>
+            <a:endParaRPr lang="ru-RU" i="1" dirty="0"/>
+          </a:p>
+        </p:txBody>
+      </p:sp>
+      <p:pic>
+        <p:nvPicPr>
+          <p:cNvPr id="4" name="Рисунок 3"/>
+          <p:cNvPicPr>
+            <a:picLocks noChangeAspect="1"/>
+          </p:cNvPicPr>
+          <p:nvPr/>
+        </p:nvPicPr>
+        <p:blipFill rotWithShape="1">
+          <a:blip r:embed="rId2"/>
+          <a:srcRect t="6935" r="915" b="28526"/>
+          <a:stretch/>
+        </p:blipFill>
+        <p:spPr>
+          <a:xfrm>
+            <a:off x="910004" y="2790947"/>
+            <a:ext cx="9609992" cy="3520953"/>
+          </a:xfrm>
+          <a:prstGeom prst="rect">
+            <a:avLst/>
+          </a:prstGeom>
+          <a:ln w="88900" cap="sq" cmpd="thickThin">
+            <a:solidFill>
+              <a:srgbClr val="000000"/>
+            </a:solidFill>
+            <a:prstDash val="solid"/>
+            <a:miter lim="800000"/>
+          </a:ln>
+          <a:effectLst>
+            <a:innerShdw blurRad="76200">
+              <a:srgbClr val="000000"/>
+            </a:innerShdw>
+          </a:effectLst>
+        </p:spPr>
+      </p:pic>
+    </p:spTree>
+    <p:extLst>
+      <p:ext uri="{BB962C8B-B14F-4D97-AF65-F5344CB8AC3E}">
+        <p14:creationId xmlns:p14="http://schemas.microsoft.com/office/powerpoint/2010/main" val="3409780844"/>
+      </p:ext>
+    </p:extLst>
+  </p:cSld>
+  <p:clrMapOvr>
+    <a:masterClrMapping/>
+  </p:clrMapOvr>
+  <p:timing>
+    <p:tnLst>
+      <p:par>
+        <p:cTn id="1" dur="indefinite" restart="never" nodeType="tmRoot"/>
+      </p:par>
+    </p:tnLst>
+  </p:timing>
+</p:sld>
+</file>
+
+<file path=ppt/slides/slide3.xml><?xml version="1.0" encoding="utf-8"?>
+<p:sld xmlns:a="http://schemas.openxmlformats.org/drawingml/2006/main" xmlns:r="http://schemas.openxmlformats.org/officeDocument/2006/relationships" xmlns:p="http://schemas.openxmlformats.org/presentationml/2006/main">
+  <p:cSld>
+    <p:spTree>
+      <p:nvGrpSpPr>
+        <p:cNvPr id="1" name=""/>
+        <p:cNvGrpSpPr/>
+        <p:nvPr/>
+      </p:nvGrpSpPr>
+      <p:grpSpPr>
+        <a:xfrm>
+          <a:off x="0" y="0"/>
+          <a:ext cx="0" cy="0"/>
+          <a:chOff x="0" y="0"/>
+          <a:chExt cx="0" cy="0"/>
+        </a:xfrm>
+      </p:grpSpPr>
+      <p:sp>
+        <p:nvSpPr>
+          <p:cNvPr id="2" name="Заголовок 1"/>
+          <p:cNvSpPr>
+            <a:spLocks noGrp="1"/>
+          </p:cNvSpPr>
+          <p:nvPr>
+            <p:ph type="title"/>
+          </p:nvPr>
+        </p:nvSpPr>
+        <p:spPr>
+          <a:xfrm>
+            <a:off x="968224" y="66187"/>
+            <a:ext cx="10515600" cy="1325563"/>
+          </a:xfrm>
+        </p:spPr>
+        <p:txBody>
+          <a:bodyPr/>
+          <a:lstStyle/>
+          <a:p>
+            <a:r>
+              <a:rPr lang="ru-RU" dirty="0" smtClean="0"/>
+              <a:t>Регистрация \ Вход в аккаунт</a:t>
+            </a:r>
+            <a:endParaRPr lang="ru-RU" dirty="0"/>
+          </a:p>
+        </p:txBody>
+      </p:sp>
+      <p:pic>
+        <p:nvPicPr>
+          <p:cNvPr id="4" name="Объект 3"/>
+          <p:cNvPicPr>
+            <a:picLocks noGrp="1" noChangeAspect="1"/>
+          </p:cNvPicPr>
+          <p:nvPr>
+            <p:ph idx="1"/>
+          </p:nvPr>
+        </p:nvPicPr>
+        <p:blipFill rotWithShape="1">
+          <a:blip r:embed="rId2"/>
+          <a:srcRect l="26822" t="19499" r="25947" b="16981"/>
+          <a:stretch/>
+        </p:blipFill>
+        <p:spPr>
+          <a:xfrm>
+            <a:off x="2479429" y="1828800"/>
+            <a:ext cx="5961185" cy="4509765"/>
+          </a:xfrm>
+          <a:prstGeom prst="rect">
+            <a:avLst/>
+          </a:prstGeom>
+          <a:ln>
+            <a:noFill/>
+          </a:ln>
+          <a:effectLst>
+            <a:outerShdw blurRad="190500" algn="tl" rotWithShape="0">
+              <a:srgbClr val="000000">
+                <a:alpha val="70000"/>
+              </a:srgbClr>
+            </a:outerShdw>
+          </a:effectLst>
+        </p:spPr>
+      </p:pic>
+    </p:spTree>
+    <p:extLst>
+      <p:ext uri="{BB962C8B-B14F-4D97-AF65-F5344CB8AC3E}">
+        <p14:creationId xmlns:p14="http://schemas.microsoft.com/office/powerpoint/2010/main" val="929666697"/>
+      </p:ext>
+    </p:extLst>
+  </p:cSld>
+  <p:clrMapOvr>
+    <a:masterClrMapping/>
+  </p:clrMapOvr>
+  <p:timing>
+    <p:tnLst>
+      <p:par>
+        <p:cTn id="1" dur="indefinite" restart="never" nodeType="tmRoot"/>
+      </p:par>
+    </p:tnLst>
+  </p:timing>
+</p:sld>
+</file>
+
+<file path=ppt/slides/slide4.xml><?xml version="1.0" encoding="utf-8"?>
+<p:sld xmlns:a="http://schemas.openxmlformats.org/drawingml/2006/main" xmlns:r="http://schemas.openxmlformats.org/officeDocument/2006/relationships" xmlns:p="http://schemas.openxmlformats.org/presentationml/2006/main">
+  <p:cSld>
+    <p:spTree>
+      <p:nvGrpSpPr>
+        <p:cNvPr id="1" name=""/>
+        <p:cNvGrpSpPr/>
+        <p:nvPr/>
+      </p:nvGrpSpPr>
+      <p:grpSpPr>
+        <a:xfrm>
+          <a:off x="0" y="0"/>
+          <a:ext cx="0" cy="0"/>
+          <a:chOff x="0" y="0"/>
+          <a:chExt cx="0" cy="0"/>
+        </a:xfrm>
+      </p:grpSpPr>
+      <p:sp>
+        <p:nvSpPr>
+          <p:cNvPr id="2" name="Заголовок 1"/>
+          <p:cNvSpPr>
+            <a:spLocks noGrp="1"/>
+          </p:cNvSpPr>
+          <p:nvPr>
+            <p:ph type="title"/>
+          </p:nvPr>
+        </p:nvSpPr>
+        <p:spPr>
+          <a:xfrm>
+            <a:off x="1244288" y="-52526"/>
+            <a:ext cx="9692640" cy="1325562"/>
+          </a:xfrm>
+        </p:spPr>
+        <p:txBody>
+          <a:bodyPr/>
+          <a:lstStyle/>
+          <a:p>
+            <a:r>
+              <a:rPr lang="ru-RU" dirty="0" smtClean="0"/>
+              <a:t>Разделение возможностей</a:t>
+            </a:r>
+            <a:endParaRPr lang="ru-RU" dirty="0"/>
+          </a:p>
+        </p:txBody>
+      </p:sp>
+      <p:sp>
+        <p:nvSpPr>
+          <p:cNvPr id="4" name="Текст 3"/>
+          <p:cNvSpPr>
+            <a:spLocks noGrp="1"/>
+          </p:cNvSpPr>
+          <p:nvPr>
+            <p:ph type="body" idx="1"/>
+          </p:nvPr>
+        </p:nvSpPr>
+        <p:spPr>
+          <a:xfrm>
+            <a:off x="716749" y="1732671"/>
+            <a:ext cx="4480560" cy="731520"/>
+          </a:xfrm>
+        </p:spPr>
+        <p:txBody>
+          <a:bodyPr>
+            <a:noAutofit/>
+          </a:bodyPr>
+          <a:lstStyle/>
+          <a:p>
+            <a:r>
+              <a:rPr lang="ru-RU" sz="2400" b="1" dirty="0" smtClean="0">
+                <a:solidFill>
+                  <a:srgbClr val="333333"/>
+                </a:solidFill>
+              </a:rPr>
+              <a:t>Незарегистрированный пользователь</a:t>
+            </a:r>
+            <a:endParaRPr lang="ru-RU" sz="2400" b="1" dirty="0">
+              <a:solidFill>
+                <a:srgbClr val="333333"/>
+              </a:solidFill>
+            </a:endParaRPr>
+          </a:p>
+        </p:txBody>
+      </p:sp>
+      <p:sp>
+        <p:nvSpPr>
+          <p:cNvPr id="5" name="Объект 4"/>
+          <p:cNvSpPr>
+            <a:spLocks noGrp="1"/>
+          </p:cNvSpPr>
+          <p:nvPr>
+            <p:ph sz="half" idx="2"/>
+          </p:nvPr>
+        </p:nvSpPr>
+        <p:spPr>
+          <a:xfrm>
+            <a:off x="839787" y="2804014"/>
+            <a:ext cx="5157787" cy="3684588"/>
+          </a:xfrm>
+        </p:spPr>
+        <p:txBody>
+          <a:bodyPr>
+            <a:normAutofit/>
+          </a:bodyPr>
+          <a:lstStyle/>
+          <a:p>
+            <a:r>
+              <a:rPr lang="ru-RU" sz="2400" dirty="0" smtClean="0">
+                <a:solidFill>
+                  <a:srgbClr val="333333"/>
+                </a:solidFill>
+              </a:rPr>
+              <a:t>Просмотр  магазинов</a:t>
+            </a:r>
+          </a:p>
+          <a:p>
+            <a:r>
+              <a:rPr lang="ru-RU" sz="2400" dirty="0" smtClean="0">
+                <a:solidFill>
+                  <a:srgbClr val="333333"/>
+                </a:solidFill>
+              </a:rPr>
+              <a:t>Просмотр товаров</a:t>
+            </a:r>
+            <a:endParaRPr lang="ru-RU" sz="2400" dirty="0">
+              <a:solidFill>
+                <a:srgbClr val="333333"/>
+              </a:solidFill>
+            </a:endParaRPr>
+          </a:p>
+        </p:txBody>
+      </p:sp>
+      <p:sp>
+        <p:nvSpPr>
+          <p:cNvPr id="6" name="Текст 5"/>
+          <p:cNvSpPr>
+            <a:spLocks noGrp="1"/>
+          </p:cNvSpPr>
+          <p:nvPr>
+            <p:ph type="body" sz="quarter" idx="3"/>
+          </p:nvPr>
+        </p:nvSpPr>
+        <p:spPr>
+          <a:xfrm>
+            <a:off x="6172200" y="1681163"/>
+            <a:ext cx="4299438" cy="823912"/>
+          </a:xfrm>
+        </p:spPr>
+        <p:txBody>
+          <a:bodyPr>
+            <a:normAutofit/>
+          </a:bodyPr>
+          <a:lstStyle/>
+          <a:p>
+            <a:r>
+              <a:rPr lang="ru-RU" sz="2400" b="1" dirty="0" smtClean="0"/>
+              <a:t>Зарегистрированный </a:t>
+            </a:r>
+            <a:r>
+              <a:rPr lang="ru-RU" sz="2400" b="1" dirty="0"/>
+              <a:t>пользователь</a:t>
+            </a:r>
+          </a:p>
+        </p:txBody>
+      </p:sp>
+      <p:sp>
+        <p:nvSpPr>
+          <p:cNvPr id="7" name="Объект 6"/>
+          <p:cNvSpPr>
+            <a:spLocks noGrp="1"/>
+          </p:cNvSpPr>
+          <p:nvPr>
+            <p:ph sz="quarter" idx="4"/>
+          </p:nvPr>
+        </p:nvSpPr>
+        <p:spPr>
+          <a:xfrm>
+            <a:off x="6172200" y="2804014"/>
+            <a:ext cx="5183188" cy="3684588"/>
+          </a:xfrm>
+        </p:spPr>
+        <p:txBody>
+          <a:bodyPr>
+            <a:normAutofit/>
+          </a:bodyPr>
+          <a:lstStyle/>
+          <a:p>
+            <a:r>
+              <a:rPr lang="ru-RU" sz="2400" dirty="0"/>
+              <a:t>Просмотр  </a:t>
+            </a:r>
+            <a:r>
+              <a:rPr lang="ru-RU" sz="2400" dirty="0" smtClean="0"/>
+              <a:t>магазинов</a:t>
+            </a:r>
+          </a:p>
+          <a:p>
+            <a:r>
+              <a:rPr lang="ru-RU" sz="2400" dirty="0"/>
+              <a:t>Просмотр </a:t>
+            </a:r>
+            <a:r>
+              <a:rPr lang="ru-RU" sz="2400" dirty="0" smtClean="0"/>
+              <a:t>товаров</a:t>
+            </a:r>
+          </a:p>
+          <a:p>
+            <a:r>
+              <a:rPr lang="ru-RU" sz="2400" dirty="0" smtClean="0"/>
+              <a:t>Создание своих магазинов</a:t>
+            </a:r>
+          </a:p>
+          <a:p>
+            <a:r>
+              <a:rPr lang="ru-RU" sz="2400" dirty="0" smtClean="0"/>
+              <a:t>Добавление своих товаров на площадку</a:t>
+            </a:r>
+          </a:p>
+          <a:p>
+            <a:r>
+              <a:rPr lang="ru-RU" sz="2400" dirty="0" smtClean="0"/>
+              <a:t>Функция «Избранное»</a:t>
+            </a:r>
+            <a:endParaRPr lang="ru-RU" sz="2400" dirty="0"/>
+          </a:p>
+        </p:txBody>
+      </p:sp>
+      <p:cxnSp>
+        <p:nvCxnSpPr>
+          <p:cNvPr id="9" name="Прямая со стрелкой 8"/>
+          <p:cNvCxnSpPr/>
+          <p:nvPr/>
+        </p:nvCxnSpPr>
+        <p:spPr>
+          <a:xfrm>
+            <a:off x="5020408" y="2147855"/>
+            <a:ext cx="977166" cy="0"/>
+          </a:xfrm>
+          <a:prstGeom prst="straightConnector1">
+            <a:avLst/>
+          </a:prstGeom>
+          <a:ln w="19050">
+            <a:solidFill>
+              <a:srgbClr val="0070C0"/>
+            </a:solidFill>
+            <a:tailEnd type="triangle"/>
+          </a:ln>
+        </p:spPr>
+        <p:style>
+          <a:lnRef idx="1">
+            <a:schemeClr val="accent1"/>
+          </a:lnRef>
+          <a:fillRef idx="0">
+            <a:schemeClr val="accent1"/>
+          </a:fillRef>
+          <a:effectRef idx="0">
+            <a:schemeClr val="accent1"/>
+          </a:effectRef>
+          <a:fontRef idx="minor">
+            <a:schemeClr val="tx1"/>
+          </a:fontRef>
+        </p:style>
+      </p:cxnSp>
+    </p:spTree>
+    <p:extLst>
+      <p:ext uri="{BB962C8B-B14F-4D97-AF65-F5344CB8AC3E}">
+        <p14:creationId xmlns:p14="http://schemas.microsoft.com/office/powerpoint/2010/main" val="3567303219"/>
+      </p:ext>
+    </p:extLst>
+  </p:cSld>
+  <p:clrMapOvr>
+    <a:masterClrMapping/>
+  </p:clrMapOvr>
+  <p:timing>
+    <p:tnLst>
+      <p:par>
+        <p:cTn id="1" dur="indefinite" restart="never" nodeType="tmRoot"/>
+      </p:par>
+    </p:tnLst>
+  </p:timing>
+</p:sld>
+</file>
+
+<file path=ppt/slides/slide5.xml><?xml version="1.0" encoding="utf-8"?>
+<p:sld xmlns:a="http://schemas.openxmlformats.org/drawingml/2006/main" xmlns:r="http://schemas.openxmlformats.org/officeDocument/2006/relationships" xmlns:p="http://schemas.openxmlformats.org/presentationml/2006/main">
+  <p:cSld>
+    <p:spTree>
+      <p:nvGrpSpPr>
+        <p:cNvPr id="1" name=""/>
+        <p:cNvGrpSpPr/>
+        <p:nvPr/>
+      </p:nvGrpSpPr>
+      <p:grpSpPr>
+        <a:xfrm>
+          <a:off x="0" y="0"/>
+          <a:ext cx="0" cy="0"/>
+          <a:chOff x="0" y="0"/>
+          <a:chExt cx="0" cy="0"/>
+        </a:xfrm>
+      </p:grpSpPr>
+      <p:pic>
+        <p:nvPicPr>
+          <p:cNvPr id="11" name="Объект 10"/>
+          <p:cNvPicPr>
+            <a:picLocks noGrp="1" noChangeAspect="1"/>
+          </p:cNvPicPr>
+          <p:nvPr>
+            <p:ph idx="1"/>
+          </p:nvPr>
+        </p:nvPicPr>
+        <p:blipFill rotWithShape="1">
+          <a:blip r:embed="rId2"/>
+          <a:srcRect l="-796" t="3435" r="47648" b="4426"/>
+          <a:stretch/>
+        </p:blipFill>
+        <p:spPr>
+          <a:xfrm>
+            <a:off x="2425212" y="399397"/>
+            <a:ext cx="6604488" cy="6009928"/>
+          </a:xfrm>
+          <a:prstGeom prst="rect">
+            <a:avLst/>
+          </a:prstGeom>
+          <a:ln>
+            <a:noFill/>
+          </a:ln>
+          <a:effectLst>
+            <a:outerShdw blurRad="190500" algn="tl" rotWithShape="0">
+              <a:srgbClr val="000000">
+                <a:alpha val="70000"/>
+              </a:srgbClr>
+            </a:outerShdw>
+          </a:effectLst>
+        </p:spPr>
+      </p:pic>
+    </p:spTree>
+    <p:extLst>
+      <p:ext uri="{BB962C8B-B14F-4D97-AF65-F5344CB8AC3E}">
+        <p14:creationId xmlns:p14="http://schemas.microsoft.com/office/powerpoint/2010/main" val="1897669949"/>
+      </p:ext>
+    </p:extLst>
+  </p:cSld>
+  <p:clrMapOvr>
+    <a:masterClrMapping/>
+  </p:clrMapOvr>
+  <p:timing>
+    <p:tnLst>
+      <p:par>
+        <p:cTn id="1" dur="indefinite" restart="never" nodeType="tmRoot"/>
+      </p:par>
+    </p:tnLst>
+  </p:timing>
+</p:sld>
+</file>
+
+<file path=ppt/slides/slide6.xml><?xml version="1.0" encoding="utf-8"?>
+<p:sld xmlns:a="http://schemas.openxmlformats.org/drawingml/2006/main" xmlns:r="http://schemas.openxmlformats.org/officeDocument/2006/relationships" xmlns:p="http://schemas.openxmlformats.org/presentationml/2006/main">
+  <p:cSld>
+    <p:spTree>
+      <p:nvGrpSpPr>
+        <p:cNvPr id="1" name=""/>
+        <p:cNvGrpSpPr/>
+        <p:nvPr/>
+      </p:nvGrpSpPr>
+      <p:grpSpPr>
+        <a:xfrm>
+          <a:off x="0" y="0"/>
+          <a:ext cx="0" cy="0"/>
+          <a:chOff x="0" y="0"/>
+          <a:chExt cx="0" cy="0"/>
+        </a:xfrm>
+      </p:grpSpPr>
+      <p:pic>
+        <p:nvPicPr>
+          <p:cNvPr id="4" name="Объект 3"/>
+          <p:cNvPicPr>
+            <a:picLocks noGrp="1" noChangeAspect="1"/>
+          </p:cNvPicPr>
+          <p:nvPr>
+            <p:ph idx="1"/>
+          </p:nvPr>
+        </p:nvPicPr>
+        <p:blipFill rotWithShape="1">
+          <a:blip r:embed="rId2"/>
+          <a:srcRect l="4462" t="7274" r="57993" b="32281"/>
+          <a:stretch/>
+        </p:blipFill>
+        <p:spPr>
+          <a:xfrm>
+            <a:off x="2501153" y="746990"/>
+            <a:ext cx="5853953" cy="5301172"/>
+          </a:xfrm>
+          <a:prstGeom prst="rect">
+            <a:avLst/>
+          </a:prstGeom>
+          <a:ln>
+            <a:noFill/>
+          </a:ln>
+          <a:effectLst>
+            <a:outerShdw blurRad="190500" algn="tl" rotWithShape="0">
+              <a:srgbClr val="000000">
+                <a:alpha val="70000"/>
+              </a:srgbClr>
+            </a:outerShdw>
+          </a:effectLst>
+        </p:spPr>
+      </p:pic>
+    </p:spTree>
+    <p:extLst>
+      <p:ext uri="{BB962C8B-B14F-4D97-AF65-F5344CB8AC3E}">
+        <p14:creationId xmlns:p14="http://schemas.microsoft.com/office/powerpoint/2010/main" val="655722834"/>
+      </p:ext>
+    </p:extLst>
+  </p:cSld>
+  <p:clrMapOvr>
+    <a:masterClrMapping/>
+  </p:clrMapOvr>
+  <p:timing>
+    <p:tnLst>
+      <p:par>
+        <p:cTn id="1" dur="indefinite" restart="never" nodeType="tmRoot"/>
+      </p:par>
+    </p:tnLst>
+  </p:timing>
+</p:sld>
+</file>
+
+<file path=ppt/slides/slide7.xml><?xml version="1.0" encoding="utf-8"?>
+<p:sld xmlns:a="http://schemas.openxmlformats.org/drawingml/2006/main" xmlns:r="http://schemas.openxmlformats.org/officeDocument/2006/relationships" xmlns:p="http://schemas.openxmlformats.org/presentationml/2006/main">
+  <p:cSld>
+    <p:spTree>
+      <p:nvGrpSpPr>
+        <p:cNvPr id="1" name=""/>
+        <p:cNvGrpSpPr/>
+        <p:nvPr/>
+      </p:nvGrpSpPr>
+      <p:grpSpPr>
+        <a:xfrm>
+          <a:off x="0" y="0"/>
+          <a:ext cx="0" cy="0"/>
+          <a:chOff x="0" y="0"/>
+          <a:chExt cx="0" cy="0"/>
+        </a:xfrm>
+      </p:grpSpPr>
+      <p:pic>
+        <p:nvPicPr>
+          <p:cNvPr id="6" name="Объект 5"/>
+          <p:cNvPicPr>
+            <a:picLocks noGrp="1" noChangeAspect="1"/>
+          </p:cNvPicPr>
+          <p:nvPr>
+            <p:ph idx="1"/>
+          </p:nvPr>
+        </p:nvPicPr>
+        <p:blipFill rotWithShape="1">
+          <a:blip r:embed="rId2"/>
+          <a:srcRect t="6870" r="55262" b="3821"/>
+          <a:stretch/>
+        </p:blipFill>
+        <p:spPr>
+          <a:xfrm>
+            <a:off x="2922490" y="373181"/>
+            <a:ext cx="5359863" cy="6018827"/>
+          </a:xfrm>
+          <a:prstGeom prst="rect">
+            <a:avLst/>
+          </a:prstGeom>
+          <a:ln>
+            <a:noFill/>
+          </a:ln>
+          <a:effectLst>
+            <a:outerShdw blurRad="190500" algn="tl" rotWithShape="0">
+              <a:srgbClr val="000000">
+                <a:alpha val="70000"/>
+              </a:srgbClr>
+            </a:outerShdw>
+          </a:effectLst>
+        </p:spPr>
+      </p:pic>
+    </p:spTree>
+    <p:extLst>
+      <p:ext uri="{BB962C8B-B14F-4D97-AF65-F5344CB8AC3E}">
+        <p14:creationId xmlns:p14="http://schemas.microsoft.com/office/powerpoint/2010/main" val="329668391"/>
+      </p:ext>
+    </p:extLst>
+  </p:cSld>
+  <p:clrMapOvr>
+    <a:masterClrMapping/>
+  </p:clrMapOvr>
+  <p:timing>
+    <p:tnLst>
+      <p:par>
+        <p:cTn id="1" dur="indefinite" restart="never" nodeType="tmRoot"/>
+      </p:par>
+    </p:tnLst>
+  </p:timing>
+</p:sld>
+</file>
+
+<file path=ppt/slides/slide8.xml><?xml version="1.0" encoding="utf-8"?>
+<p:sld xmlns:a="http://schemas.openxmlformats.org/drawingml/2006/main" xmlns:r="http://schemas.openxmlformats.org/officeDocument/2006/relationships" xmlns:p="http://schemas.openxmlformats.org/presentationml/2006/main">
+  <p:cSld>
+    <p:spTree>
+      <p:nvGrpSpPr>
+        <p:cNvPr id="1" name=""/>
+        <p:cNvGrpSpPr/>
+        <p:nvPr/>
+      </p:nvGrpSpPr>
+      <p:grpSpPr>
+        <a:xfrm>
+          <a:off x="0" y="0"/>
+          <a:ext cx="0" cy="0"/>
+          <a:chOff x="0" y="0"/>
+          <a:chExt cx="0" cy="0"/>
+        </a:xfrm>
+      </p:grpSpPr>
+      <p:sp>
+        <p:nvSpPr>
+          <p:cNvPr id="2" name="Заголовок 1"/>
+          <p:cNvSpPr>
+            <a:spLocks noGrp="1"/>
+          </p:cNvSpPr>
+          <p:nvPr>
+            <p:ph type="title"/>
+          </p:nvPr>
+        </p:nvSpPr>
+        <p:spPr>
+          <a:xfrm>
+            <a:off x="774651" y="-126609"/>
+            <a:ext cx="9692640" cy="1325562"/>
+          </a:xfrm>
+        </p:spPr>
+        <p:txBody>
+          <a:bodyPr/>
+          <a:lstStyle/>
+          <a:p>
+            <a:r>
+              <a:rPr lang="ru-RU" dirty="0" smtClean="0"/>
+              <a:t>Создание своего магазина</a:t>
+            </a:r>
+            <a:endParaRPr lang="ru-RU" dirty="0"/>
+          </a:p>
+        </p:txBody>
+      </p:sp>
+      <p:pic>
+        <p:nvPicPr>
+          <p:cNvPr id="4" name="Объект 3"/>
+          <p:cNvPicPr>
+            <a:picLocks noGrp="1" noChangeAspect="1"/>
+          </p:cNvPicPr>
+          <p:nvPr>
+            <p:ph idx="1"/>
+          </p:nvPr>
+        </p:nvPicPr>
+        <p:blipFill rotWithShape="1">
+          <a:blip r:embed="rId2"/>
+          <a:srcRect l="-44" t="7476" r="-88" b="16347"/>
+          <a:stretch/>
+        </p:blipFill>
+        <p:spPr>
+          <a:xfrm>
+            <a:off x="774651" y="1837593"/>
+            <a:ext cx="9903403" cy="4237892"/>
+          </a:xfrm>
+          <a:prstGeom prst="rect">
+            <a:avLst/>
+          </a:prstGeom>
+          <a:ln>
+            <a:noFill/>
+          </a:ln>
+          <a:effectLst>
+            <a:outerShdw blurRad="190500" algn="tl" rotWithShape="0">
+              <a:srgbClr val="000000">
+                <a:alpha val="70000"/>
+              </a:srgbClr>
+            </a:outerShdw>
+          </a:effectLst>
+        </p:spPr>
+      </p:pic>
+    </p:spTree>
+    <p:extLst>
+      <p:ext uri="{BB962C8B-B14F-4D97-AF65-F5344CB8AC3E}">
+        <p14:creationId xmlns:p14="http://schemas.microsoft.com/office/powerpoint/2010/main" val="2244081329"/>
+      </p:ext>
+    </p:extLst>
+  </p:cSld>
+  <p:clrMapOvr>
+    <a:masterClrMapping/>
+  </p:clrMapOvr>
+  <p:timing>
+    <p:tnLst>
+      <p:par>
+        <p:cTn id="1" dur="indefinite" restart="never" nodeType="tmRoot"/>
+      </p:par>
+    </p:tnLst>
+  </p:timing>
+</p:sld>
+</file>
+
+<file path=ppt/slides/slide9.xml><?xml version="1.0" encoding="utf-8"?>
+<p:sld xmlns:a="http://schemas.openxmlformats.org/drawingml/2006/main" xmlns:r="http://schemas.openxmlformats.org/officeDocument/2006/relationships" xmlns:p="http://schemas.openxmlformats.org/presentationml/2006/main">
+  <p:cSld>
+    <p:spTree>
+      <p:nvGrpSpPr>
+        <p:cNvPr id="1" name=""/>
+        <p:cNvGrpSpPr/>
+        <p:nvPr/>
+      </p:nvGrpSpPr>
+      <p:grpSpPr>
+        <a:xfrm>
+          <a:off x="0" y="0"/>
+          <a:ext cx="0" cy="0"/>
+          <a:chOff x="0" y="0"/>
+          <a:chExt cx="0" cy="0"/>
+        </a:xfrm>
+      </p:grpSpPr>
+      <p:sp>
+        <p:nvSpPr>
+          <p:cNvPr id="2" name="Заголовок 1"/>
+          <p:cNvSpPr>
+            <a:spLocks noGrp="1"/>
+          </p:cNvSpPr>
+          <p:nvPr>
+            <p:ph type="title"/>
+          </p:nvPr>
+        </p:nvSpPr>
+        <p:spPr/>
+        <p:txBody>
+          <a:bodyPr/>
+          <a:lstStyle/>
+          <a:p>
+            <a:r>
+              <a:rPr lang="ru-RU" dirty="0" smtClean="0"/>
+              <a:t>Свой магазин</a:t>
+            </a:r>
+            <a:br>
+              <a:rPr lang="ru-RU" dirty="0" smtClean="0"/>
+            </a:br>
+            <a:endParaRPr lang="ru-RU" dirty="0"/>
+          </a:p>
+        </p:txBody>
+      </p:sp>
+      <p:pic>
+        <p:nvPicPr>
+          <p:cNvPr id="4" name="Объект 3"/>
+          <p:cNvPicPr>
+            <a:picLocks noGrp="1" noChangeAspect="1"/>
+          </p:cNvPicPr>
+          <p:nvPr>
+            <p:ph idx="1"/>
+          </p:nvPr>
+        </p:nvPicPr>
+        <p:blipFill rotWithShape="1">
+          <a:blip r:embed="rId2"/>
+          <a:srcRect l="524" t="7072" r="4344" b="3618"/>
+          <a:stretch/>
+        </p:blipFill>
+        <p:spPr>
+          <a:xfrm>
+            <a:off x="1459523" y="1565032"/>
+            <a:ext cx="8441391" cy="4457700"/>
+          </a:xfrm>
+          <a:prstGeom prst="rect">
+            <a:avLst/>
+          </a:prstGeom>
+          <a:ln>
+            <a:noFill/>
+          </a:ln>
+          <a:effectLst>
+            <a:outerShdw blurRad="190500" algn="tl" rotWithShape="0">
+              <a:srgbClr val="000000">
+                <a:alpha val="70000"/>
+              </a:srgbClr>
+            </a:outerShdw>
+          </a:effectLst>
+        </p:spPr>
+      </p:pic>
+    </p:spTree>
+    <p:extLst>
+      <p:ext uri="{BB962C8B-B14F-4D97-AF65-F5344CB8AC3E}">
+        <p14:creationId xmlns:p14="http://schemas.microsoft.com/office/powerpoint/2010/main" val="1595953446"/>
+      </p:ext>
+    </p:extLst>
+  </p:cSld>
+  <p:clrMapOvr>
+    <a:masterClrMapping/>
+  </p:clrMapOvr>
+  <p:timing>
+    <p:tnLst>
+      <p:par>
+        <p:cTn id="1" dur="indefinite" restart="never" nodeType="tmRoot"/>
+      </p:par>
+    </p:tnLst>
+  </p:timing>
+</p:sld>
+</file>
+
 <file path=ppt/theme/theme1.xml><?xml version="1.0" encoding="utf-8"?>
-<a:theme xmlns:a="http://schemas.openxmlformats.org/drawingml/2006/main" name="Тема Office">
+<a:theme xmlns:a="http://schemas.openxmlformats.org/drawingml/2006/main" name="View">
   <a:themeElements>
-    <a:clrScheme name="Стандартная">
+    <a:clrScheme name="View">
       <a:dk1>
-        <a:sysClr val="windowText" lastClr="000000"/>
+        <a:srgbClr val="000000"/>
       </a:dk1>
       <a:lt1>
-        <a:sysClr val="window" lastClr="FFFFFF"/>
+        <a:srgbClr val="FFFFFF"/>
       </a:lt1>
       <a:dk2>
-        <a:srgbClr val="44546A"/>
+        <a:srgbClr val="46464A"/>
       </a:dk2>
       <a:lt2>
-        <a:srgbClr val="E7E6E6"/>
+        <a:srgbClr val="D6D3CC"/>
       </a:lt2>
       <a:accent1>
-        <a:srgbClr val="5B9BD5"/>
+        <a:srgbClr val="6F6F74"/>
       </a:accent1>
       <a:accent2>
-        <a:srgbClr val="ED7D31"/>
+        <a:srgbClr val="92A9B9"/>
       </a:accent2>
       <a:accent3>
-        <a:srgbClr val="A5A5A5"/>
+        <a:srgbClr val="A7B789"/>
       </a:accent3>
       <a:accent4>
-        <a:srgbClr val="FFC000"/>
+        <a:srgbClr val="B9A489"/>
       </a:accent4>
       <a:accent5>
-        <a:srgbClr val="4472C4"/>
+        <a:srgbClr val="8D6374"/>
       </a:accent5>
       <a:accent6>
-        <a:srgbClr val="70AD47"/>
+        <a:srgbClr val="9B7362"/>
       </a:accent6>
       <a:hlink>
-        <a:srgbClr val="0563C1"/>
+        <a:srgbClr val="67AABF"/>
       </a:hlink>
       <a:folHlink>
-        <a:srgbClr val="954F72"/>
+        <a:srgbClr val="ABAFA5"/>
       </a:folHlink>
     </a:clrScheme>
-    <a:fontScheme name="Стандартная">
+    <a:fontScheme name="View">
       <a:majorFont>
-        <a:latin typeface="Calibri Light" panose="020F0302020204030204"/>
+        <a:latin typeface="Century Schoolbook" panose="02040604050505020304"/>
         <a:ea typeface=""/>
         <a:cs typeface=""/>
-        <a:font script="Jpan" typeface="游ゴシック Light"/>
+        <a:font script="Jpan" typeface="ＭＳ ゴシック"/>
         <a:font script="Hang" typeface="맑은 고딕"/>
-        <a:font script="Hans" typeface="等线 Light"/>
+        <a:font script="Hans" typeface="宋体"/>
         <a:font script="Hant" typeface="新細明體"/>
-        <a:font script="Arab" typeface="Times New Roman"/>
-        <a:font script="Hebr" typeface="Times New Roman"/>
-        <a:font script="Thai" typeface="Angsana New"/>
-        <a:font script="Ethi" typeface="Nyala"/>
-        <a:font script="Beng" typeface="Vrinda"/>
-        <a:font script="Gujr" typeface="Shruti"/>
-        <a:font script="Khmr" typeface="MoolBoran"/>
-        <a:font script="Knda" typeface="Tunga"/>
-        <a:font script="Guru" typeface="Raavi"/>
-        <a:font script="Cans" typeface="Euphemia"/>
-        <a:font script="Cher" typeface="Plantagenet Cherokee"/>
-        <a:font script="Yiii" typeface="Microsoft Yi Baiti"/>
-        <a:font script="Tibt" typeface="Microsoft Himalaya"/>
-        <a:font script="Thaa" typeface="MV Boli"/>
-        <a:font script="Deva" typeface="Mangal"/>
-        <a:font script="Telu" typeface="Gautami"/>
-        <a:font script="Taml" typeface="Latha"/>
-        <a:font script="Syrc" typeface="Estrangelo Edessa"/>
-        <a:font script="Orya" typeface="Kalinga"/>
-        <a:font script="Mlym" typeface="Kartika"/>
-        <a:font script="Laoo" typeface="DokChampa"/>
-        <a:font script="Sinh" typeface="Iskoola Pota"/>
-        <a:font script="Mong" typeface="Mongolian Baiti"/>
-        <a:font script="Viet" typeface="Times New Roman"/>
-        <a:font script="Uigh" typeface="Microsoft Uighur"/>
-        <a:font script="Geor" typeface="Sylfaen"/>
-      </a:majorFont>
-      <a:minorFont>
-        <a:latin typeface="Calibri" panose="020F0502020204030204"/>
-        <a:ea typeface=""/>
-        <a:cs typeface=""/>
-        <a:font script="Jpan" typeface="游ゴシック"/>
-        <a:font script="Hang" typeface="맑은 고딕"/>
-        <a:font script="Hans" typeface="等线"/>
-        <a:font script="Hant" typeface="新細明體"/>
-        <a:font script="Arab" typeface="Arial"/>
-        <a:font script="Hebr" typeface="Arial"/>
-        <a:font script="Thai" typeface="Cordia New"/>
+        <a:font script="Arab" typeface="Tahoma"/>
+        <a:font script="Hebr" typeface="Gisha"/>
+        <a:font script="Thai" typeface="DilleniaUPC"/>
         <a:font script="Ethi" typeface="Nyala"/>
         <a:font script="Beng" typeface="Vrinda"/>
         <a:font script="Gujr" typeface="Shruti"/>
@@ -4159,90 +5955,86 @@
         <a:font script="Laoo" typeface="DokChampa"/>
         <a:font script="Sinh" typeface="Iskoola Pota"/>
         <a:font script="Mong" typeface="Mongolian Baiti"/>
-        <a:font script="Viet" typeface="Arial"/>
+        <a:font script="Viet" typeface="Tahoma"/>
+        <a:font script="Uigh" typeface="Microsoft Uighur"/>
+        <a:font script="Geor" typeface="Sylfaen"/>
+      </a:majorFont>
+      <a:minorFont>
+        <a:latin typeface="Century Schoolbook" panose="02040604050505020304"/>
+        <a:ea typeface=""/>
+        <a:cs typeface=""/>
+        <a:font script="Jpan" typeface="ＭＳ ゴシック"/>
+        <a:font script="Hang" typeface="맑은 고딕"/>
+        <a:font script="Hans" typeface="宋体"/>
+        <a:font script="Hant" typeface="新細明體"/>
+        <a:font script="Arab" typeface="Tahoma"/>
+        <a:font script="Hebr" typeface="Gisha"/>
+        <a:font script="Thai" typeface="DilleniaUPC"/>
+        <a:font script="Ethi" typeface="Nyala"/>
+        <a:font script="Beng" typeface="Vrinda"/>
+        <a:font script="Gujr" typeface="Shruti"/>
+        <a:font script="Khmr" typeface="DaunPenh"/>
+        <a:font script="Knda" typeface="Tunga"/>
+        <a:font script="Guru" typeface="Raavi"/>
+        <a:font script="Cans" typeface="Euphemia"/>
+        <a:font script="Cher" typeface="Plantagenet Cherokee"/>
+        <a:font script="Yiii" typeface="Microsoft Yi Baiti"/>
+        <a:font script="Tibt" typeface="Microsoft Himalaya"/>
+        <a:font script="Thaa" typeface="MV Boli"/>
+        <a:font script="Deva" typeface="Mangal"/>
+        <a:font script="Telu" typeface="Gautami"/>
+        <a:font script="Taml" typeface="Latha"/>
+        <a:font script="Syrc" typeface="Estrangelo Edessa"/>
+        <a:font script="Orya" typeface="Kalinga"/>
+        <a:font script="Mlym" typeface="Kartika"/>
+        <a:font script="Laoo" typeface="DokChampa"/>
+        <a:font script="Sinh" typeface="Iskoola Pota"/>
+        <a:font script="Mong" typeface="Mongolian Baiti"/>
+        <a:font script="Viet" typeface="Verdana"/>
         <a:font script="Uigh" typeface="Microsoft Uighur"/>
         <a:font script="Geor" typeface="Sylfaen"/>
       </a:minorFont>
     </a:fontScheme>
-    <a:fmtScheme name="Стандартная">
+    <a:fmtScheme name="View">
       <a:fillStyleLst>
         <a:solidFill>
           <a:schemeClr val="phClr"/>
         </a:solidFill>
-        <a:gradFill rotWithShape="1">
-          <a:gsLst>
-            <a:gs pos="0">
-              <a:schemeClr val="phClr">
-                <a:lumMod val="110000"/>
-                <a:satMod val="105000"/>
-                <a:tint val="67000"/>
-              </a:schemeClr>
-            </a:gs>
-            <a:gs pos="50000">
-              <a:schemeClr val="phClr">
-                <a:lumMod val="105000"/>
-                <a:satMod val="103000"/>
-                <a:tint val="73000"/>
-              </a:schemeClr>
-            </a:gs>
-            <a:gs pos="100000">
-              <a:schemeClr val="phClr">
-                <a:lumMod val="105000"/>
-                <a:satMod val="109000"/>
-                <a:tint val="81000"/>
-              </a:schemeClr>
-            </a:gs>
-          </a:gsLst>
-          <a:lin ang="5400000" scaled="0"/>
-        </a:gradFill>
-        <a:gradFill rotWithShape="1">
-          <a:gsLst>
-            <a:gs pos="0">
-              <a:schemeClr val="phClr">
-                <a:satMod val="103000"/>
-                <a:lumMod val="102000"/>
-                <a:tint val="94000"/>
-              </a:schemeClr>
-            </a:gs>
-            <a:gs pos="50000">
-              <a:schemeClr val="phClr">
-                <a:satMod val="110000"/>
-                <a:lumMod val="100000"/>
-                <a:shade val="100000"/>
-              </a:schemeClr>
-            </a:gs>
-            <a:gs pos="100000">
-              <a:schemeClr val="phClr">
-                <a:lumMod val="99000"/>
-                <a:satMod val="120000"/>
-                <a:shade val="78000"/>
-              </a:schemeClr>
-            </a:gs>
-          </a:gsLst>
-          <a:lin ang="5400000" scaled="0"/>
-        </a:gradFill>
+        <a:solidFill>
+          <a:schemeClr val="phClr">
+            <a:tint val="60000"/>
+            <a:satMod val="120000"/>
+          </a:schemeClr>
+        </a:solidFill>
+        <a:solidFill>
+          <a:schemeClr val="phClr">
+            <a:shade val="75000"/>
+            <a:satMod val="160000"/>
+          </a:schemeClr>
+        </a:solidFill>
       </a:fillStyleLst>
       <a:lnStyleLst>
-        <a:ln w="6350" cap="flat" cmpd="sng" algn="ctr">
+        <a:ln w="9525" cap="flat" cmpd="sng" algn="ctr">
           <a:solidFill>
             <a:schemeClr val="phClr"/>
           </a:solidFill>
           <a:prstDash val="solid"/>
-          <a:miter lim="800000"/>
         </a:ln>
-        <a:ln w="12700" cap="flat" cmpd="sng" algn="ctr">
+        <a:ln w="13970" cap="flat" cmpd="sng" algn="ctr">
           <a:solidFill>
             <a:schemeClr val="phClr"/>
           </a:solidFill>
           <a:prstDash val="solid"/>
-          <a:miter lim="800000"/>
         </a:ln>
-        <a:ln w="19050" cap="flat" cmpd="sng" algn="ctr">
+        <a:ln w="17145" cap="flat" cmpd="sng" algn="ctr">
           <a:solidFill>
-            <a:schemeClr val="phClr"/>
+            <a:schemeClr val="phClr">
+              <a:shade val="95000"/>
+              <a:alpha val="95000"/>
+              <a:satMod val="150000"/>
+            </a:schemeClr>
           </a:solidFill>
           <a:prstDash val="solid"/>
-          <a:miter lim="800000"/>
         </a:ln>
       </a:lnStyleLst>
       <a:effectStyleLst>
@@ -4250,16 +6042,52 @@
           <a:effectLst/>
         </a:effectStyle>
         <a:effectStyle>
-          <a:effectLst/>
+          <a:effectLst>
+            <a:outerShdw blurRad="50800" dist="15240" dir="5400000" algn="tl" rotWithShape="0">
+              <a:srgbClr val="000000">
+                <a:alpha val="75000"/>
+              </a:srgbClr>
+            </a:outerShdw>
+          </a:effectLst>
+          <a:scene3d>
+            <a:camera prst="orthographicFront">
+              <a:rot lat="0" lon="0" rev="0"/>
+            </a:camera>
+            <a:lightRig rig="brightRoom" dir="tl"/>
+          </a:scene3d>
+          <a:sp3d contourW="9525" prstMaterial="flat">
+            <a:bevelT w="0" h="0" prst="coolSlant"/>
+            <a:contourClr>
+              <a:schemeClr val="phClr">
+                <a:shade val="35000"/>
+                <a:satMod val="130000"/>
+              </a:schemeClr>
+            </a:contourClr>
+          </a:sp3d>
         </a:effectStyle>
         <a:effectStyle>
           <a:effectLst>
-            <a:outerShdw blurRad="57150" dist="19050" dir="5400000" algn="ctr" rotWithShape="0">
+            <a:outerShdw blurRad="76200" dist="25400" dir="5400000" algn="tl" rotWithShape="0">
               <a:srgbClr val="000000">
-                <a:alpha val="63000"/>
+                <a:alpha val="55000"/>
               </a:srgbClr>
             </a:outerShdw>
           </a:effectLst>
+          <a:scene3d>
+            <a:camera prst="orthographicFront">
+              <a:rot lat="0" lon="0" rev="0"/>
+            </a:camera>
+            <a:lightRig rig="brightRoom" dir="tl"/>
+          </a:scene3d>
+          <a:sp3d contourW="19050" prstMaterial="flat">
+            <a:bevelT w="0" h="0" prst="coolSlant"/>
+            <a:contourClr>
+              <a:schemeClr val="phClr">
+                <a:shade val="25000"/>
+                <a:satMod val="140000"/>
+              </a:schemeClr>
+            </a:contourClr>
+          </a:sp3d>
         </a:effectStyle>
       </a:effectStyleLst>
       <a:bgFillStyleLst>
@@ -4276,28 +6104,23 @@
           <a:gsLst>
             <a:gs pos="0">
               <a:schemeClr val="phClr">
-                <a:tint val="93000"/>
-                <a:satMod val="150000"/>
+                <a:tint val="94000"/>
                 <a:shade val="98000"/>
+                <a:satMod val="130000"/>
                 <a:lumMod val="102000"/>
-              </a:schemeClr>
-            </a:gs>
-            <a:gs pos="50000">
-              <a:schemeClr val="phClr">
-                <a:tint val="98000"/>
-                <a:satMod val="130000"/>
-                <a:shade val="90000"/>
-                <a:lumMod val="103000"/>
               </a:schemeClr>
             </a:gs>
             <a:gs pos="100000">
               <a:schemeClr val="phClr">
-                <a:shade val="63000"/>
-                <a:satMod val="120000"/>
+                <a:tint val="98000"/>
+                <a:shade val="78000"/>
+                <a:satMod val="140000"/>
               </a:schemeClr>
             </a:gs>
           </a:gsLst>
-          <a:lin ang="5400000" scaled="0"/>
+          <a:path path="circle">
+            <a:fillToRect l="100000" t="100000" r="100000" b="100000"/>
+          </a:path>
         </a:gradFill>
       </a:bgFillStyleLst>
     </a:fmtScheme>
@@ -4306,7 +6129,7 @@
   <a:extraClrSchemeLst/>
   <a:extLst>
     <a:ext uri="{05A4C25C-085E-4340-85A3-A5531E510DB2}">
-      <thm15:themeFamily xmlns:thm15="http://schemas.microsoft.com/office/thememl/2012/main" name="Office Theme" id="{62F939B6-93AF-4DB8-9C6B-D6C7DFDC589F}" vid="{4A3C46E8-61CC-4603-A589-7422A47A8E4A}"/>
+      <thm15:themeFamily xmlns:thm15="http://schemas.microsoft.com/office/thememl/2012/main" name="View" id="{BA0EB5A6-F2D4-4F82-977B-64ADEE4A2A69}" vid="{3969A8A2-35DB-4E3B-8885-16FD20568674}"/>
     </a:ext>
   </a:extLst>
 </a:theme>
